--- a/CSS Project 1.pptx
+++ b/CSS Project 1.pptx
@@ -16,15 +16,24 @@
     <p:sldId id="262" r:id="rId10"/>
     <p:sldId id="267" r:id="rId11"/>
     <p:sldId id="264" r:id="rId12"/>
-    <p:sldId id="268" r:id="rId13"/>
-    <p:sldId id="280" r:id="rId14"/>
-    <p:sldId id="275" r:id="rId15"/>
-    <p:sldId id="277" r:id="rId16"/>
-    <p:sldId id="278" r:id="rId17"/>
-    <p:sldId id="270" r:id="rId18"/>
-    <p:sldId id="272" r:id="rId19"/>
-    <p:sldId id="271" r:id="rId20"/>
-    <p:sldId id="273" r:id="rId21"/>
+    <p:sldId id="277" r:id="rId13"/>
+    <p:sldId id="268" r:id="rId14"/>
+    <p:sldId id="280" r:id="rId15"/>
+    <p:sldId id="275" r:id="rId16"/>
+    <p:sldId id="283" r:id="rId17"/>
+    <p:sldId id="284" r:id="rId18"/>
+    <p:sldId id="285" r:id="rId19"/>
+    <p:sldId id="286" r:id="rId20"/>
+    <p:sldId id="287" r:id="rId21"/>
+    <p:sldId id="278" r:id="rId22"/>
+    <p:sldId id="289" r:id="rId23"/>
+    <p:sldId id="270" r:id="rId24"/>
+    <p:sldId id="272" r:id="rId25"/>
+    <p:sldId id="271" r:id="rId26"/>
+    <p:sldId id="282" r:id="rId27"/>
+    <p:sldId id="288" r:id="rId28"/>
+    <p:sldId id="281" r:id="rId29"/>
+    <p:sldId id="273" r:id="rId30"/>
   </p:sldIdLst>
   <p:sldSz cx="12192000" cy="6858000"/>
   <p:notesSz cx="6858000" cy="9144000"/>
@@ -278,7 +287,7 @@
           <a:p>
             <a:fld id="{CE5AC7C4-8B2A-4BE2-8881-B22B36BC2509}" type="datetimeFigureOut">
               <a:rPr lang="en-US" smtClean="0"/>
-              <a:t>10/17/2023</a:t>
+              <a:t>10/18/2023</a:t>
             </a:fld>
             <a:endParaRPr lang="en-US"/>
           </a:p>
@@ -476,7 +485,7 @@
           <a:p>
             <a:fld id="{CE5AC7C4-8B2A-4BE2-8881-B22B36BC2509}" type="datetimeFigureOut">
               <a:rPr lang="en-US" smtClean="0"/>
-              <a:t>10/17/2023</a:t>
+              <a:t>10/18/2023</a:t>
             </a:fld>
             <a:endParaRPr lang="en-US"/>
           </a:p>
@@ -684,7 +693,7 @@
           <a:p>
             <a:fld id="{CE5AC7C4-8B2A-4BE2-8881-B22B36BC2509}" type="datetimeFigureOut">
               <a:rPr lang="en-US" smtClean="0"/>
-              <a:t>10/17/2023</a:t>
+              <a:t>10/18/2023</a:t>
             </a:fld>
             <a:endParaRPr lang="en-US"/>
           </a:p>
@@ -882,7 +891,7 @@
           <a:p>
             <a:fld id="{CE5AC7C4-8B2A-4BE2-8881-B22B36BC2509}" type="datetimeFigureOut">
               <a:rPr lang="en-US" smtClean="0"/>
-              <a:t>10/17/2023</a:t>
+              <a:t>10/18/2023</a:t>
             </a:fld>
             <a:endParaRPr lang="en-US"/>
           </a:p>
@@ -1157,7 +1166,7 @@
           <a:p>
             <a:fld id="{CE5AC7C4-8B2A-4BE2-8881-B22B36BC2509}" type="datetimeFigureOut">
               <a:rPr lang="en-US" smtClean="0"/>
-              <a:t>10/17/2023</a:t>
+              <a:t>10/18/2023</a:t>
             </a:fld>
             <a:endParaRPr lang="en-US"/>
           </a:p>
@@ -1422,7 +1431,7 @@
           <a:p>
             <a:fld id="{CE5AC7C4-8B2A-4BE2-8881-B22B36BC2509}" type="datetimeFigureOut">
               <a:rPr lang="en-US" smtClean="0"/>
-              <a:t>10/17/2023</a:t>
+              <a:t>10/18/2023</a:t>
             </a:fld>
             <a:endParaRPr lang="en-US"/>
           </a:p>
@@ -1834,7 +1843,7 @@
           <a:p>
             <a:fld id="{CE5AC7C4-8B2A-4BE2-8881-B22B36BC2509}" type="datetimeFigureOut">
               <a:rPr lang="en-US" smtClean="0"/>
-              <a:t>10/17/2023</a:t>
+              <a:t>10/18/2023</a:t>
             </a:fld>
             <a:endParaRPr lang="en-US"/>
           </a:p>
@@ -1975,7 +1984,7 @@
           <a:p>
             <a:fld id="{CE5AC7C4-8B2A-4BE2-8881-B22B36BC2509}" type="datetimeFigureOut">
               <a:rPr lang="en-US" smtClean="0"/>
-              <a:t>10/17/2023</a:t>
+              <a:t>10/18/2023</a:t>
             </a:fld>
             <a:endParaRPr lang="en-US"/>
           </a:p>
@@ -2088,7 +2097,7 @@
           <a:p>
             <a:fld id="{CE5AC7C4-8B2A-4BE2-8881-B22B36BC2509}" type="datetimeFigureOut">
               <a:rPr lang="en-US" smtClean="0"/>
-              <a:t>10/17/2023</a:t>
+              <a:t>10/18/2023</a:t>
             </a:fld>
             <a:endParaRPr lang="en-US"/>
           </a:p>
@@ -2399,7 +2408,7 @@
           <a:p>
             <a:fld id="{CE5AC7C4-8B2A-4BE2-8881-B22B36BC2509}" type="datetimeFigureOut">
               <a:rPr lang="en-US" smtClean="0"/>
-              <a:t>10/17/2023</a:t>
+              <a:t>10/18/2023</a:t>
             </a:fld>
             <a:endParaRPr lang="en-US"/>
           </a:p>
@@ -2687,7 +2696,7 @@
           <a:p>
             <a:fld id="{CE5AC7C4-8B2A-4BE2-8881-B22B36BC2509}" type="datetimeFigureOut">
               <a:rPr lang="en-US" smtClean="0"/>
-              <a:t>10/17/2023</a:t>
+              <a:t>10/18/2023</a:t>
             </a:fld>
             <a:endParaRPr lang="en-US"/>
           </a:p>
@@ -2928,7 +2937,7 @@
           <a:p>
             <a:fld id="{CE5AC7C4-8B2A-4BE2-8881-B22B36BC2509}" type="datetimeFigureOut">
               <a:rPr lang="en-US" smtClean="0"/>
-              <a:t>10/17/2023</a:t>
+              <a:t>10/18/2023</a:t>
             </a:fld>
             <a:endParaRPr lang="en-US"/>
           </a:p>
@@ -3949,203 +3958,452 @@
       </p:grpSpPr>
       <p:sp>
         <p:nvSpPr>
-          <p:cNvPr id="2" name="Oval 1">
-            <a:extLst>
-              <a:ext uri="{FF2B5EF4-FFF2-40B4-BE49-F238E27FC236}">
-                <a16:creationId xmlns:a16="http://schemas.microsoft.com/office/drawing/2014/main" id="{AE29D683-FF1C-6051-181E-9CF2D8B10E79}"/>
-              </a:ext>
-            </a:extLst>
-          </p:cNvPr>
-          <p:cNvSpPr/>
+          <p:cNvPr id="4" name="TextBox 3">
+            <a:extLst>
+              <a:ext uri="{FF2B5EF4-FFF2-40B4-BE49-F238E27FC236}">
+                <a16:creationId xmlns:a16="http://schemas.microsoft.com/office/drawing/2014/main" id="{6BFDDF3E-4345-3889-27E2-ACB385A64ACE}"/>
+              </a:ext>
+            </a:extLst>
+          </p:cNvPr>
+          <p:cNvSpPr txBox="1"/>
           <p:nvPr/>
         </p:nvSpPr>
         <p:spPr>
           <a:xfrm>
-            <a:off x="5356860" y="2674619"/>
-            <a:ext cx="1478280" cy="1508760"/>
-          </a:xfrm>
-          <a:prstGeom prst="ellipse">
+            <a:off x="421041" y="224117"/>
+            <a:ext cx="3405235" cy="2308324"/>
+          </a:xfrm>
+          <a:prstGeom prst="rect">
             <a:avLst/>
           </a:prstGeom>
-          <a:solidFill>
-            <a:srgbClr val="7030A0"/>
-          </a:solidFill>
-          <a:ln>
-            <a:noFill/>
-          </a:ln>
-        </p:spPr>
-        <p:style>
-          <a:lnRef idx="2">
-            <a:schemeClr val="accent1">
-              <a:shade val="15000"/>
-            </a:schemeClr>
-          </a:lnRef>
-          <a:fillRef idx="1">
-            <a:schemeClr val="accent1"/>
-          </a:fillRef>
-          <a:effectRef idx="0">
-            <a:schemeClr val="accent1"/>
-          </a:effectRef>
-          <a:fontRef idx="minor">
-            <a:schemeClr val="lt1"/>
-          </a:fontRef>
-        </p:style>
-        <p:txBody>
-          <a:bodyPr rtlCol="0" anchor="ctr"/>
-          <a:lstStyle/>
-          <a:p>
-            <a:pPr algn="ctr"/>
-            <a:endParaRPr lang="en-US"/>
-          </a:p>
-        </p:txBody>
-      </p:sp>
-      <p:sp>
-        <p:nvSpPr>
-          <p:cNvPr id="3" name="Oval 2">
-            <a:extLst>
-              <a:ext uri="{FF2B5EF4-FFF2-40B4-BE49-F238E27FC236}">
-                <a16:creationId xmlns:a16="http://schemas.microsoft.com/office/drawing/2014/main" id="{4FD5CB69-7B81-4610-F023-9F1485EAB5FD}"/>
-              </a:ext>
-            </a:extLst>
-          </p:cNvPr>
-          <p:cNvSpPr/>
-          <p:nvPr/>
-        </p:nvSpPr>
-        <p:spPr>
-          <a:xfrm>
-            <a:off x="3322320" y="786447"/>
-            <a:ext cx="5547360" cy="5285105"/>
-          </a:xfrm>
-          <a:prstGeom prst="ellipse">
-            <a:avLst/>
-          </a:prstGeom>
-          <a:solidFill>
-            <a:schemeClr val="bg1"/>
-          </a:solidFill>
-        </p:spPr>
-        <p:style>
-          <a:lnRef idx="2">
-            <a:schemeClr val="accent1">
-              <a:shade val="15000"/>
-            </a:schemeClr>
-          </a:lnRef>
-          <a:fillRef idx="1">
-            <a:schemeClr val="accent1"/>
-          </a:fillRef>
-          <a:effectRef idx="0">
-            <a:schemeClr val="accent1"/>
-          </a:effectRef>
-          <a:fontRef idx="minor">
-            <a:schemeClr val="lt1"/>
-          </a:fontRef>
-        </p:style>
-        <p:txBody>
-          <a:bodyPr rtlCol="0" anchor="ctr"/>
-          <a:lstStyle/>
-          <a:p>
-            <a:pPr algn="ctr"/>
-            <a:r>
-              <a:rPr lang="en-US" sz="2000" dirty="0">
+          <a:noFill/>
+        </p:spPr>
+        <p:txBody>
+          <a:bodyPr wrap="square" rtlCol="0">
+            <a:spAutoFit/>
+          </a:bodyPr>
+          <a:lstStyle/>
+          <a:p>
+            <a:r>
+              <a:rPr lang="en-US" sz="7200" dirty="0">
                 <a:solidFill>
-                  <a:schemeClr val="tx1"/>
+                  <a:schemeClr val="bg1"/>
                 </a:solidFill>
                 <a:latin typeface="Aharoni" panose="02010803020104030203" pitchFamily="2" charset="-79"/>
                 <a:cs typeface="Aharoni" panose="02010803020104030203" pitchFamily="2" charset="-79"/>
               </a:rPr>
-              <a:t>Card Game Interface</a:t>
-            </a:r>
-          </a:p>
-          <a:p>
-            <a:pPr algn="ctr"/>
-            <a:r>
-              <a:rPr lang="en-US" sz="2000" dirty="0">
+              <a:t>TEAM</a:t>
+            </a:r>
+          </a:p>
+          <a:p>
+            <a:endParaRPr lang="en-US" sz="7200" dirty="0">
+              <a:solidFill>
+                <a:schemeClr val="bg1"/>
+              </a:solidFill>
+              <a:latin typeface="Aharoni" panose="02010803020104030203" pitchFamily="2" charset="-79"/>
+              <a:cs typeface="Aharoni" panose="02010803020104030203" pitchFamily="2" charset="-79"/>
+            </a:endParaRPr>
+          </a:p>
+        </p:txBody>
+      </p:sp>
+      <p:pic>
+        <p:nvPicPr>
+          <p:cNvPr id="5" name="Graphic 4" descr="Astronaut male with solid fill">
+            <a:extLst>
+              <a:ext uri="{FF2B5EF4-FFF2-40B4-BE49-F238E27FC236}">
+                <a16:creationId xmlns:a16="http://schemas.microsoft.com/office/drawing/2014/main" id="{961190E3-DD0C-6335-36A1-B518EC5BB791}"/>
+              </a:ext>
+            </a:extLst>
+          </p:cNvPr>
+          <p:cNvPicPr>
+            <a:picLocks noChangeAspect="1"/>
+          </p:cNvPicPr>
+          <p:nvPr/>
+        </p:nvPicPr>
+        <p:blipFill>
+          <a:blip r:embed="rId2">
+            <a:extLst>
+              <a:ext uri="{28A0092B-C50C-407E-A947-70E740481C1C}">
+                <a14:useLocalDpi xmlns:a14="http://schemas.microsoft.com/office/drawing/2010/main" val="0"/>
+              </a:ext>
+              <a:ext uri="{96DAC541-7B7A-43D3-8B79-37D633B846F1}">
+                <asvg:svgBlip xmlns:asvg="http://schemas.microsoft.com/office/drawing/2016/SVG/main" r:embed="rId3"/>
+              </a:ext>
+            </a:extLst>
+          </a:blip>
+          <a:stretch>
+            <a:fillRect/>
+          </a:stretch>
+        </p:blipFill>
+        <p:spPr>
+          <a:xfrm>
+            <a:off x="421040" y="3535184"/>
+            <a:ext cx="914400" cy="914400"/>
+          </a:xfrm>
+          <a:prstGeom prst="rect">
+            <a:avLst/>
+          </a:prstGeom>
+        </p:spPr>
+      </p:pic>
+      <p:pic>
+        <p:nvPicPr>
+          <p:cNvPr id="6" name="Picture 5">
+            <a:extLst>
+              <a:ext uri="{FF2B5EF4-FFF2-40B4-BE49-F238E27FC236}">
+                <a16:creationId xmlns:a16="http://schemas.microsoft.com/office/drawing/2014/main" id="{23723675-9672-79AA-FE85-D63E548350AE}"/>
+              </a:ext>
+            </a:extLst>
+          </p:cNvPr>
+          <p:cNvPicPr>
+            <a:picLocks noChangeAspect="1"/>
+          </p:cNvPicPr>
+          <p:nvPr/>
+        </p:nvPicPr>
+        <p:blipFill>
+          <a:blip r:embed="rId4"/>
+          <a:stretch>
+            <a:fillRect/>
+          </a:stretch>
+        </p:blipFill>
+        <p:spPr>
+          <a:xfrm>
+            <a:off x="6753375" y="3429000"/>
+            <a:ext cx="914479" cy="914479"/>
+          </a:xfrm>
+          <a:prstGeom prst="rect">
+            <a:avLst/>
+          </a:prstGeom>
+        </p:spPr>
+      </p:pic>
+      <p:pic>
+        <p:nvPicPr>
+          <p:cNvPr id="7" name="Picture 6">
+            <a:extLst>
+              <a:ext uri="{FF2B5EF4-FFF2-40B4-BE49-F238E27FC236}">
+                <a16:creationId xmlns:a16="http://schemas.microsoft.com/office/drawing/2014/main" id="{C6E0CB6F-C979-0637-18B4-6D5319AD6A34}"/>
+              </a:ext>
+            </a:extLst>
+          </p:cNvPr>
+          <p:cNvPicPr>
+            <a:picLocks noChangeAspect="1"/>
+          </p:cNvPicPr>
+          <p:nvPr/>
+        </p:nvPicPr>
+        <p:blipFill>
+          <a:blip r:embed="rId4"/>
+          <a:stretch>
+            <a:fillRect/>
+          </a:stretch>
+        </p:blipFill>
+        <p:spPr>
+          <a:xfrm>
+            <a:off x="472373" y="1857395"/>
+            <a:ext cx="914479" cy="914479"/>
+          </a:xfrm>
+          <a:prstGeom prst="rect">
+            <a:avLst/>
+          </a:prstGeom>
+        </p:spPr>
+      </p:pic>
+      <p:pic>
+        <p:nvPicPr>
+          <p:cNvPr id="9" name="Picture 8">
+            <a:extLst>
+              <a:ext uri="{FF2B5EF4-FFF2-40B4-BE49-F238E27FC236}">
+                <a16:creationId xmlns:a16="http://schemas.microsoft.com/office/drawing/2014/main" id="{2F782C38-B3CD-D005-FCD0-BFB4C8EDAE49}"/>
+              </a:ext>
+            </a:extLst>
+          </p:cNvPr>
+          <p:cNvPicPr>
+            <a:picLocks noChangeAspect="1"/>
+          </p:cNvPicPr>
+          <p:nvPr/>
+        </p:nvPicPr>
+        <p:blipFill>
+          <a:blip r:embed="rId4"/>
+          <a:stretch>
+            <a:fillRect/>
+          </a:stretch>
+        </p:blipFill>
+        <p:spPr>
+          <a:xfrm>
+            <a:off x="420961" y="5089169"/>
+            <a:ext cx="914479" cy="914479"/>
+          </a:xfrm>
+          <a:prstGeom prst="rect">
+            <a:avLst/>
+          </a:prstGeom>
+        </p:spPr>
+      </p:pic>
+      <p:pic>
+        <p:nvPicPr>
+          <p:cNvPr id="11" name="Picture 10">
+            <a:extLst>
+              <a:ext uri="{FF2B5EF4-FFF2-40B4-BE49-F238E27FC236}">
+                <a16:creationId xmlns:a16="http://schemas.microsoft.com/office/drawing/2014/main" id="{BE74FF14-E828-8E53-6E43-797B982BBA25}"/>
+              </a:ext>
+            </a:extLst>
+          </p:cNvPr>
+          <p:cNvPicPr>
+            <a:picLocks noChangeAspect="1"/>
+          </p:cNvPicPr>
+          <p:nvPr/>
+        </p:nvPicPr>
+        <p:blipFill>
+          <a:blip r:embed="rId4"/>
+          <a:stretch>
+            <a:fillRect/>
+          </a:stretch>
+        </p:blipFill>
+        <p:spPr>
+          <a:xfrm>
+            <a:off x="6753374" y="5089169"/>
+            <a:ext cx="914479" cy="914479"/>
+          </a:xfrm>
+          <a:prstGeom prst="rect">
+            <a:avLst/>
+          </a:prstGeom>
+        </p:spPr>
+      </p:pic>
+      <p:sp>
+        <p:nvSpPr>
+          <p:cNvPr id="13" name="TextBox 12">
+            <a:extLst>
+              <a:ext uri="{FF2B5EF4-FFF2-40B4-BE49-F238E27FC236}">
+                <a16:creationId xmlns:a16="http://schemas.microsoft.com/office/drawing/2014/main" id="{8031C139-8470-F1F3-9AC0-BC680142CF63}"/>
+              </a:ext>
+            </a:extLst>
+          </p:cNvPr>
+          <p:cNvSpPr txBox="1"/>
+          <p:nvPr/>
+        </p:nvSpPr>
+        <p:spPr>
+          <a:xfrm>
+            <a:off x="1438183" y="1843673"/>
+            <a:ext cx="3879542" cy="584775"/>
+          </a:xfrm>
+          <a:prstGeom prst="rect">
+            <a:avLst/>
+          </a:prstGeom>
+          <a:noFill/>
+        </p:spPr>
+        <p:txBody>
+          <a:bodyPr wrap="square" rtlCol="0">
+            <a:spAutoFit/>
+          </a:bodyPr>
+          <a:lstStyle/>
+          <a:p>
+            <a:r>
+              <a:rPr lang="en-US" sz="3200" dirty="0">
                 <a:solidFill>
-                  <a:schemeClr val="tx1"/>
+                  <a:schemeClr val="bg1"/>
                 </a:solidFill>
                 <a:latin typeface="Aharoni" panose="02010803020104030203" pitchFamily="2" charset="-79"/>
                 <a:cs typeface="Aharoni" panose="02010803020104030203" pitchFamily="2" charset="-79"/>
               </a:rPr>
-              <a:t>By Team 13</a:t>
-            </a:r>
-          </a:p>
-        </p:txBody>
-      </p:sp>
-      <p:sp>
-        <p:nvSpPr>
-          <p:cNvPr id="7" name="Flowchart: Connector 6">
-            <a:extLst>
-              <a:ext uri="{FF2B5EF4-FFF2-40B4-BE49-F238E27FC236}">
-                <a16:creationId xmlns:a16="http://schemas.microsoft.com/office/drawing/2014/main" id="{3258A90D-0639-11D5-8E03-AB61B61CE34E}"/>
-              </a:ext>
-            </a:extLst>
-          </p:cNvPr>
-          <p:cNvSpPr/>
+              <a:t>Alexander Nguyen </a:t>
+            </a:r>
+          </a:p>
+        </p:txBody>
+      </p:sp>
+      <p:sp>
+        <p:nvSpPr>
+          <p:cNvPr id="14" name="TextBox 13">
+            <a:extLst>
+              <a:ext uri="{FF2B5EF4-FFF2-40B4-BE49-F238E27FC236}">
+                <a16:creationId xmlns:a16="http://schemas.microsoft.com/office/drawing/2014/main" id="{B49AC633-2A21-8D01-BED1-1EB5A24B8A57}"/>
+              </a:ext>
+            </a:extLst>
+          </p:cNvPr>
+          <p:cNvSpPr txBox="1"/>
           <p:nvPr/>
         </p:nvSpPr>
         <p:spPr>
           <a:xfrm>
-            <a:off x="3299830" y="743042"/>
-            <a:ext cx="5592340" cy="5285105"/>
-          </a:xfrm>
-          <a:prstGeom prst="flowChartConnector">
+            <a:off x="1642369" y="3535184"/>
+            <a:ext cx="3045041" cy="584775"/>
+          </a:xfrm>
+          <a:prstGeom prst="rect">
             <a:avLst/>
           </a:prstGeom>
-          <a:blipFill dpi="0" rotWithShape="1">
-            <a:blip r:embed="rId2">
-              <a:extLst>
-                <a:ext uri="{28A0092B-C50C-407E-A947-70E740481C1C}">
-                  <a14:useLocalDpi xmlns:a14="http://schemas.microsoft.com/office/drawing/2010/main" val="0"/>
-                </a:ext>
-              </a:extLst>
-            </a:blip>
-            <a:srcRect/>
-            <a:stretch>
-              <a:fillRect/>
-            </a:stretch>
-          </a:blipFill>
-        </p:spPr>
-        <p:style>
-          <a:lnRef idx="2">
-            <a:schemeClr val="accent1">
-              <a:shade val="15000"/>
-            </a:schemeClr>
-          </a:lnRef>
-          <a:fillRef idx="1">
-            <a:schemeClr val="accent1"/>
-          </a:fillRef>
-          <a:effectRef idx="0">
-            <a:schemeClr val="accent1"/>
-          </a:effectRef>
-          <a:fontRef idx="minor">
-            <a:schemeClr val="lt1"/>
-          </a:fontRef>
-        </p:style>
-        <p:txBody>
-          <a:bodyPr rtlCol="0" anchor="ctr"/>
-          <a:lstStyle/>
-          <a:p>
-            <a:pPr algn="ctr"/>
-            <a:endParaRPr lang="en-US"/>
+          <a:noFill/>
+        </p:spPr>
+        <p:txBody>
+          <a:bodyPr wrap="square" rtlCol="0">
+            <a:spAutoFit/>
+          </a:bodyPr>
+          <a:lstStyle/>
+          <a:p>
+            <a:r>
+              <a:rPr lang="en-US" sz="3200" dirty="0">
+                <a:solidFill>
+                  <a:schemeClr val="bg1"/>
+                </a:solidFill>
+                <a:latin typeface="Aharoni" panose="02010803020104030203" pitchFamily="2" charset="-79"/>
+                <a:cs typeface="Aharoni" panose="02010803020104030203" pitchFamily="2" charset="-79"/>
+              </a:rPr>
+              <a:t>Joseph </a:t>
+            </a:r>
+            <a:r>
+              <a:rPr lang="en-US" sz="3200" dirty="0" err="1">
+                <a:solidFill>
+                  <a:schemeClr val="bg1"/>
+                </a:solidFill>
+                <a:latin typeface="Aharoni" panose="02010803020104030203" pitchFamily="2" charset="-79"/>
+                <a:cs typeface="Aharoni" panose="02010803020104030203" pitchFamily="2" charset="-79"/>
+              </a:rPr>
+              <a:t>Sumlin</a:t>
+            </a:r>
+            <a:endParaRPr lang="en-US" sz="3200" dirty="0">
+              <a:solidFill>
+                <a:schemeClr val="bg1"/>
+              </a:solidFill>
+              <a:latin typeface="Aharoni" panose="02010803020104030203" pitchFamily="2" charset="-79"/>
+              <a:cs typeface="Aharoni" panose="02010803020104030203" pitchFamily="2" charset="-79"/>
+            </a:endParaRPr>
+          </a:p>
+        </p:txBody>
+      </p:sp>
+      <p:sp>
+        <p:nvSpPr>
+          <p:cNvPr id="15" name="TextBox 14">
+            <a:extLst>
+              <a:ext uri="{FF2B5EF4-FFF2-40B4-BE49-F238E27FC236}">
+                <a16:creationId xmlns:a16="http://schemas.microsoft.com/office/drawing/2014/main" id="{3302EA70-A41A-998B-6C42-A7C7847FE6F9}"/>
+              </a:ext>
+            </a:extLst>
+          </p:cNvPr>
+          <p:cNvSpPr txBox="1"/>
+          <p:nvPr/>
+        </p:nvSpPr>
+        <p:spPr>
+          <a:xfrm>
+            <a:off x="1802167" y="5089169"/>
+            <a:ext cx="3045041" cy="584775"/>
+          </a:xfrm>
+          <a:prstGeom prst="rect">
+            <a:avLst/>
+          </a:prstGeom>
+          <a:noFill/>
+        </p:spPr>
+        <p:txBody>
+          <a:bodyPr wrap="square" rtlCol="0">
+            <a:spAutoFit/>
+          </a:bodyPr>
+          <a:lstStyle/>
+          <a:p>
+            <a:r>
+              <a:rPr lang="en-US" sz="3200" dirty="0">
+                <a:solidFill>
+                  <a:schemeClr val="bg1"/>
+                </a:solidFill>
+                <a:latin typeface="Aharoni" panose="02010803020104030203" pitchFamily="2" charset="-79"/>
+                <a:cs typeface="Aharoni" panose="02010803020104030203" pitchFamily="2" charset="-79"/>
+              </a:rPr>
+              <a:t>Jamie Lopez</a:t>
+            </a:r>
+          </a:p>
+        </p:txBody>
+      </p:sp>
+      <p:sp>
+        <p:nvSpPr>
+          <p:cNvPr id="16" name="TextBox 15">
+            <a:extLst>
+              <a:ext uri="{FF2B5EF4-FFF2-40B4-BE49-F238E27FC236}">
+                <a16:creationId xmlns:a16="http://schemas.microsoft.com/office/drawing/2014/main" id="{F828DA3C-9DBF-B8F8-EBD8-1E95BDABF671}"/>
+              </a:ext>
+            </a:extLst>
+          </p:cNvPr>
+          <p:cNvSpPr txBox="1"/>
+          <p:nvPr/>
+        </p:nvSpPr>
+        <p:spPr>
+          <a:xfrm>
+            <a:off x="7972148" y="3429000"/>
+            <a:ext cx="3426780" cy="584775"/>
+          </a:xfrm>
+          <a:prstGeom prst="rect">
+            <a:avLst/>
+          </a:prstGeom>
+          <a:noFill/>
+        </p:spPr>
+        <p:txBody>
+          <a:bodyPr wrap="square" rtlCol="0">
+            <a:spAutoFit/>
+          </a:bodyPr>
+          <a:lstStyle/>
+          <a:p>
+            <a:r>
+              <a:rPr lang="en-US" sz="3200" dirty="0">
+                <a:solidFill>
+                  <a:schemeClr val="bg1"/>
+                </a:solidFill>
+                <a:latin typeface="Aharoni" panose="02010803020104030203" pitchFamily="2" charset="-79"/>
+                <a:cs typeface="Aharoni" panose="02010803020104030203" pitchFamily="2" charset="-79"/>
+              </a:rPr>
+              <a:t>Totti Nguyen</a:t>
+            </a:r>
+          </a:p>
+        </p:txBody>
+      </p:sp>
+      <p:sp>
+        <p:nvSpPr>
+          <p:cNvPr id="17" name="TextBox 16">
+            <a:extLst>
+              <a:ext uri="{FF2B5EF4-FFF2-40B4-BE49-F238E27FC236}">
+                <a16:creationId xmlns:a16="http://schemas.microsoft.com/office/drawing/2014/main" id="{A61B0028-A5FC-1396-5AEB-FB88B438334F}"/>
+              </a:ext>
+            </a:extLst>
+          </p:cNvPr>
+          <p:cNvSpPr txBox="1"/>
+          <p:nvPr/>
+        </p:nvSpPr>
+        <p:spPr>
+          <a:xfrm>
+            <a:off x="8043169" y="5089169"/>
+            <a:ext cx="3727870" cy="1077218"/>
+          </a:xfrm>
+          <a:prstGeom prst="rect">
+            <a:avLst/>
+          </a:prstGeom>
+          <a:noFill/>
+        </p:spPr>
+        <p:txBody>
+          <a:bodyPr wrap="square" rtlCol="0">
+            <a:spAutoFit/>
+          </a:bodyPr>
+          <a:lstStyle/>
+          <a:p>
+            <a:r>
+              <a:rPr lang="en-US" sz="3200" dirty="0">
+                <a:solidFill>
+                  <a:schemeClr val="bg1"/>
+                </a:solidFill>
+                <a:latin typeface="Aharoni" panose="02010803020104030203" pitchFamily="2" charset="-79"/>
+                <a:cs typeface="Aharoni" panose="02010803020104030203" pitchFamily="2" charset="-79"/>
+              </a:rPr>
+              <a:t>Goutham Ganapathiappan</a:t>
+            </a:r>
           </a:p>
         </p:txBody>
       </p:sp>
     </p:spTree>
     <p:extLst>
       <p:ext uri="{BB962C8B-B14F-4D97-AF65-F5344CB8AC3E}">
-        <p14:creationId xmlns:p14="http://schemas.microsoft.com/office/powerpoint/2010/main" val="391004542"/>
+        <p14:creationId xmlns:p14="http://schemas.microsoft.com/office/powerpoint/2010/main" val="4243391057"/>
       </p:ext>
     </p:extLst>
   </p:cSld>
   <p:clrMapOvr>
     <a:masterClrMapping/>
   </p:clrMapOvr>
-  <mc:AlternateContent xmlns:mc="http://schemas.openxmlformats.org/markup-compatibility/2006">
-    <mc:Choice xmlns:p159="http://schemas.microsoft.com/office/powerpoint/2015/09/main" Requires="p159">
-      <p:transition xmlns:p14="http://schemas.microsoft.com/office/powerpoint/2010/main" spd="slow" p14:dur="2000">
-        <p159:morph option="byObject"/>
+  <mc:AlternateContent xmlns:mc="http://schemas.openxmlformats.org/markup-compatibility/2006" xmlns:p14="http://schemas.microsoft.com/office/powerpoint/2010/main">
+    <mc:Choice Requires="p14">
+      <p:transition spd="slow" p14:dur="900">
+        <p14:warp dir="in"/>
       </p:transition>
     </mc:Choice>
-    <mc:Fallback>
+    <mc:Fallback xmlns="">
       <p:transition spd="slow">
         <p:fade/>
       </p:transition>
@@ -4193,8 +4451,8 @@
         </p:nvSpPr>
         <p:spPr>
           <a:xfrm>
-            <a:off x="-3993266" y="-2419109"/>
-            <a:ext cx="19839007" cy="11343190"/>
+            <a:off x="5356860" y="2674619"/>
+            <a:ext cx="1478280" cy="1508760"/>
           </a:xfrm>
           <a:prstGeom prst="ellipse">
             <a:avLst/>
@@ -4245,7 +4503,7 @@
         </p:nvSpPr>
         <p:spPr>
           <a:xfrm>
-            <a:off x="1804313" y="786447"/>
+            <a:off x="3322320" y="786447"/>
             <a:ext cx="5547360" cy="5285105"/>
           </a:xfrm>
           <a:prstGeom prst="ellipse">
@@ -4276,29 +4534,13 @@
           <a:lstStyle/>
           <a:p>
             <a:pPr algn="ctr"/>
-            <a:r>
-              <a:rPr lang="en-US" sz="4000" dirty="0">
-                <a:solidFill>
-                  <a:schemeClr val="accent2"/>
-                </a:solidFill>
-                <a:latin typeface="Aharoni" panose="02010803020104030203" pitchFamily="2" charset="-79"/>
-                <a:cs typeface="Aharoni" panose="02010803020104030203" pitchFamily="2" charset="-79"/>
-              </a:rPr>
-              <a:t>Card Game Interface</a:t>
-            </a:r>
-          </a:p>
-          <a:p>
-            <a:pPr algn="ctr"/>
-            <a:r>
-              <a:rPr lang="en-US" sz="4000" dirty="0">
-                <a:solidFill>
-                  <a:schemeClr val="accent2"/>
-                </a:solidFill>
-                <a:latin typeface="Aharoni" panose="02010803020104030203" pitchFamily="2" charset="-79"/>
-                <a:cs typeface="Aharoni" panose="02010803020104030203" pitchFamily="2" charset="-79"/>
-              </a:rPr>
-              <a:t>By Team 13</a:t>
-            </a:r>
+            <a:endParaRPr lang="en-US" sz="2000" dirty="0">
+              <a:solidFill>
+                <a:schemeClr val="tx1"/>
+              </a:solidFill>
+              <a:latin typeface="Aharoni" panose="02010803020104030203" pitchFamily="2" charset="-79"/>
+              <a:cs typeface="Aharoni" panose="02010803020104030203" pitchFamily="2" charset="-79"/>
+            </a:endParaRPr>
           </a:p>
         </p:txBody>
       </p:sp>
@@ -4316,7 +4558,7 @@
         </p:nvSpPr>
         <p:spPr>
           <a:xfrm>
-            <a:off x="5909977" y="743042"/>
+            <a:off x="3299830" y="786447"/>
             <a:ext cx="5592340" cy="5285105"/>
           </a:xfrm>
           <a:prstGeom prst="flowChartConnector">
@@ -4357,27 +4599,27 @@
           <a:lstStyle/>
           <a:p>
             <a:pPr algn="ctr"/>
-            <a:endParaRPr lang="en-US"/>
+            <a:endParaRPr lang="en-US" dirty="0"/>
           </a:p>
         </p:txBody>
       </p:sp>
     </p:spTree>
     <p:extLst>
       <p:ext uri="{BB962C8B-B14F-4D97-AF65-F5344CB8AC3E}">
-        <p14:creationId xmlns:p14="http://schemas.microsoft.com/office/powerpoint/2010/main" val="1766659709"/>
+        <p14:creationId xmlns:p14="http://schemas.microsoft.com/office/powerpoint/2010/main" val="391004542"/>
       </p:ext>
     </p:extLst>
   </p:cSld>
   <p:clrMapOvr>
     <a:masterClrMapping/>
   </p:clrMapOvr>
-  <mc:AlternateContent xmlns:mc="http://schemas.openxmlformats.org/markup-compatibility/2006">
-    <mc:Choice xmlns:p159="http://schemas.microsoft.com/office/powerpoint/2015/09/main" Requires="p159">
+  <mc:AlternateContent xmlns:mc="http://schemas.openxmlformats.org/markup-compatibility/2006" xmlns:p159="http://schemas.microsoft.com/office/powerpoint/2015/09/main">
+    <mc:Choice Requires="p159">
       <p:transition xmlns:p14="http://schemas.microsoft.com/office/powerpoint/2010/main" spd="slow" p14:dur="2000">
         <p159:morph option="byObject"/>
       </p:transition>
     </mc:Choice>
-    <mc:Fallback>
+    <mc:Fallback xmlns="">
       <p:transition spd="slow">
         <p:fade/>
       </p:transition>
@@ -4413,470 +4655,200 @@
       </p:grpSpPr>
       <p:sp>
         <p:nvSpPr>
-          <p:cNvPr id="8" name="TextBox 7">
-            <a:extLst>
-              <a:ext uri="{FF2B5EF4-FFF2-40B4-BE49-F238E27FC236}">
-                <a16:creationId xmlns:a16="http://schemas.microsoft.com/office/drawing/2014/main" id="{DE2997EF-89F7-4D7F-0FD4-F8B510ED04D6}"/>
-              </a:ext>
-            </a:extLst>
-          </p:cNvPr>
-          <p:cNvSpPr txBox="1"/>
+          <p:cNvPr id="2" name="Oval 1">
+            <a:extLst>
+              <a:ext uri="{FF2B5EF4-FFF2-40B4-BE49-F238E27FC236}">
+                <a16:creationId xmlns:a16="http://schemas.microsoft.com/office/drawing/2014/main" id="{AE29D683-FF1C-6051-181E-9CF2D8B10E79}"/>
+              </a:ext>
+            </a:extLst>
+          </p:cNvPr>
+          <p:cNvSpPr/>
           <p:nvPr/>
         </p:nvSpPr>
         <p:spPr>
           <a:xfrm>
-            <a:off x="7843219" y="3594267"/>
-            <a:ext cx="3291840" cy="2377440"/>
-          </a:xfrm>
-          <a:prstGeom prst="rect">
+            <a:off x="-3993266" y="-2419109"/>
+            <a:ext cx="19839007" cy="11343190"/>
+          </a:xfrm>
+          <a:prstGeom prst="ellipse">
             <a:avLst/>
           </a:prstGeom>
-          <a:noFill/>
-        </p:spPr>
-        <p:txBody>
-          <a:bodyPr wrap="square" rtlCol="0">
-            <a:spAutoFit/>
-          </a:bodyPr>
-          <a:lstStyle/>
-          <a:p>
-            <a:r>
-              <a:rPr lang="en-US" dirty="0"/>
-              <a:t>TTHIS IS Davinci Resolve</a:t>
-            </a:r>
-          </a:p>
-          <a:p>
-            <a:endParaRPr lang="en-US" dirty="0"/>
-          </a:p>
-          <a:p>
-            <a:endParaRPr lang="en-US" dirty="0"/>
-          </a:p>
-          <a:p>
-            <a:endParaRPr lang="en-US" dirty="0"/>
-          </a:p>
-          <a:p>
-            <a:endParaRPr lang="en-US" dirty="0"/>
-          </a:p>
-          <a:p>
-            <a:endParaRPr lang="en-US" dirty="0"/>
-          </a:p>
-          <a:p>
-            <a:endParaRPr lang="en-US" dirty="0"/>
-          </a:p>
-          <a:p>
-            <a:r>
-              <a:rPr lang="en-US" dirty="0"/>
-              <a:t>SFEGSHRHRH</a:t>
-            </a:r>
-          </a:p>
-        </p:txBody>
-      </p:sp>
-      <p:sp>
-        <p:nvSpPr>
-          <p:cNvPr id="10" name="TextBox 9">
-            <a:extLst>
-              <a:ext uri="{FF2B5EF4-FFF2-40B4-BE49-F238E27FC236}">
-                <a16:creationId xmlns:a16="http://schemas.microsoft.com/office/drawing/2014/main" id="{4DA6D692-952C-E75A-7302-9ECB07FB0727}"/>
-              </a:ext>
-            </a:extLst>
-          </p:cNvPr>
-          <p:cNvSpPr txBox="1"/>
+          <a:solidFill>
+            <a:srgbClr val="7030A0"/>
+          </a:solidFill>
+          <a:ln>
+            <a:noFill/>
+          </a:ln>
+        </p:spPr>
+        <p:style>
+          <a:lnRef idx="2">
+            <a:schemeClr val="accent1">
+              <a:shade val="15000"/>
+            </a:schemeClr>
+          </a:lnRef>
+          <a:fillRef idx="1">
+            <a:schemeClr val="accent1"/>
+          </a:fillRef>
+          <a:effectRef idx="0">
+            <a:schemeClr val="accent1"/>
+          </a:effectRef>
+          <a:fontRef idx="minor">
+            <a:schemeClr val="lt1"/>
+          </a:fontRef>
+        </p:style>
+        <p:txBody>
+          <a:bodyPr rtlCol="0" anchor="ctr"/>
+          <a:lstStyle/>
+          <a:p>
+            <a:pPr algn="ctr"/>
+            <a:endParaRPr lang="en-US"/>
+          </a:p>
+        </p:txBody>
+      </p:sp>
+      <p:sp>
+        <p:nvSpPr>
+          <p:cNvPr id="3" name="Oval 2">
+            <a:extLst>
+              <a:ext uri="{FF2B5EF4-FFF2-40B4-BE49-F238E27FC236}">
+                <a16:creationId xmlns:a16="http://schemas.microsoft.com/office/drawing/2014/main" id="{4FD5CB69-7B81-4610-F023-9F1485EAB5FD}"/>
+              </a:ext>
+            </a:extLst>
+          </p:cNvPr>
+          <p:cNvSpPr/>
           <p:nvPr/>
         </p:nvSpPr>
         <p:spPr>
           <a:xfrm>
-            <a:off x="7843219" y="1974726"/>
-            <a:ext cx="3291840" cy="1661993"/>
-          </a:xfrm>
-          <a:prstGeom prst="rect">
+            <a:off x="1804313" y="786447"/>
+            <a:ext cx="5547360" cy="5285105"/>
+          </a:xfrm>
+          <a:prstGeom prst="ellipse">
             <a:avLst/>
           </a:prstGeom>
-          <a:noFill/>
-        </p:spPr>
-        <p:txBody>
-          <a:bodyPr wrap="square" rtlCol="0">
-            <a:spAutoFit/>
-          </a:bodyPr>
+          <a:solidFill>
+            <a:schemeClr val="bg1"/>
+          </a:solidFill>
+        </p:spPr>
+        <p:style>
+          <a:lnRef idx="2">
+            <a:schemeClr val="accent1">
+              <a:shade val="15000"/>
+            </a:schemeClr>
+          </a:lnRef>
+          <a:fillRef idx="1">
+            <a:schemeClr val="accent1"/>
+          </a:fillRef>
+          <a:effectRef idx="0">
+            <a:schemeClr val="accent1"/>
+          </a:effectRef>
+          <a:fontRef idx="minor">
+            <a:schemeClr val="lt1"/>
+          </a:fontRef>
+        </p:style>
+        <p:txBody>
+          <a:bodyPr rtlCol="0" anchor="ctr"/>
           <a:lstStyle/>
           <a:p>
             <a:pPr algn="ctr"/>
             <a:r>
-              <a:rPr lang="en-US" sz="4800" dirty="0">
+              <a:rPr lang="en-US" sz="4000" dirty="0">
                 <a:solidFill>
-                  <a:sysClr val="windowText" lastClr="000000"/>
+                  <a:schemeClr val="accent2"/>
                 </a:solidFill>
                 <a:latin typeface="Aharoni" panose="02010803020104030203" pitchFamily="2" charset="-79"/>
                 <a:cs typeface="Aharoni" panose="02010803020104030203" pitchFamily="2" charset="-79"/>
               </a:rPr>
-              <a:t>DAVINCI</a:t>
-            </a:r>
-            <a:r>
-              <a:rPr lang="en-US" sz="5400" dirty="0">
+              <a:t>Card Game Interface</a:t>
+            </a:r>
+          </a:p>
+          <a:p>
+            <a:pPr algn="ctr"/>
+            <a:r>
+              <a:rPr lang="en-US" dirty="0">
                 <a:solidFill>
-                  <a:sysClr val="windowText" lastClr="000000"/>
+                  <a:schemeClr val="accent2"/>
                 </a:solidFill>
                 <a:latin typeface="Aharoni" panose="02010803020104030203" pitchFamily="2" charset="-79"/>
                 <a:cs typeface="Aharoni" panose="02010803020104030203" pitchFamily="2" charset="-79"/>
               </a:rPr>
-              <a:t> </a:t>
-            </a:r>
-            <a:r>
-              <a:rPr lang="en-US" sz="4800" dirty="0">
-                <a:solidFill>
-                  <a:sysClr val="windowText" lastClr="000000"/>
-                </a:solidFill>
-                <a:latin typeface="Aharoni" panose="02010803020104030203" pitchFamily="2" charset="-79"/>
-                <a:cs typeface="Aharoni" panose="02010803020104030203" pitchFamily="2" charset="-79"/>
-              </a:rPr>
-              <a:t>RESOLVE</a:t>
-            </a:r>
-          </a:p>
-        </p:txBody>
-      </p:sp>
-      <p:sp>
-        <p:nvSpPr>
-          <p:cNvPr id="18" name="TextBox 17">
-            <a:extLst>
-              <a:ext uri="{FF2B5EF4-FFF2-40B4-BE49-F238E27FC236}">
-                <a16:creationId xmlns:a16="http://schemas.microsoft.com/office/drawing/2014/main" id="{E5905236-9BB5-59D5-25FE-23550903F259}"/>
-              </a:ext>
-            </a:extLst>
-          </p:cNvPr>
-          <p:cNvSpPr txBox="1"/>
+              <a:t>Designing a responsive and visually engaging card game interface with smooth animations to enhance user experience and engagement in a digital card game.</a:t>
+            </a:r>
+          </a:p>
+        </p:txBody>
+      </p:sp>
+      <p:sp>
+        <p:nvSpPr>
+          <p:cNvPr id="7" name="Flowchart: Connector 6">
+            <a:extLst>
+              <a:ext uri="{FF2B5EF4-FFF2-40B4-BE49-F238E27FC236}">
+                <a16:creationId xmlns:a16="http://schemas.microsoft.com/office/drawing/2014/main" id="{3258A90D-0639-11D5-8E03-AB61B61CE34E}"/>
+              </a:ext>
+            </a:extLst>
+          </p:cNvPr>
+          <p:cNvSpPr/>
           <p:nvPr/>
         </p:nvSpPr>
         <p:spPr>
           <a:xfrm>
-            <a:off x="3927137" y="3303575"/>
-            <a:ext cx="3291840" cy="2951642"/>
-          </a:xfrm>
-          <a:prstGeom prst="rect">
+            <a:off x="6371795" y="609933"/>
+            <a:ext cx="5592340" cy="5285105"/>
+          </a:xfrm>
+          <a:prstGeom prst="flowChartConnector">
             <a:avLst/>
           </a:prstGeom>
-          <a:noFill/>
-        </p:spPr>
-        <p:txBody>
-          <a:bodyPr wrap="square" rtlCol="0">
-            <a:spAutoFit/>
-          </a:bodyPr>
-          <a:lstStyle/>
-          <a:p>
-            <a:pPr marL="342900" marR="0" lvl="0" indent="-342900">
-              <a:lnSpc>
-                <a:spcPct val="107000"/>
-              </a:lnSpc>
-              <a:spcBef>
-                <a:spcPts val="0"/>
-              </a:spcBef>
-              <a:spcAft>
-                <a:spcPts val="800"/>
-              </a:spcAft>
-              <a:buFont typeface="Symbol" panose="05050102010706020507" pitchFamily="18" charset="2"/>
-              <a:buChar char=""/>
-            </a:pPr>
-            <a:r>
-              <a:rPr lang="en-US" sz="1800" dirty="0">
-                <a:effectLst/>
-                <a:latin typeface="Calibri" panose="020F0502020204030204" pitchFamily="34" charset="0"/>
-                <a:ea typeface="Calibri" panose="020F0502020204030204" pitchFamily="34" charset="0"/>
-                <a:cs typeface="Times New Roman" panose="02020603050405020304" pitchFamily="18" charset="0"/>
-              </a:rPr>
-              <a:t>57% of Job Seekers Use LinkedIn to Find New Job Opportunities</a:t>
-            </a:r>
-          </a:p>
-          <a:p>
-            <a:pPr marL="342900" marR="0" lvl="0" indent="-342900">
-              <a:lnSpc>
-                <a:spcPct val="107000"/>
-              </a:lnSpc>
-              <a:spcBef>
-                <a:spcPts val="0"/>
-              </a:spcBef>
-              <a:spcAft>
-                <a:spcPts val="0"/>
-              </a:spcAft>
-              <a:buFont typeface="Symbol" panose="05050102010706020507" pitchFamily="18" charset="2"/>
-              <a:buChar char=""/>
-            </a:pPr>
-            <a:r>
-              <a:rPr lang="en-US" sz="1800" b="1" dirty="0">
-                <a:effectLst/>
-                <a:latin typeface="Calibri" panose="020F0502020204030204" pitchFamily="34" charset="0"/>
-                <a:ea typeface="Calibri" panose="020F0502020204030204" pitchFamily="34" charset="0"/>
-                <a:cs typeface="Times New Roman" panose="02020603050405020304" pitchFamily="18" charset="0"/>
-              </a:rPr>
-              <a:t>61 Million</a:t>
-            </a:r>
-            <a:r>
-              <a:rPr lang="en-US" sz="1800" dirty="0">
-                <a:effectLst/>
-                <a:latin typeface="Calibri" panose="020F0502020204030204" pitchFamily="34" charset="0"/>
-                <a:ea typeface="Calibri" panose="020F0502020204030204" pitchFamily="34" charset="0"/>
-                <a:cs typeface="Times New Roman" panose="02020603050405020304" pitchFamily="18" charset="0"/>
-              </a:rPr>
-              <a:t> Users Look for Jobs Through LinkedIn Weekly</a:t>
-            </a:r>
-          </a:p>
-          <a:p>
-            <a:pPr marL="342900" marR="0" lvl="0" indent="-342900">
-              <a:lnSpc>
-                <a:spcPct val="107000"/>
-              </a:lnSpc>
-              <a:spcBef>
-                <a:spcPts val="0"/>
-              </a:spcBef>
-              <a:spcAft>
-                <a:spcPts val="800"/>
-              </a:spcAft>
-              <a:buFont typeface="Symbol" panose="05050102010706020507" pitchFamily="18" charset="2"/>
-              <a:buChar char=""/>
-            </a:pPr>
-            <a:r>
-              <a:rPr lang="en-US" sz="1800" dirty="0">
-                <a:effectLst/>
-                <a:latin typeface="Calibri" panose="020F0502020204030204" pitchFamily="34" charset="0"/>
-                <a:ea typeface="Calibri" panose="020F0502020204030204" pitchFamily="34" charset="0"/>
-                <a:cs typeface="Times New Roman" panose="02020603050405020304" pitchFamily="18" charset="0"/>
-              </a:rPr>
-              <a:t>Over </a:t>
-            </a:r>
-            <a:r>
-              <a:rPr lang="en-US" sz="1800" b="1" dirty="0">
-                <a:effectLst/>
-                <a:latin typeface="Calibri" panose="020F0502020204030204" pitchFamily="34" charset="0"/>
-                <a:ea typeface="Calibri" panose="020F0502020204030204" pitchFamily="34" charset="0"/>
-                <a:cs typeface="Times New Roman" panose="02020603050405020304" pitchFamily="18" charset="0"/>
-              </a:rPr>
-              <a:t>58 Million</a:t>
-            </a:r>
-            <a:r>
-              <a:rPr lang="en-US" sz="1800" dirty="0">
-                <a:effectLst/>
-                <a:latin typeface="Calibri" panose="020F0502020204030204" pitchFamily="34" charset="0"/>
-                <a:ea typeface="Calibri" panose="020F0502020204030204" pitchFamily="34" charset="0"/>
-                <a:cs typeface="Times New Roman" panose="02020603050405020304" pitchFamily="18" charset="0"/>
-              </a:rPr>
-              <a:t> Companies Are On LinkedIn</a:t>
-            </a:r>
-          </a:p>
-          <a:p>
-            <a:pPr marR="0" lvl="0">
-              <a:lnSpc>
-                <a:spcPct val="107000"/>
-              </a:lnSpc>
-              <a:spcBef>
-                <a:spcPts val="0"/>
-              </a:spcBef>
-              <a:spcAft>
-                <a:spcPts val="800"/>
-              </a:spcAft>
-            </a:pPr>
-            <a:endParaRPr lang="en-US" sz="1800" dirty="0">
-              <a:effectLst/>
-              <a:latin typeface="Calibri" panose="020F0502020204030204" pitchFamily="34" charset="0"/>
-              <a:ea typeface="Calibri" panose="020F0502020204030204" pitchFamily="34" charset="0"/>
-              <a:cs typeface="Times New Roman" panose="02020603050405020304" pitchFamily="18" charset="0"/>
-            </a:endParaRPr>
-          </a:p>
-        </p:txBody>
-      </p:sp>
-      <p:sp>
-        <p:nvSpPr>
-          <p:cNvPr id="19" name="TextBox 18">
-            <a:extLst>
-              <a:ext uri="{FF2B5EF4-FFF2-40B4-BE49-F238E27FC236}">
-                <a16:creationId xmlns:a16="http://schemas.microsoft.com/office/drawing/2014/main" id="{A732A5EB-9C27-6380-EC30-A3A85FC1EF0E}"/>
-              </a:ext>
-            </a:extLst>
-          </p:cNvPr>
-          <p:cNvSpPr txBox="1"/>
-          <p:nvPr/>
-        </p:nvSpPr>
-        <p:spPr>
-          <a:xfrm>
-            <a:off x="4074980" y="2093858"/>
-            <a:ext cx="3291840" cy="830997"/>
-          </a:xfrm>
-          <a:prstGeom prst="rect">
-            <a:avLst/>
-          </a:prstGeom>
-          <a:noFill/>
-        </p:spPr>
-        <p:txBody>
-          <a:bodyPr wrap="square" rtlCol="0">
-            <a:spAutoFit/>
-          </a:bodyPr>
-          <a:lstStyle/>
-          <a:p>
-            <a:r>
-              <a:rPr lang="en-US" sz="4800" dirty="0">
-                <a:latin typeface="Aharoni" panose="02010803020104030203" pitchFamily="2" charset="-79"/>
-                <a:cs typeface="Aharoni" panose="02010803020104030203" pitchFamily="2" charset="-79"/>
-              </a:rPr>
-              <a:t>LINKEDIN</a:t>
-            </a:r>
-          </a:p>
-        </p:txBody>
-      </p:sp>
-      <p:sp>
-        <p:nvSpPr>
-          <p:cNvPr id="20" name="TextBox 19">
-            <a:extLst>
-              <a:ext uri="{FF2B5EF4-FFF2-40B4-BE49-F238E27FC236}">
-                <a16:creationId xmlns:a16="http://schemas.microsoft.com/office/drawing/2014/main" id="{2F9E8725-B2A7-3853-7A5A-588E23E9E484}"/>
-              </a:ext>
-            </a:extLst>
-          </p:cNvPr>
-          <p:cNvSpPr txBox="1"/>
-          <p:nvPr/>
-        </p:nvSpPr>
-        <p:spPr>
-          <a:xfrm>
-            <a:off x="254000" y="3332480"/>
-            <a:ext cx="2997200" cy="1717971"/>
-          </a:xfrm>
-          <a:prstGeom prst="rect">
-            <a:avLst/>
-          </a:prstGeom>
-          <a:noFill/>
-        </p:spPr>
-        <p:txBody>
-          <a:bodyPr wrap="square" rtlCol="0">
-            <a:spAutoFit/>
-          </a:bodyPr>
-          <a:lstStyle/>
-          <a:p>
-            <a:pPr marL="342900" marR="0" lvl="0" indent="-342900">
-              <a:lnSpc>
-                <a:spcPct val="107000"/>
-              </a:lnSpc>
-              <a:spcBef>
-                <a:spcPts val="0"/>
-              </a:spcBef>
-              <a:spcAft>
-                <a:spcPts val="0"/>
-              </a:spcAft>
-              <a:buFont typeface="Symbol" panose="05050102010706020507" pitchFamily="18" charset="2"/>
-              <a:buChar char=""/>
-            </a:pPr>
-            <a:r>
-              <a:rPr lang="en-US" sz="1600" b="1" dirty="0">
-                <a:effectLst/>
-                <a:latin typeface="Bahnschrift SemiBold" panose="020B0502040204020203" pitchFamily="34" charset="0"/>
-                <a:ea typeface="Calibri" panose="020F0502020204030204" pitchFamily="34" charset="0"/>
-                <a:cs typeface="Times New Roman" panose="02020603050405020304" pitchFamily="18" charset="0"/>
-              </a:rPr>
-              <a:t>Easy to code </a:t>
-            </a:r>
-          </a:p>
-          <a:p>
-            <a:pPr marL="342900" marR="0" lvl="0" indent="-342900">
-              <a:lnSpc>
-                <a:spcPct val="107000"/>
-              </a:lnSpc>
-              <a:spcBef>
-                <a:spcPts val="0"/>
-              </a:spcBef>
-              <a:spcAft>
-                <a:spcPts val="0"/>
-              </a:spcAft>
-              <a:buFont typeface="Symbol" panose="05050102010706020507" pitchFamily="18" charset="2"/>
-              <a:buChar char=""/>
-            </a:pPr>
-            <a:r>
-              <a:rPr lang="en-US" b="1" dirty="0">
-                <a:effectLst/>
-                <a:latin typeface="Bahnschrift SemiBold" panose="020B0502040204020203" pitchFamily="34" charset="0"/>
-                <a:ea typeface="Calibri" panose="020F0502020204030204" pitchFamily="34" charset="0"/>
-                <a:cs typeface="Times New Roman" panose="02020603050405020304" pitchFamily="18" charset="0"/>
-              </a:rPr>
-              <a:t>3</a:t>
-            </a:r>
-            <a:r>
-              <a:rPr lang="en-US" b="1" baseline="30000" dirty="0">
-                <a:effectLst/>
-                <a:latin typeface="Bahnschrift SemiBold" panose="020B0502040204020203" pitchFamily="34" charset="0"/>
-                <a:ea typeface="Calibri" panose="020F0502020204030204" pitchFamily="34" charset="0"/>
-                <a:cs typeface="Times New Roman" panose="02020603050405020304" pitchFamily="18" charset="0"/>
-              </a:rPr>
-              <a:t>rd</a:t>
-            </a:r>
-            <a:r>
-              <a:rPr lang="en-US" sz="1600" dirty="0">
-                <a:effectLst/>
-                <a:latin typeface="Bahnschrift SemiBold" panose="020B0502040204020203" pitchFamily="34" charset="0"/>
-                <a:ea typeface="Calibri" panose="020F0502020204030204" pitchFamily="34" charset="0"/>
-                <a:cs typeface="Times New Roman" panose="02020603050405020304" pitchFamily="18" charset="0"/>
-              </a:rPr>
-              <a:t> most popular language in the world</a:t>
-            </a:r>
-          </a:p>
-          <a:p>
-            <a:pPr marL="342900" marR="0" lvl="0" indent="-342900">
-              <a:lnSpc>
-                <a:spcPct val="107000"/>
-              </a:lnSpc>
-              <a:spcBef>
-                <a:spcPts val="0"/>
-              </a:spcBef>
-              <a:spcAft>
-                <a:spcPts val="800"/>
-              </a:spcAft>
-              <a:buFont typeface="Symbol" panose="05050102010706020507" pitchFamily="18" charset="2"/>
-              <a:buChar char=""/>
-            </a:pPr>
-            <a:r>
-              <a:rPr lang="en-US" sz="1600" b="1" dirty="0">
-                <a:effectLst/>
-                <a:latin typeface="Bahnschrift SemiBold" panose="020B0502040204020203" pitchFamily="34" charset="0"/>
-                <a:ea typeface="Calibri" panose="020F0502020204030204" pitchFamily="34" charset="0"/>
-                <a:cs typeface="Times New Roman" panose="02020603050405020304" pitchFamily="18" charset="0"/>
-              </a:rPr>
-              <a:t>Top </a:t>
-            </a:r>
-            <a:r>
-              <a:rPr lang="en-US" b="1" dirty="0">
-                <a:effectLst/>
-                <a:latin typeface="Bahnschrift SemiBold" panose="020B0502040204020203" pitchFamily="34" charset="0"/>
-                <a:ea typeface="Calibri" panose="020F0502020204030204" pitchFamily="34" charset="0"/>
-                <a:cs typeface="Times New Roman" panose="02020603050405020304" pitchFamily="18" charset="0"/>
-              </a:rPr>
-              <a:t>15%</a:t>
-            </a:r>
-            <a:r>
-              <a:rPr lang="en-US" sz="1600" b="1" dirty="0">
-                <a:effectLst/>
-                <a:latin typeface="Bahnschrift SemiBold" panose="020B0502040204020203" pitchFamily="34" charset="0"/>
-                <a:ea typeface="Calibri" panose="020F0502020204030204" pitchFamily="34" charset="0"/>
-                <a:cs typeface="Times New Roman" panose="02020603050405020304" pitchFamily="18" charset="0"/>
-              </a:rPr>
-              <a:t> </a:t>
-            </a:r>
-            <a:r>
-              <a:rPr lang="en-US" sz="1600" dirty="0">
-                <a:effectLst/>
-                <a:latin typeface="Bahnschrift SemiBold" panose="020B0502040204020203" pitchFamily="34" charset="0"/>
-                <a:ea typeface="Calibri" panose="020F0502020204030204" pitchFamily="34" charset="0"/>
-                <a:cs typeface="Times New Roman" panose="02020603050405020304" pitchFamily="18" charset="0"/>
-              </a:rPr>
-              <a:t>programming professionals have python certification</a:t>
-            </a:r>
+          <a:blipFill dpi="0" rotWithShape="1">
+            <a:blip r:embed="rId2">
+              <a:extLst>
+                <a:ext uri="{28A0092B-C50C-407E-A947-70E740481C1C}">
+                  <a14:useLocalDpi xmlns:a14="http://schemas.microsoft.com/office/drawing/2010/main" val="0"/>
+                </a:ext>
+              </a:extLst>
+            </a:blip>
+            <a:srcRect/>
+            <a:stretch>
+              <a:fillRect/>
+            </a:stretch>
+          </a:blipFill>
+        </p:spPr>
+        <p:style>
+          <a:lnRef idx="2">
+            <a:schemeClr val="accent1">
+              <a:shade val="15000"/>
+            </a:schemeClr>
+          </a:lnRef>
+          <a:fillRef idx="1">
+            <a:schemeClr val="accent1"/>
+          </a:fillRef>
+          <a:effectRef idx="0">
+            <a:schemeClr val="accent1"/>
+          </a:effectRef>
+          <a:fontRef idx="minor">
+            <a:schemeClr val="lt1"/>
+          </a:fontRef>
+        </p:style>
+        <p:txBody>
+          <a:bodyPr rtlCol="0" anchor="ctr"/>
+          <a:lstStyle/>
+          <a:p>
+            <a:pPr algn="ctr"/>
+            <a:endParaRPr lang="en-US"/>
           </a:p>
         </p:txBody>
       </p:sp>
     </p:spTree>
     <p:extLst>
       <p:ext uri="{BB962C8B-B14F-4D97-AF65-F5344CB8AC3E}">
-        <p14:creationId xmlns:p14="http://schemas.microsoft.com/office/powerpoint/2010/main" val="431579670"/>
+        <p14:creationId xmlns:p14="http://schemas.microsoft.com/office/powerpoint/2010/main" val="1766659709"/>
       </p:ext>
     </p:extLst>
   </p:cSld>
   <p:clrMapOvr>
     <a:masterClrMapping/>
   </p:clrMapOvr>
-  <mc:AlternateContent xmlns:mc="http://schemas.openxmlformats.org/markup-compatibility/2006" xmlns:p14="http://schemas.microsoft.com/office/powerpoint/2010/main">
-    <mc:Choice Requires="p14">
-      <p:transition spd="slow" p14:dur="900">
-        <p14:warp dir="in"/>
+  <mc:AlternateContent xmlns:mc="http://schemas.openxmlformats.org/markup-compatibility/2006" xmlns:p159="http://schemas.microsoft.com/office/powerpoint/2015/09/main">
+    <mc:Choice Requires="p159">
+      <p:transition xmlns:p14="http://schemas.microsoft.com/office/powerpoint/2010/main" spd="slow" p14:dur="2000">
+        <p159:morph option="byObject"/>
       </p:transition>
     </mc:Choice>
     <mc:Fallback xmlns="">
@@ -4913,12 +4885,42 @@
           <a:chExt cx="0" cy="0"/>
         </a:xfrm>
       </p:grpSpPr>
-      <p:sp>
-        <p:nvSpPr>
-          <p:cNvPr id="4" name="TextBox 3">
-            <a:extLst>
-              <a:ext uri="{FF2B5EF4-FFF2-40B4-BE49-F238E27FC236}">
-                <a16:creationId xmlns:a16="http://schemas.microsoft.com/office/drawing/2014/main" id="{6BFDDF3E-4345-3889-27E2-ACB385A64ACE}"/>
+      <p:pic>
+        <p:nvPicPr>
+          <p:cNvPr id="12" name="Picture 11">
+            <a:extLst>
+              <a:ext uri="{FF2B5EF4-FFF2-40B4-BE49-F238E27FC236}">
+                <a16:creationId xmlns:a16="http://schemas.microsoft.com/office/drawing/2014/main" id="{2604E326-9B7B-2DB7-C59D-D1E62B30968E}"/>
+              </a:ext>
+            </a:extLst>
+          </p:cNvPr>
+          <p:cNvPicPr>
+            <a:picLocks noChangeAspect="1"/>
+          </p:cNvPicPr>
+          <p:nvPr/>
+        </p:nvPicPr>
+        <p:blipFill>
+          <a:blip r:embed="rId2"/>
+          <a:stretch>
+            <a:fillRect/>
+          </a:stretch>
+        </p:blipFill>
+        <p:spPr>
+          <a:xfrm>
+            <a:off x="372538" y="893927"/>
+            <a:ext cx="6011177" cy="1572904"/>
+          </a:xfrm>
+          <a:prstGeom prst="rect">
+            <a:avLst/>
+          </a:prstGeom>
+        </p:spPr>
+      </p:pic>
+      <p:sp>
+        <p:nvSpPr>
+          <p:cNvPr id="3" name="TextBox 2">
+            <a:extLst>
+              <a:ext uri="{FF2B5EF4-FFF2-40B4-BE49-F238E27FC236}">
+                <a16:creationId xmlns:a16="http://schemas.microsoft.com/office/drawing/2014/main" id="{02101A27-4426-A3CD-6550-ACFA72D4408C}"/>
               </a:ext>
             </a:extLst>
           </p:cNvPr>
@@ -4928,7 +4930,7 @@
         <p:spPr>
           <a:xfrm>
             <a:off x="421041" y="224117"/>
-            <a:ext cx="4658959" cy="2308324"/>
+            <a:ext cx="5997514" cy="1692771"/>
           </a:xfrm>
           <a:prstGeom prst="rect">
             <a:avLst/>
@@ -4942,14 +4944,14 @@
           <a:lstStyle/>
           <a:p>
             <a:r>
-              <a:rPr lang="en-US" sz="7200" dirty="0">
+              <a:rPr lang="en-US" sz="3200" dirty="0">
                 <a:solidFill>
                   <a:schemeClr val="bg1"/>
                 </a:solidFill>
                 <a:latin typeface="Aharoni" panose="02010803020104030203" pitchFamily="2" charset="-79"/>
                 <a:cs typeface="Aharoni" panose="02010803020104030203" pitchFamily="2" charset="-79"/>
               </a:rPr>
-              <a:t>FEATURES</a:t>
+              <a:t>The Problem addressed:</a:t>
             </a:r>
           </a:p>
           <a:p>
@@ -4965,10 +4967,10 @@
       </p:sp>
       <p:sp>
         <p:nvSpPr>
-          <p:cNvPr id="8" name="TextBox 7">
-            <a:extLst>
-              <a:ext uri="{FF2B5EF4-FFF2-40B4-BE49-F238E27FC236}">
-                <a16:creationId xmlns:a16="http://schemas.microsoft.com/office/drawing/2014/main" id="{DE2997EF-89F7-4D7F-0FD4-F8B510ED04D6}"/>
+          <p:cNvPr id="5" name="TextBox 4">
+            <a:extLst>
+              <a:ext uri="{FF2B5EF4-FFF2-40B4-BE49-F238E27FC236}">
+                <a16:creationId xmlns:a16="http://schemas.microsoft.com/office/drawing/2014/main" id="{CDEF5C5A-3077-D97D-72E8-80EE6231601A}"/>
               </a:ext>
             </a:extLst>
           </p:cNvPr>
@@ -4977,8 +4979,8 @@
         </p:nvSpPr>
         <p:spPr>
           <a:xfrm>
-            <a:off x="7843219" y="3594267"/>
-            <a:ext cx="3291840" cy="2377440"/>
+            <a:off x="372538" y="974379"/>
+            <a:ext cx="6094520" cy="1561005"/>
           </a:xfrm>
           <a:prstGeom prst="rect">
             <a:avLst/>
@@ -4986,232 +4988,12 @@
           <a:noFill/>
         </p:spPr>
         <p:txBody>
-          <a:bodyPr wrap="square" rtlCol="0">
+          <a:bodyPr wrap="square">
             <a:spAutoFit/>
           </a:bodyPr>
           <a:lstStyle/>
           <a:p>
-            <a:r>
-              <a:rPr lang="en-US" dirty="0"/>
-              <a:t>TTHIS IS Davinci Resolve</a:t>
-            </a:r>
-          </a:p>
-          <a:p>
-            <a:endParaRPr lang="en-US" dirty="0"/>
-          </a:p>
-          <a:p>
-            <a:endParaRPr lang="en-US" dirty="0"/>
-          </a:p>
-          <a:p>
-            <a:endParaRPr lang="en-US" dirty="0"/>
-          </a:p>
-          <a:p>
-            <a:endParaRPr lang="en-US" dirty="0"/>
-          </a:p>
-          <a:p>
-            <a:endParaRPr lang="en-US" dirty="0"/>
-          </a:p>
-          <a:p>
-            <a:endParaRPr lang="en-US" dirty="0"/>
-          </a:p>
-          <a:p>
-            <a:r>
-              <a:rPr lang="en-US" dirty="0"/>
-              <a:t>SFEGSHRHRH</a:t>
-            </a:r>
-          </a:p>
-        </p:txBody>
-      </p:sp>
-      <p:sp>
-        <p:nvSpPr>
-          <p:cNvPr id="10" name="TextBox 9">
-            <a:extLst>
-              <a:ext uri="{FF2B5EF4-FFF2-40B4-BE49-F238E27FC236}">
-                <a16:creationId xmlns:a16="http://schemas.microsoft.com/office/drawing/2014/main" id="{4DA6D692-952C-E75A-7302-9ECB07FB0727}"/>
-              </a:ext>
-            </a:extLst>
-          </p:cNvPr>
-          <p:cNvSpPr txBox="1"/>
-          <p:nvPr/>
-        </p:nvSpPr>
-        <p:spPr>
-          <a:xfrm>
-            <a:off x="7843219" y="1974726"/>
-            <a:ext cx="3291840" cy="1661993"/>
-          </a:xfrm>
-          <a:prstGeom prst="rect">
-            <a:avLst/>
-          </a:prstGeom>
-          <a:noFill/>
-        </p:spPr>
-        <p:txBody>
-          <a:bodyPr wrap="square" rtlCol="0">
-            <a:spAutoFit/>
-          </a:bodyPr>
-          <a:lstStyle/>
-          <a:p>
-            <a:pPr algn="ctr"/>
-            <a:r>
-              <a:rPr lang="en-US" sz="4800" dirty="0">
-                <a:solidFill>
-                  <a:sysClr val="windowText" lastClr="000000"/>
-                </a:solidFill>
-                <a:latin typeface="Aharoni" panose="02010803020104030203" pitchFamily="2" charset="-79"/>
-                <a:cs typeface="Aharoni" panose="02010803020104030203" pitchFamily="2" charset="-79"/>
-              </a:rPr>
-              <a:t>DAVINCI</a:t>
-            </a:r>
-            <a:r>
-              <a:rPr lang="en-US" sz="5400" dirty="0">
-                <a:solidFill>
-                  <a:sysClr val="windowText" lastClr="000000"/>
-                </a:solidFill>
-                <a:latin typeface="Aharoni" panose="02010803020104030203" pitchFamily="2" charset="-79"/>
-                <a:cs typeface="Aharoni" panose="02010803020104030203" pitchFamily="2" charset="-79"/>
-              </a:rPr>
-              <a:t> </a:t>
-            </a:r>
-            <a:r>
-              <a:rPr lang="en-US" sz="4800" dirty="0">
-                <a:solidFill>
-                  <a:sysClr val="windowText" lastClr="000000"/>
-                </a:solidFill>
-                <a:latin typeface="Aharoni" panose="02010803020104030203" pitchFamily="2" charset="-79"/>
-                <a:cs typeface="Aharoni" panose="02010803020104030203" pitchFamily="2" charset="-79"/>
-              </a:rPr>
-              <a:t>RESOLVE</a:t>
-            </a:r>
-          </a:p>
-        </p:txBody>
-      </p:sp>
-      <p:sp>
-        <p:nvSpPr>
-          <p:cNvPr id="18" name="TextBox 17">
-            <a:extLst>
-              <a:ext uri="{FF2B5EF4-FFF2-40B4-BE49-F238E27FC236}">
-                <a16:creationId xmlns:a16="http://schemas.microsoft.com/office/drawing/2014/main" id="{E5905236-9BB5-59D5-25FE-23550903F259}"/>
-              </a:ext>
-            </a:extLst>
-          </p:cNvPr>
-          <p:cNvSpPr txBox="1"/>
-          <p:nvPr/>
-        </p:nvSpPr>
-        <p:spPr>
-          <a:xfrm>
-            <a:off x="3927137" y="3303575"/>
-            <a:ext cx="3291840" cy="2951642"/>
-          </a:xfrm>
-          <a:prstGeom prst="rect">
-            <a:avLst/>
-          </a:prstGeom>
-          <a:noFill/>
-        </p:spPr>
-        <p:txBody>
-          <a:bodyPr wrap="square" rtlCol="0">
-            <a:spAutoFit/>
-          </a:bodyPr>
-          <a:lstStyle/>
-          <a:p>
-            <a:pPr marL="342900" marR="0" lvl="0" indent="-342900">
-              <a:lnSpc>
-                <a:spcPct val="107000"/>
-              </a:lnSpc>
-              <a:spcBef>
-                <a:spcPts val="0"/>
-              </a:spcBef>
-              <a:spcAft>
-                <a:spcPts val="800"/>
-              </a:spcAft>
-              <a:buFont typeface="Symbol" panose="05050102010706020507" pitchFamily="18" charset="2"/>
-              <a:buChar char=""/>
-            </a:pPr>
-            <a:r>
-              <a:rPr lang="en-US" sz="1800" dirty="0">
-                <a:effectLst/>
-                <a:latin typeface="Calibri" panose="020F0502020204030204" pitchFamily="34" charset="0"/>
-                <a:ea typeface="Calibri" panose="020F0502020204030204" pitchFamily="34" charset="0"/>
-                <a:cs typeface="Times New Roman" panose="02020603050405020304" pitchFamily="18" charset="0"/>
-              </a:rPr>
-              <a:t>57% of Job Seekers Use LinkedIn to Find New Job Opportunities</a:t>
-            </a:r>
-          </a:p>
-          <a:p>
-            <a:pPr marL="342900" marR="0" lvl="0" indent="-342900">
-              <a:lnSpc>
-                <a:spcPct val="107000"/>
-              </a:lnSpc>
-              <a:spcBef>
-                <a:spcPts val="0"/>
-              </a:spcBef>
-              <a:spcAft>
-                <a:spcPts val="0"/>
-              </a:spcAft>
-              <a:buFont typeface="Symbol" panose="05050102010706020507" pitchFamily="18" charset="2"/>
-              <a:buChar char=""/>
-            </a:pPr>
-            <a:r>
-              <a:rPr lang="en-US" sz="1800" b="1" dirty="0">
-                <a:effectLst/>
-                <a:latin typeface="Calibri" panose="020F0502020204030204" pitchFamily="34" charset="0"/>
-                <a:ea typeface="Calibri" panose="020F0502020204030204" pitchFamily="34" charset="0"/>
-                <a:cs typeface="Times New Roman" panose="02020603050405020304" pitchFamily="18" charset="0"/>
-              </a:rPr>
-              <a:t>61 Million</a:t>
-            </a:r>
-            <a:r>
-              <a:rPr lang="en-US" sz="1800" dirty="0">
-                <a:effectLst/>
-                <a:latin typeface="Calibri" panose="020F0502020204030204" pitchFamily="34" charset="0"/>
-                <a:ea typeface="Calibri" panose="020F0502020204030204" pitchFamily="34" charset="0"/>
-                <a:cs typeface="Times New Roman" panose="02020603050405020304" pitchFamily="18" charset="0"/>
-              </a:rPr>
-              <a:t> Users Look for Jobs Through LinkedIn Weekly</a:t>
-            </a:r>
-          </a:p>
-          <a:p>
-            <a:pPr marL="342900" marR="0" lvl="0" indent="-342900">
-              <a:lnSpc>
-                <a:spcPct val="107000"/>
-              </a:lnSpc>
-              <a:spcBef>
-                <a:spcPts val="0"/>
-              </a:spcBef>
-              <a:spcAft>
-                <a:spcPts val="800"/>
-              </a:spcAft>
-              <a:buFont typeface="Symbol" panose="05050102010706020507" pitchFamily="18" charset="2"/>
-              <a:buChar char=""/>
-            </a:pPr>
-            <a:r>
-              <a:rPr lang="en-US" sz="1800" dirty="0">
-                <a:effectLst/>
-                <a:latin typeface="Calibri" panose="020F0502020204030204" pitchFamily="34" charset="0"/>
-                <a:ea typeface="Calibri" panose="020F0502020204030204" pitchFamily="34" charset="0"/>
-                <a:cs typeface="Times New Roman" panose="02020603050405020304" pitchFamily="18" charset="0"/>
-              </a:rPr>
-              <a:t>Over </a:t>
-            </a:r>
-            <a:r>
-              <a:rPr lang="en-US" sz="1800" b="1" dirty="0">
-                <a:effectLst/>
-                <a:latin typeface="Calibri" panose="020F0502020204030204" pitchFamily="34" charset="0"/>
-                <a:ea typeface="Calibri" panose="020F0502020204030204" pitchFamily="34" charset="0"/>
-                <a:cs typeface="Times New Roman" panose="02020603050405020304" pitchFamily="18" charset="0"/>
-              </a:rPr>
-              <a:t>58 Million</a:t>
-            </a:r>
-            <a:r>
-              <a:rPr lang="en-US" sz="1800" dirty="0">
-                <a:effectLst/>
-                <a:latin typeface="Calibri" panose="020F0502020204030204" pitchFamily="34" charset="0"/>
-                <a:ea typeface="Calibri" panose="020F0502020204030204" pitchFamily="34" charset="0"/>
-                <a:cs typeface="Times New Roman" panose="02020603050405020304" pitchFamily="18" charset="0"/>
-              </a:rPr>
-              <a:t> Companies Are On LinkedIn</a:t>
-            </a:r>
-          </a:p>
-          <a:p>
-            <a:pPr marR="0" lvl="0">
+            <a:pPr marL="0" marR="0">
               <a:lnSpc>
                 <a:spcPct val="107000"/>
               </a:lnSpc>
@@ -5222,21 +5004,39 @@
                 <a:spcPts val="800"/>
               </a:spcAft>
             </a:pPr>
-            <a:endParaRPr lang="en-US" sz="1800" dirty="0">
-              <a:effectLst/>
-              <a:latin typeface="Calibri" panose="020F0502020204030204" pitchFamily="34" charset="0"/>
-              <a:ea typeface="Calibri" panose="020F0502020204030204" pitchFamily="34" charset="0"/>
-              <a:cs typeface="Times New Roman" panose="02020603050405020304" pitchFamily="18" charset="0"/>
-            </a:endParaRPr>
-          </a:p>
-        </p:txBody>
-      </p:sp>
-      <p:sp>
-        <p:nvSpPr>
-          <p:cNvPr id="19" name="TextBox 18">
-            <a:extLst>
-              <a:ext uri="{FF2B5EF4-FFF2-40B4-BE49-F238E27FC236}">
-                <a16:creationId xmlns:a16="http://schemas.microsoft.com/office/drawing/2014/main" id="{A732A5EB-9C27-6380-EC30-A3A85FC1EF0E}"/>
+            <a:r>
+              <a:rPr lang="en-US" sz="1800" b="1" kern="100" dirty="0">
+                <a:solidFill>
+                  <a:schemeClr val="bg1"/>
+                </a:solidFill>
+                <a:effectLst/>
+                <a:latin typeface="Calibri" panose="020F0502020204030204" pitchFamily="34" charset="0"/>
+                <a:ea typeface="Calibri" panose="020F0502020204030204" pitchFamily="34" charset="0"/>
+                <a:cs typeface="Times New Roman" panose="02020603050405020304" pitchFamily="18" charset="0"/>
+              </a:rPr>
+              <a:t>User Engagement: </a:t>
+            </a:r>
+            <a:r>
+              <a:rPr lang="en-US" sz="1800" kern="100" dirty="0">
+                <a:solidFill>
+                  <a:schemeClr val="bg1"/>
+                </a:solidFill>
+                <a:effectLst/>
+                <a:latin typeface="Calibri" panose="020F0502020204030204" pitchFamily="34" charset="0"/>
+                <a:ea typeface="Calibri" panose="020F0502020204030204" pitchFamily="34" charset="0"/>
+                <a:cs typeface="Times New Roman" panose="02020603050405020304" pitchFamily="18" charset="0"/>
+              </a:rPr>
+              <a:t>By creating a visually appealing card game interface with smooth animations, you address the challenge of engaging users and making the gaming experience enjoyable. The animations make the game more interactive and immersive, encouraging players to continue playing.</a:t>
+            </a:r>
+          </a:p>
+        </p:txBody>
+      </p:sp>
+      <p:sp>
+        <p:nvSpPr>
+          <p:cNvPr id="7" name="TextBox 6">
+            <a:extLst>
+              <a:ext uri="{FF2B5EF4-FFF2-40B4-BE49-F238E27FC236}">
+                <a16:creationId xmlns:a16="http://schemas.microsoft.com/office/drawing/2014/main" id="{5F4C7109-D3C9-24D2-7D6D-7A5ACABADFB1}"/>
               </a:ext>
             </a:extLst>
           </p:cNvPr>
@@ -5245,8 +5045,8 @@
         </p:nvSpPr>
         <p:spPr>
           <a:xfrm>
-            <a:off x="4074980" y="2093858"/>
-            <a:ext cx="3291840" cy="830997"/>
+            <a:off x="421041" y="2801933"/>
+            <a:ext cx="6094520" cy="1754326"/>
           </a:xfrm>
           <a:prstGeom prst="rect">
             <a:avLst/>
@@ -5254,27 +5054,36 @@
           <a:noFill/>
         </p:spPr>
         <p:txBody>
-          <a:bodyPr wrap="square" rtlCol="0">
+          <a:bodyPr wrap="square">
             <a:spAutoFit/>
           </a:bodyPr>
           <a:lstStyle/>
           <a:p>
             <a:r>
-              <a:rPr lang="en-US" sz="4800" dirty="0">
-                <a:latin typeface="Aharoni" panose="02010803020104030203" pitchFamily="2" charset="-79"/>
-                <a:cs typeface="Aharoni" panose="02010803020104030203" pitchFamily="2" charset="-79"/>
-              </a:rPr>
-              <a:t>LINKEDIN</a:t>
-            </a:r>
-          </a:p>
-        </p:txBody>
-      </p:sp>
-      <p:sp>
-        <p:nvSpPr>
-          <p:cNvPr id="20" name="TextBox 19">
-            <a:extLst>
-              <a:ext uri="{FF2B5EF4-FFF2-40B4-BE49-F238E27FC236}">
-                <a16:creationId xmlns:a16="http://schemas.microsoft.com/office/drawing/2014/main" id="{2F9E8725-B2A7-3853-7A5A-588E23E9E484}"/>
+              <a:rPr lang="en-US" b="1" dirty="0">
+                <a:solidFill>
+                  <a:schemeClr val="bg1"/>
+                </a:solidFill>
+              </a:rPr>
+              <a:t>Responsive Design: </a:t>
+            </a:r>
+            <a:r>
+              <a:rPr lang="en-US" dirty="0">
+                <a:solidFill>
+                  <a:schemeClr val="bg1"/>
+                </a:solidFill>
+              </a:rPr>
+              <a:t>Responsive design ensures that the card game interface looks and functions well on various devices and screen sizes. It addresses the problem of accommodating users with different devices, such as desktops, tablets, and smartphones, by providing a consistent and user-friendly experience.</a:t>
+            </a:r>
+          </a:p>
+        </p:txBody>
+      </p:sp>
+      <p:sp>
+        <p:nvSpPr>
+          <p:cNvPr id="11" name="TextBox 10">
+            <a:extLst>
+              <a:ext uri="{FF2B5EF4-FFF2-40B4-BE49-F238E27FC236}">
+                <a16:creationId xmlns:a16="http://schemas.microsoft.com/office/drawing/2014/main" id="{F7E9DF15-E0C9-9625-D28E-28A7217242DD}"/>
               </a:ext>
             </a:extLst>
           </p:cNvPr>
@@ -5283,8 +5092,8 @@
         </p:nvSpPr>
         <p:spPr>
           <a:xfrm>
-            <a:off x="254000" y="3332480"/>
-            <a:ext cx="2997200" cy="1717971"/>
+            <a:off x="421041" y="4852853"/>
+            <a:ext cx="6094520" cy="1477328"/>
           </a:xfrm>
           <a:prstGeom prst="rect">
             <a:avLst/>
@@ -5292,125 +5101,26 @@
           <a:noFill/>
         </p:spPr>
         <p:txBody>
-          <a:bodyPr wrap="square" rtlCol="0">
+          <a:bodyPr wrap="square">
             <a:spAutoFit/>
           </a:bodyPr>
           <a:lstStyle/>
           <a:p>
-            <a:pPr marL="342900" marR="0" lvl="0" indent="-342900">
-              <a:lnSpc>
-                <a:spcPct val="107000"/>
-              </a:lnSpc>
-              <a:spcBef>
-                <a:spcPts val="0"/>
-              </a:spcBef>
-              <a:spcAft>
-                <a:spcPts val="0"/>
-              </a:spcAft>
-              <a:buFont typeface="Symbol" panose="05050102010706020507" pitchFamily="18" charset="2"/>
-              <a:buChar char=""/>
-            </a:pPr>
-            <a:r>
-              <a:rPr lang="en-US" sz="1600" b="1" dirty="0">
-                <a:effectLst/>
-                <a:latin typeface="Bahnschrift SemiBold" panose="020B0502040204020203" pitchFamily="34" charset="0"/>
-                <a:ea typeface="Calibri" panose="020F0502020204030204" pitchFamily="34" charset="0"/>
-                <a:cs typeface="Times New Roman" panose="02020603050405020304" pitchFamily="18" charset="0"/>
-              </a:rPr>
-              <a:t>Easy to code </a:t>
-            </a:r>
-          </a:p>
-          <a:p>
-            <a:pPr marL="342900" marR="0" lvl="0" indent="-342900">
-              <a:lnSpc>
-                <a:spcPct val="107000"/>
-              </a:lnSpc>
-              <a:spcBef>
-                <a:spcPts val="0"/>
-              </a:spcBef>
-              <a:spcAft>
-                <a:spcPts val="0"/>
-              </a:spcAft>
-              <a:buFont typeface="Symbol" panose="05050102010706020507" pitchFamily="18" charset="2"/>
-              <a:buChar char=""/>
-            </a:pPr>
             <a:r>
               <a:rPr lang="en-US" b="1" dirty="0">
-                <a:effectLst/>
-                <a:latin typeface="Bahnschrift SemiBold" panose="020B0502040204020203" pitchFamily="34" charset="0"/>
-                <a:ea typeface="Calibri" panose="020F0502020204030204" pitchFamily="34" charset="0"/>
-                <a:cs typeface="Times New Roman" panose="02020603050405020304" pitchFamily="18" charset="0"/>
-              </a:rPr>
-              <a:t>3</a:t>
-            </a:r>
-            <a:r>
-              <a:rPr lang="en-US" b="1" baseline="30000" dirty="0">
-                <a:effectLst/>
-                <a:latin typeface="Bahnschrift SemiBold" panose="020B0502040204020203" pitchFamily="34" charset="0"/>
-                <a:ea typeface="Calibri" panose="020F0502020204030204" pitchFamily="34" charset="0"/>
-                <a:cs typeface="Times New Roman" panose="02020603050405020304" pitchFamily="18" charset="0"/>
-              </a:rPr>
-              <a:t>rd</a:t>
-            </a:r>
-            <a:r>
-              <a:rPr lang="en-US" sz="1600" dirty="0">
-                <a:effectLst/>
-                <a:latin typeface="Bahnschrift SemiBold" panose="020B0502040204020203" pitchFamily="34" charset="0"/>
-                <a:ea typeface="Calibri" panose="020F0502020204030204" pitchFamily="34" charset="0"/>
-                <a:cs typeface="Times New Roman" panose="02020603050405020304" pitchFamily="18" charset="0"/>
-              </a:rPr>
-              <a:t> most popular language in the world</a:t>
-            </a:r>
-          </a:p>
-          <a:p>
-            <a:pPr marL="342900" marR="0" lvl="0" indent="-342900">
-              <a:lnSpc>
-                <a:spcPct val="107000"/>
-              </a:lnSpc>
-              <a:spcBef>
-                <a:spcPts val="0"/>
-              </a:spcBef>
-              <a:spcAft>
-                <a:spcPts val="800"/>
-              </a:spcAft>
-              <a:buFont typeface="Symbol" panose="05050102010706020507" pitchFamily="18" charset="2"/>
-              <a:buChar char=""/>
-            </a:pPr>
-            <a:r>
-              <a:rPr lang="en-US" sz="1600" b="1" dirty="0">
-                <a:effectLst/>
-                <a:latin typeface="Bahnschrift SemiBold" panose="020B0502040204020203" pitchFamily="34" charset="0"/>
-                <a:ea typeface="Calibri" panose="020F0502020204030204" pitchFamily="34" charset="0"/>
-                <a:cs typeface="Times New Roman" panose="02020603050405020304" pitchFamily="18" charset="0"/>
-              </a:rPr>
-              <a:t>Top </a:t>
-            </a:r>
-            <a:r>
-              <a:rPr lang="en-US" b="1" dirty="0">
-                <a:effectLst/>
-                <a:latin typeface="Bahnschrift SemiBold" panose="020B0502040204020203" pitchFamily="34" charset="0"/>
-                <a:ea typeface="Calibri" panose="020F0502020204030204" pitchFamily="34" charset="0"/>
-                <a:cs typeface="Times New Roman" panose="02020603050405020304" pitchFamily="18" charset="0"/>
-              </a:rPr>
-              <a:t>15%</a:t>
-            </a:r>
-            <a:r>
-              <a:rPr lang="en-US" sz="1600" b="1" dirty="0">
-                <a:effectLst/>
-                <a:latin typeface="Bahnschrift SemiBold" panose="020B0502040204020203" pitchFamily="34" charset="0"/>
-                <a:ea typeface="Calibri" panose="020F0502020204030204" pitchFamily="34" charset="0"/>
-                <a:cs typeface="Times New Roman" panose="02020603050405020304" pitchFamily="18" charset="0"/>
-              </a:rPr>
-              <a:t> </a:t>
-            </a:r>
-            <a:r>
-              <a:rPr lang="en-US" sz="1600" dirty="0">
-                <a:effectLst/>
-                <a:latin typeface="Bahnschrift SemiBold" panose="020B0502040204020203" pitchFamily="34" charset="0"/>
-                <a:ea typeface="Calibri" panose="020F0502020204030204" pitchFamily="34" charset="0"/>
-                <a:cs typeface="Times New Roman" panose="02020603050405020304" pitchFamily="18" charset="0"/>
-              </a:rPr>
-              <a:t>programming professionals have python certification</a:t>
+                <a:solidFill>
+                  <a:schemeClr val="bg1"/>
+                </a:solidFill>
+              </a:rPr>
+              <a:t>User Experience (UX): </a:t>
+            </a:r>
+            <a:r>
+              <a:rPr lang="en-US" dirty="0">
+                <a:solidFill>
+                  <a:schemeClr val="bg1"/>
+                </a:solidFill>
+              </a:rPr>
+              <a:t>Smooth animations, intuitive buttons, and a well-structured layout contribute to a positive user experience. Addressing UX problems means making the interface user-friendly and easy to navigate, which can enhance user satisfaction and retention.</a:t>
             </a:r>
           </a:p>
         </p:txBody>
@@ -5418,7 +5128,7 @@
     </p:spTree>
     <p:extLst>
       <p:ext uri="{BB962C8B-B14F-4D97-AF65-F5344CB8AC3E}">
-        <p14:creationId xmlns:p14="http://schemas.microsoft.com/office/powerpoint/2010/main" val="4243391057"/>
+        <p14:creationId xmlns:p14="http://schemas.microsoft.com/office/powerpoint/2010/main" val="431579670"/>
       </p:ext>
     </p:extLst>
   </p:cSld>
@@ -5426,9 +5136,9 @@
     <a:masterClrMapping/>
   </p:clrMapOvr>
   <mc:AlternateContent xmlns:mc="http://schemas.openxmlformats.org/markup-compatibility/2006">
-    <mc:Choice xmlns:p14="http://schemas.microsoft.com/office/powerpoint/2010/main" Requires="p14">
-      <p:transition spd="slow" p14:dur="900">
-        <p14:warp dir="in"/>
+    <mc:Choice xmlns:p159="http://schemas.microsoft.com/office/powerpoint/2015/09/main" Requires="p159">
+      <p:transition xmlns:p14="http://schemas.microsoft.com/office/powerpoint/2010/main" spd="slow" p14:dur="2000">
+        <p159:morph option="byObject"/>
       </p:transition>
     </mc:Choice>
     <mc:Fallback>
@@ -5465,12 +5175,42 @@
           <a:chExt cx="0" cy="0"/>
         </a:xfrm>
       </p:grpSpPr>
-      <p:sp>
-        <p:nvSpPr>
-          <p:cNvPr id="4" name="TextBox 3">
-            <a:extLst>
-              <a:ext uri="{FF2B5EF4-FFF2-40B4-BE49-F238E27FC236}">
-                <a16:creationId xmlns:a16="http://schemas.microsoft.com/office/drawing/2014/main" id="{6BFDDF3E-4345-3889-27E2-ACB385A64ACE}"/>
+      <p:pic>
+        <p:nvPicPr>
+          <p:cNvPr id="2" name="Picture 1">
+            <a:extLst>
+              <a:ext uri="{FF2B5EF4-FFF2-40B4-BE49-F238E27FC236}">
+                <a16:creationId xmlns:a16="http://schemas.microsoft.com/office/drawing/2014/main" id="{60BCD31B-D2B7-8EDA-8370-83D9AD775433}"/>
+              </a:ext>
+            </a:extLst>
+          </p:cNvPr>
+          <p:cNvPicPr>
+            <a:picLocks noChangeAspect="1"/>
+          </p:cNvPicPr>
+          <p:nvPr/>
+        </p:nvPicPr>
+        <p:blipFill>
+          <a:blip r:embed="rId2"/>
+          <a:stretch>
+            <a:fillRect/>
+          </a:stretch>
+        </p:blipFill>
+        <p:spPr>
+          <a:xfrm>
+            <a:off x="372538" y="2831979"/>
+            <a:ext cx="6300438" cy="1724280"/>
+          </a:xfrm>
+          <a:prstGeom prst="rect">
+            <a:avLst/>
+          </a:prstGeom>
+        </p:spPr>
+      </p:pic>
+      <p:sp>
+        <p:nvSpPr>
+          <p:cNvPr id="3" name="TextBox 2">
+            <a:extLst>
+              <a:ext uri="{FF2B5EF4-FFF2-40B4-BE49-F238E27FC236}">
+                <a16:creationId xmlns:a16="http://schemas.microsoft.com/office/drawing/2014/main" id="{02101A27-4426-A3CD-6550-ACFA72D4408C}"/>
               </a:ext>
             </a:extLst>
           </p:cNvPr>
@@ -5480,7 +5220,7 @@
         <p:spPr>
           <a:xfrm>
             <a:off x="421041" y="224117"/>
-            <a:ext cx="4658959" cy="2308324"/>
+            <a:ext cx="5997514" cy="1692771"/>
           </a:xfrm>
           <a:prstGeom prst="rect">
             <a:avLst/>
@@ -5494,14 +5234,14 @@
           <a:lstStyle/>
           <a:p>
             <a:r>
-              <a:rPr lang="en-US" sz="7200" dirty="0">
+              <a:rPr lang="en-US" sz="3200" dirty="0">
                 <a:solidFill>
                   <a:schemeClr val="bg1"/>
                 </a:solidFill>
                 <a:latin typeface="Aharoni" panose="02010803020104030203" pitchFamily="2" charset="-79"/>
                 <a:cs typeface="Aharoni" panose="02010803020104030203" pitchFamily="2" charset="-79"/>
               </a:rPr>
-              <a:t>FEATURES</a:t>
+              <a:t>The Problem addressed:</a:t>
             </a:r>
           </a:p>
           <a:p>
@@ -5517,10 +5257,10 @@
       </p:sp>
       <p:sp>
         <p:nvSpPr>
-          <p:cNvPr id="8" name="TextBox 7">
-            <a:extLst>
-              <a:ext uri="{FF2B5EF4-FFF2-40B4-BE49-F238E27FC236}">
-                <a16:creationId xmlns:a16="http://schemas.microsoft.com/office/drawing/2014/main" id="{DE2997EF-89F7-4D7F-0FD4-F8B510ED04D6}"/>
+          <p:cNvPr id="5" name="TextBox 4">
+            <a:extLst>
+              <a:ext uri="{FF2B5EF4-FFF2-40B4-BE49-F238E27FC236}">
+                <a16:creationId xmlns:a16="http://schemas.microsoft.com/office/drawing/2014/main" id="{CDEF5C5A-3077-D97D-72E8-80EE6231601A}"/>
               </a:ext>
             </a:extLst>
           </p:cNvPr>
@@ -5529,8 +5269,8 @@
         </p:nvSpPr>
         <p:spPr>
           <a:xfrm>
-            <a:off x="7843219" y="3594267"/>
-            <a:ext cx="3291840" cy="2377440"/>
+            <a:off x="372538" y="974379"/>
+            <a:ext cx="6094520" cy="1561005"/>
           </a:xfrm>
           <a:prstGeom prst="rect">
             <a:avLst/>
@@ -5538,232 +5278,12 @@
           <a:noFill/>
         </p:spPr>
         <p:txBody>
-          <a:bodyPr wrap="square" rtlCol="0">
+          <a:bodyPr wrap="square">
             <a:spAutoFit/>
           </a:bodyPr>
           <a:lstStyle/>
           <a:p>
-            <a:r>
-              <a:rPr lang="en-US" dirty="0"/>
-              <a:t>TTHIS IS Davinci Resolve</a:t>
-            </a:r>
-          </a:p>
-          <a:p>
-            <a:endParaRPr lang="en-US" dirty="0"/>
-          </a:p>
-          <a:p>
-            <a:endParaRPr lang="en-US" dirty="0"/>
-          </a:p>
-          <a:p>
-            <a:endParaRPr lang="en-US" dirty="0"/>
-          </a:p>
-          <a:p>
-            <a:endParaRPr lang="en-US" dirty="0"/>
-          </a:p>
-          <a:p>
-            <a:endParaRPr lang="en-US" dirty="0"/>
-          </a:p>
-          <a:p>
-            <a:endParaRPr lang="en-US" dirty="0"/>
-          </a:p>
-          <a:p>
-            <a:r>
-              <a:rPr lang="en-US" dirty="0"/>
-              <a:t>SFEGSHRHRH</a:t>
-            </a:r>
-          </a:p>
-        </p:txBody>
-      </p:sp>
-      <p:sp>
-        <p:nvSpPr>
-          <p:cNvPr id="10" name="TextBox 9">
-            <a:extLst>
-              <a:ext uri="{FF2B5EF4-FFF2-40B4-BE49-F238E27FC236}">
-                <a16:creationId xmlns:a16="http://schemas.microsoft.com/office/drawing/2014/main" id="{4DA6D692-952C-E75A-7302-9ECB07FB0727}"/>
-              </a:ext>
-            </a:extLst>
-          </p:cNvPr>
-          <p:cNvSpPr txBox="1"/>
-          <p:nvPr/>
-        </p:nvSpPr>
-        <p:spPr>
-          <a:xfrm>
-            <a:off x="7843219" y="1974726"/>
-            <a:ext cx="3291840" cy="1661993"/>
-          </a:xfrm>
-          <a:prstGeom prst="rect">
-            <a:avLst/>
-          </a:prstGeom>
-          <a:noFill/>
-        </p:spPr>
-        <p:txBody>
-          <a:bodyPr wrap="square" rtlCol="0">
-            <a:spAutoFit/>
-          </a:bodyPr>
-          <a:lstStyle/>
-          <a:p>
-            <a:pPr algn="ctr"/>
-            <a:r>
-              <a:rPr lang="en-US" sz="4800" dirty="0">
-                <a:solidFill>
-                  <a:sysClr val="windowText" lastClr="000000"/>
-                </a:solidFill>
-                <a:latin typeface="Aharoni" panose="02010803020104030203" pitchFamily="2" charset="-79"/>
-                <a:cs typeface="Aharoni" panose="02010803020104030203" pitchFamily="2" charset="-79"/>
-              </a:rPr>
-              <a:t>DAVINCI</a:t>
-            </a:r>
-            <a:r>
-              <a:rPr lang="en-US" sz="5400" dirty="0">
-                <a:solidFill>
-                  <a:sysClr val="windowText" lastClr="000000"/>
-                </a:solidFill>
-                <a:latin typeface="Aharoni" panose="02010803020104030203" pitchFamily="2" charset="-79"/>
-                <a:cs typeface="Aharoni" panose="02010803020104030203" pitchFamily="2" charset="-79"/>
-              </a:rPr>
-              <a:t> </a:t>
-            </a:r>
-            <a:r>
-              <a:rPr lang="en-US" sz="4800" dirty="0">
-                <a:solidFill>
-                  <a:sysClr val="windowText" lastClr="000000"/>
-                </a:solidFill>
-                <a:latin typeface="Aharoni" panose="02010803020104030203" pitchFamily="2" charset="-79"/>
-                <a:cs typeface="Aharoni" panose="02010803020104030203" pitchFamily="2" charset="-79"/>
-              </a:rPr>
-              <a:t>RESOLVE</a:t>
-            </a:r>
-          </a:p>
-        </p:txBody>
-      </p:sp>
-      <p:sp>
-        <p:nvSpPr>
-          <p:cNvPr id="18" name="TextBox 17">
-            <a:extLst>
-              <a:ext uri="{FF2B5EF4-FFF2-40B4-BE49-F238E27FC236}">
-                <a16:creationId xmlns:a16="http://schemas.microsoft.com/office/drawing/2014/main" id="{E5905236-9BB5-59D5-25FE-23550903F259}"/>
-              </a:ext>
-            </a:extLst>
-          </p:cNvPr>
-          <p:cNvSpPr txBox="1"/>
-          <p:nvPr/>
-        </p:nvSpPr>
-        <p:spPr>
-          <a:xfrm>
-            <a:off x="3927137" y="3303575"/>
-            <a:ext cx="3291840" cy="2951642"/>
-          </a:xfrm>
-          <a:prstGeom prst="rect">
-            <a:avLst/>
-          </a:prstGeom>
-          <a:noFill/>
-        </p:spPr>
-        <p:txBody>
-          <a:bodyPr wrap="square" rtlCol="0">
-            <a:spAutoFit/>
-          </a:bodyPr>
-          <a:lstStyle/>
-          <a:p>
-            <a:pPr marL="342900" marR="0" lvl="0" indent="-342900">
-              <a:lnSpc>
-                <a:spcPct val="107000"/>
-              </a:lnSpc>
-              <a:spcBef>
-                <a:spcPts val="0"/>
-              </a:spcBef>
-              <a:spcAft>
-                <a:spcPts val="800"/>
-              </a:spcAft>
-              <a:buFont typeface="Symbol" panose="05050102010706020507" pitchFamily="18" charset="2"/>
-              <a:buChar char=""/>
-            </a:pPr>
-            <a:r>
-              <a:rPr lang="en-US" sz="1800" dirty="0">
-                <a:effectLst/>
-                <a:latin typeface="Calibri" panose="020F0502020204030204" pitchFamily="34" charset="0"/>
-                <a:ea typeface="Calibri" panose="020F0502020204030204" pitchFamily="34" charset="0"/>
-                <a:cs typeface="Times New Roman" panose="02020603050405020304" pitchFamily="18" charset="0"/>
-              </a:rPr>
-              <a:t>57% of Job Seekers Use LinkedIn to Find New Job Opportunities</a:t>
-            </a:r>
-          </a:p>
-          <a:p>
-            <a:pPr marL="342900" marR="0" lvl="0" indent="-342900">
-              <a:lnSpc>
-                <a:spcPct val="107000"/>
-              </a:lnSpc>
-              <a:spcBef>
-                <a:spcPts val="0"/>
-              </a:spcBef>
-              <a:spcAft>
-                <a:spcPts val="0"/>
-              </a:spcAft>
-              <a:buFont typeface="Symbol" panose="05050102010706020507" pitchFamily="18" charset="2"/>
-              <a:buChar char=""/>
-            </a:pPr>
-            <a:r>
-              <a:rPr lang="en-US" sz="1800" b="1" dirty="0">
-                <a:effectLst/>
-                <a:latin typeface="Calibri" panose="020F0502020204030204" pitchFamily="34" charset="0"/>
-                <a:ea typeface="Calibri" panose="020F0502020204030204" pitchFamily="34" charset="0"/>
-                <a:cs typeface="Times New Roman" panose="02020603050405020304" pitchFamily="18" charset="0"/>
-              </a:rPr>
-              <a:t>61 Million</a:t>
-            </a:r>
-            <a:r>
-              <a:rPr lang="en-US" sz="1800" dirty="0">
-                <a:effectLst/>
-                <a:latin typeface="Calibri" panose="020F0502020204030204" pitchFamily="34" charset="0"/>
-                <a:ea typeface="Calibri" panose="020F0502020204030204" pitchFamily="34" charset="0"/>
-                <a:cs typeface="Times New Roman" panose="02020603050405020304" pitchFamily="18" charset="0"/>
-              </a:rPr>
-              <a:t> Users Look for Jobs Through LinkedIn Weekly</a:t>
-            </a:r>
-          </a:p>
-          <a:p>
-            <a:pPr marL="342900" marR="0" lvl="0" indent="-342900">
-              <a:lnSpc>
-                <a:spcPct val="107000"/>
-              </a:lnSpc>
-              <a:spcBef>
-                <a:spcPts val="0"/>
-              </a:spcBef>
-              <a:spcAft>
-                <a:spcPts val="800"/>
-              </a:spcAft>
-              <a:buFont typeface="Symbol" panose="05050102010706020507" pitchFamily="18" charset="2"/>
-              <a:buChar char=""/>
-            </a:pPr>
-            <a:r>
-              <a:rPr lang="en-US" sz="1800" dirty="0">
-                <a:effectLst/>
-                <a:latin typeface="Calibri" panose="020F0502020204030204" pitchFamily="34" charset="0"/>
-                <a:ea typeface="Calibri" panose="020F0502020204030204" pitchFamily="34" charset="0"/>
-                <a:cs typeface="Times New Roman" panose="02020603050405020304" pitchFamily="18" charset="0"/>
-              </a:rPr>
-              <a:t>Over </a:t>
-            </a:r>
-            <a:r>
-              <a:rPr lang="en-US" sz="1800" b="1" dirty="0">
-                <a:effectLst/>
-                <a:latin typeface="Calibri" panose="020F0502020204030204" pitchFamily="34" charset="0"/>
-                <a:ea typeface="Calibri" panose="020F0502020204030204" pitchFamily="34" charset="0"/>
-                <a:cs typeface="Times New Roman" panose="02020603050405020304" pitchFamily="18" charset="0"/>
-              </a:rPr>
-              <a:t>58 Million</a:t>
-            </a:r>
-            <a:r>
-              <a:rPr lang="en-US" sz="1800" dirty="0">
-                <a:effectLst/>
-                <a:latin typeface="Calibri" panose="020F0502020204030204" pitchFamily="34" charset="0"/>
-                <a:ea typeface="Calibri" panose="020F0502020204030204" pitchFamily="34" charset="0"/>
-                <a:cs typeface="Times New Roman" panose="02020603050405020304" pitchFamily="18" charset="0"/>
-              </a:rPr>
-              <a:t> Companies Are On LinkedIn</a:t>
-            </a:r>
-          </a:p>
-          <a:p>
-            <a:pPr marR="0" lvl="0">
+            <a:pPr marL="0" marR="0">
               <a:lnSpc>
                 <a:spcPct val="107000"/>
               </a:lnSpc>
@@ -5774,21 +5294,39 @@
                 <a:spcPts val="800"/>
               </a:spcAft>
             </a:pPr>
-            <a:endParaRPr lang="en-US" sz="1800" dirty="0">
-              <a:effectLst/>
-              <a:latin typeface="Calibri" panose="020F0502020204030204" pitchFamily="34" charset="0"/>
-              <a:ea typeface="Calibri" panose="020F0502020204030204" pitchFamily="34" charset="0"/>
-              <a:cs typeface="Times New Roman" panose="02020603050405020304" pitchFamily="18" charset="0"/>
-            </a:endParaRPr>
-          </a:p>
-        </p:txBody>
-      </p:sp>
-      <p:sp>
-        <p:nvSpPr>
-          <p:cNvPr id="19" name="TextBox 18">
-            <a:extLst>
-              <a:ext uri="{FF2B5EF4-FFF2-40B4-BE49-F238E27FC236}">
-                <a16:creationId xmlns:a16="http://schemas.microsoft.com/office/drawing/2014/main" id="{A732A5EB-9C27-6380-EC30-A3A85FC1EF0E}"/>
+            <a:r>
+              <a:rPr lang="en-US" sz="1800" b="1" kern="100" dirty="0">
+                <a:solidFill>
+                  <a:schemeClr val="bg1"/>
+                </a:solidFill>
+                <a:effectLst/>
+                <a:latin typeface="Calibri" panose="020F0502020204030204" pitchFamily="34" charset="0"/>
+                <a:ea typeface="Calibri" panose="020F0502020204030204" pitchFamily="34" charset="0"/>
+                <a:cs typeface="Times New Roman" panose="02020603050405020304" pitchFamily="18" charset="0"/>
+              </a:rPr>
+              <a:t>User Engagement: </a:t>
+            </a:r>
+            <a:r>
+              <a:rPr lang="en-US" sz="1800" kern="100" dirty="0">
+                <a:solidFill>
+                  <a:schemeClr val="bg1"/>
+                </a:solidFill>
+                <a:effectLst/>
+                <a:latin typeface="Calibri" panose="020F0502020204030204" pitchFamily="34" charset="0"/>
+                <a:ea typeface="Calibri" panose="020F0502020204030204" pitchFamily="34" charset="0"/>
+                <a:cs typeface="Times New Roman" panose="02020603050405020304" pitchFamily="18" charset="0"/>
+              </a:rPr>
+              <a:t>By creating a visually appealing card game interface with smooth animations, you address the challenge of engaging users and making the gaming experience enjoyable. The animations make the game more interactive and immersive, encouraging players to continue playing.</a:t>
+            </a:r>
+          </a:p>
+        </p:txBody>
+      </p:sp>
+      <p:sp>
+        <p:nvSpPr>
+          <p:cNvPr id="7" name="TextBox 6">
+            <a:extLst>
+              <a:ext uri="{FF2B5EF4-FFF2-40B4-BE49-F238E27FC236}">
+                <a16:creationId xmlns:a16="http://schemas.microsoft.com/office/drawing/2014/main" id="{5F4C7109-D3C9-24D2-7D6D-7A5ACABADFB1}"/>
               </a:ext>
             </a:extLst>
           </p:cNvPr>
@@ -5797,8 +5335,8 @@
         </p:nvSpPr>
         <p:spPr>
           <a:xfrm>
-            <a:off x="4074980" y="2093858"/>
-            <a:ext cx="3291840" cy="830997"/>
+            <a:off x="421041" y="2801933"/>
+            <a:ext cx="6094520" cy="1754326"/>
           </a:xfrm>
           <a:prstGeom prst="rect">
             <a:avLst/>
@@ -5806,27 +5344,36 @@
           <a:noFill/>
         </p:spPr>
         <p:txBody>
-          <a:bodyPr wrap="square" rtlCol="0">
+          <a:bodyPr wrap="square">
             <a:spAutoFit/>
           </a:bodyPr>
           <a:lstStyle/>
           <a:p>
             <a:r>
-              <a:rPr lang="en-US" sz="4800" dirty="0">
-                <a:latin typeface="Aharoni" panose="02010803020104030203" pitchFamily="2" charset="-79"/>
-                <a:cs typeface="Aharoni" panose="02010803020104030203" pitchFamily="2" charset="-79"/>
-              </a:rPr>
-              <a:t>LINKEDIN</a:t>
-            </a:r>
-          </a:p>
-        </p:txBody>
-      </p:sp>
-      <p:sp>
-        <p:nvSpPr>
-          <p:cNvPr id="20" name="TextBox 19">
-            <a:extLst>
-              <a:ext uri="{FF2B5EF4-FFF2-40B4-BE49-F238E27FC236}">
-                <a16:creationId xmlns:a16="http://schemas.microsoft.com/office/drawing/2014/main" id="{2F9E8725-B2A7-3853-7A5A-588E23E9E484}"/>
+              <a:rPr lang="en-US" b="1" dirty="0">
+                <a:solidFill>
+                  <a:schemeClr val="bg1"/>
+                </a:solidFill>
+              </a:rPr>
+              <a:t>Responsive Design: </a:t>
+            </a:r>
+            <a:r>
+              <a:rPr lang="en-US" dirty="0">
+                <a:solidFill>
+                  <a:schemeClr val="bg1"/>
+                </a:solidFill>
+              </a:rPr>
+              <a:t>Responsive design ensures that the card game interface looks and functions well on various devices and screen sizes. It addresses the problem of accommodating users with different devices, such as desktops, tablets, and smartphones, by providing a consistent and user-friendly experience.</a:t>
+            </a:r>
+          </a:p>
+        </p:txBody>
+      </p:sp>
+      <p:sp>
+        <p:nvSpPr>
+          <p:cNvPr id="11" name="TextBox 10">
+            <a:extLst>
+              <a:ext uri="{FF2B5EF4-FFF2-40B4-BE49-F238E27FC236}">
+                <a16:creationId xmlns:a16="http://schemas.microsoft.com/office/drawing/2014/main" id="{F7E9DF15-E0C9-9625-D28E-28A7217242DD}"/>
               </a:ext>
             </a:extLst>
           </p:cNvPr>
@@ -5835,8 +5382,8 @@
         </p:nvSpPr>
         <p:spPr>
           <a:xfrm>
-            <a:off x="254000" y="3332480"/>
-            <a:ext cx="2997200" cy="1717971"/>
+            <a:off x="421041" y="4852853"/>
+            <a:ext cx="6094520" cy="1477328"/>
           </a:xfrm>
           <a:prstGeom prst="rect">
             <a:avLst/>
@@ -5844,125 +5391,26 @@
           <a:noFill/>
         </p:spPr>
         <p:txBody>
-          <a:bodyPr wrap="square" rtlCol="0">
+          <a:bodyPr wrap="square">
             <a:spAutoFit/>
           </a:bodyPr>
           <a:lstStyle/>
           <a:p>
-            <a:pPr marL="342900" marR="0" lvl="0" indent="-342900">
-              <a:lnSpc>
-                <a:spcPct val="107000"/>
-              </a:lnSpc>
-              <a:spcBef>
-                <a:spcPts val="0"/>
-              </a:spcBef>
-              <a:spcAft>
-                <a:spcPts val="0"/>
-              </a:spcAft>
-              <a:buFont typeface="Symbol" panose="05050102010706020507" pitchFamily="18" charset="2"/>
-              <a:buChar char=""/>
-            </a:pPr>
-            <a:r>
-              <a:rPr lang="en-US" sz="1600" b="1" dirty="0">
-                <a:effectLst/>
-                <a:latin typeface="Bahnschrift SemiBold" panose="020B0502040204020203" pitchFamily="34" charset="0"/>
-                <a:ea typeface="Calibri" panose="020F0502020204030204" pitchFamily="34" charset="0"/>
-                <a:cs typeface="Times New Roman" panose="02020603050405020304" pitchFamily="18" charset="0"/>
-              </a:rPr>
-              <a:t>Easy to code </a:t>
-            </a:r>
-          </a:p>
-          <a:p>
-            <a:pPr marL="342900" marR="0" lvl="0" indent="-342900">
-              <a:lnSpc>
-                <a:spcPct val="107000"/>
-              </a:lnSpc>
-              <a:spcBef>
-                <a:spcPts val="0"/>
-              </a:spcBef>
-              <a:spcAft>
-                <a:spcPts val="0"/>
-              </a:spcAft>
-              <a:buFont typeface="Symbol" panose="05050102010706020507" pitchFamily="18" charset="2"/>
-              <a:buChar char=""/>
-            </a:pPr>
             <a:r>
               <a:rPr lang="en-US" b="1" dirty="0">
-                <a:effectLst/>
-                <a:latin typeface="Bahnschrift SemiBold" panose="020B0502040204020203" pitchFamily="34" charset="0"/>
-                <a:ea typeface="Calibri" panose="020F0502020204030204" pitchFamily="34" charset="0"/>
-                <a:cs typeface="Times New Roman" panose="02020603050405020304" pitchFamily="18" charset="0"/>
-              </a:rPr>
-              <a:t>3</a:t>
-            </a:r>
-            <a:r>
-              <a:rPr lang="en-US" b="1" baseline="30000" dirty="0">
-                <a:effectLst/>
-                <a:latin typeface="Bahnschrift SemiBold" panose="020B0502040204020203" pitchFamily="34" charset="0"/>
-                <a:ea typeface="Calibri" panose="020F0502020204030204" pitchFamily="34" charset="0"/>
-                <a:cs typeface="Times New Roman" panose="02020603050405020304" pitchFamily="18" charset="0"/>
-              </a:rPr>
-              <a:t>rd</a:t>
-            </a:r>
-            <a:r>
-              <a:rPr lang="en-US" sz="1600" dirty="0">
-                <a:effectLst/>
-                <a:latin typeface="Bahnschrift SemiBold" panose="020B0502040204020203" pitchFamily="34" charset="0"/>
-                <a:ea typeface="Calibri" panose="020F0502020204030204" pitchFamily="34" charset="0"/>
-                <a:cs typeface="Times New Roman" panose="02020603050405020304" pitchFamily="18" charset="0"/>
-              </a:rPr>
-              <a:t> most popular language in the world</a:t>
-            </a:r>
-          </a:p>
-          <a:p>
-            <a:pPr marL="342900" marR="0" lvl="0" indent="-342900">
-              <a:lnSpc>
-                <a:spcPct val="107000"/>
-              </a:lnSpc>
-              <a:spcBef>
-                <a:spcPts val="0"/>
-              </a:spcBef>
-              <a:spcAft>
-                <a:spcPts val="800"/>
-              </a:spcAft>
-              <a:buFont typeface="Symbol" panose="05050102010706020507" pitchFamily="18" charset="2"/>
-              <a:buChar char=""/>
-            </a:pPr>
-            <a:r>
-              <a:rPr lang="en-US" sz="1600" b="1" dirty="0">
-                <a:effectLst/>
-                <a:latin typeface="Bahnschrift SemiBold" panose="020B0502040204020203" pitchFamily="34" charset="0"/>
-                <a:ea typeface="Calibri" panose="020F0502020204030204" pitchFamily="34" charset="0"/>
-                <a:cs typeface="Times New Roman" panose="02020603050405020304" pitchFamily="18" charset="0"/>
-              </a:rPr>
-              <a:t>Top </a:t>
-            </a:r>
-            <a:r>
-              <a:rPr lang="en-US" b="1" dirty="0">
-                <a:effectLst/>
-                <a:latin typeface="Bahnschrift SemiBold" panose="020B0502040204020203" pitchFamily="34" charset="0"/>
-                <a:ea typeface="Calibri" panose="020F0502020204030204" pitchFamily="34" charset="0"/>
-                <a:cs typeface="Times New Roman" panose="02020603050405020304" pitchFamily="18" charset="0"/>
-              </a:rPr>
-              <a:t>15%</a:t>
-            </a:r>
-            <a:r>
-              <a:rPr lang="en-US" sz="1600" b="1" dirty="0">
-                <a:effectLst/>
-                <a:latin typeface="Bahnschrift SemiBold" panose="020B0502040204020203" pitchFamily="34" charset="0"/>
-                <a:ea typeface="Calibri" panose="020F0502020204030204" pitchFamily="34" charset="0"/>
-                <a:cs typeface="Times New Roman" panose="02020603050405020304" pitchFamily="18" charset="0"/>
-              </a:rPr>
-              <a:t> </a:t>
-            </a:r>
-            <a:r>
-              <a:rPr lang="en-US" sz="1600" dirty="0">
-                <a:effectLst/>
-                <a:latin typeface="Bahnschrift SemiBold" panose="020B0502040204020203" pitchFamily="34" charset="0"/>
-                <a:ea typeface="Calibri" panose="020F0502020204030204" pitchFamily="34" charset="0"/>
-                <a:cs typeface="Times New Roman" panose="02020603050405020304" pitchFamily="18" charset="0"/>
-              </a:rPr>
-              <a:t>programming professionals have python certification</a:t>
+                <a:solidFill>
+                  <a:schemeClr val="bg1"/>
+                </a:solidFill>
+              </a:rPr>
+              <a:t>User Experience (UX): </a:t>
+            </a:r>
+            <a:r>
+              <a:rPr lang="en-US" dirty="0">
+                <a:solidFill>
+                  <a:schemeClr val="bg1"/>
+                </a:solidFill>
+              </a:rPr>
+              <a:t>Smooth animations, intuitive buttons, and a well-structured layout contribute to a positive user experience. Addressing UX problems means making the interface user-friendly and easy to navigate, which can enhance user satisfaction and retention.</a:t>
             </a:r>
           </a:p>
         </p:txBody>
@@ -5970,7 +5418,7 @@
     </p:spTree>
     <p:extLst>
       <p:ext uri="{BB962C8B-B14F-4D97-AF65-F5344CB8AC3E}">
-        <p14:creationId xmlns:p14="http://schemas.microsoft.com/office/powerpoint/2010/main" val="3630740550"/>
+        <p14:creationId xmlns:p14="http://schemas.microsoft.com/office/powerpoint/2010/main" val="3966900616"/>
       </p:ext>
     </p:extLst>
   </p:cSld>
@@ -5978,9 +5426,9 @@
     <a:masterClrMapping/>
   </p:clrMapOvr>
   <mc:AlternateContent xmlns:mc="http://schemas.openxmlformats.org/markup-compatibility/2006">
-    <mc:Choice xmlns:p14="http://schemas.microsoft.com/office/powerpoint/2010/main" Requires="p14">
-      <p:transition spd="slow" p14:dur="900">
-        <p14:warp dir="in"/>
+    <mc:Choice xmlns:p159="http://schemas.microsoft.com/office/powerpoint/2015/09/main" Requires="p159">
+      <p:transition xmlns:p14="http://schemas.microsoft.com/office/powerpoint/2010/main" spd="slow" p14:dur="2000">
+        <p159:morph option="byObject"/>
       </p:transition>
     </mc:Choice>
     <mc:Fallback>
@@ -6019,61 +5467,10 @@
       </p:grpSpPr>
       <p:sp>
         <p:nvSpPr>
-          <p:cNvPr id="14" name="Rectangle: Rounded Corners 13">
-            <a:extLst>
-              <a:ext uri="{FF2B5EF4-FFF2-40B4-BE49-F238E27FC236}">
-                <a16:creationId xmlns:a16="http://schemas.microsoft.com/office/drawing/2014/main" id="{77D1890A-6E16-AAAF-6008-648E4AC28ABF}"/>
-              </a:ext>
-            </a:extLst>
-          </p:cNvPr>
-          <p:cNvSpPr/>
-          <p:nvPr/>
-        </p:nvSpPr>
-        <p:spPr>
-          <a:xfrm>
-            <a:off x="128792" y="2093858"/>
-            <a:ext cx="3291839" cy="4174862"/>
-          </a:xfrm>
-          <a:prstGeom prst="roundRect">
-            <a:avLst>
-              <a:gd name="adj" fmla="val 7408"/>
-            </a:avLst>
-          </a:prstGeom>
-          <a:solidFill>
-            <a:srgbClr val="00B050"/>
-          </a:solidFill>
-        </p:spPr>
-        <p:style>
-          <a:lnRef idx="2">
-            <a:schemeClr val="accent2">
-              <a:shade val="15000"/>
-            </a:schemeClr>
-          </a:lnRef>
-          <a:fillRef idx="1">
-            <a:schemeClr val="accent2"/>
-          </a:fillRef>
-          <a:effectRef idx="0">
-            <a:schemeClr val="accent2"/>
-          </a:effectRef>
-          <a:fontRef idx="minor">
-            <a:schemeClr val="lt1"/>
-          </a:fontRef>
-        </p:style>
-        <p:txBody>
-          <a:bodyPr rtlCol="0" anchor="ctr"/>
-          <a:lstStyle/>
-          <a:p>
-            <a:pPr algn="ctr"/>
-            <a:endParaRPr lang="en-US"/>
-          </a:p>
-        </p:txBody>
-      </p:sp>
-      <p:sp>
-        <p:nvSpPr>
-          <p:cNvPr id="2" name="TextBox 1">
-            <a:extLst>
-              <a:ext uri="{FF2B5EF4-FFF2-40B4-BE49-F238E27FC236}">
-                <a16:creationId xmlns:a16="http://schemas.microsoft.com/office/drawing/2014/main" id="{A51C94C9-2954-9165-5E7F-959F11AB4674}"/>
+          <p:cNvPr id="3" name="TextBox 2">
+            <a:extLst>
+              <a:ext uri="{FF2B5EF4-FFF2-40B4-BE49-F238E27FC236}">
+                <a16:creationId xmlns:a16="http://schemas.microsoft.com/office/drawing/2014/main" id="{02101A27-4426-A3CD-6550-ACFA72D4408C}"/>
               </a:ext>
             </a:extLst>
           </p:cNvPr>
@@ -6082,8 +5479,8 @@
         </p:nvSpPr>
         <p:spPr>
           <a:xfrm>
-            <a:off x="128792" y="2093858"/>
-            <a:ext cx="3291840" cy="1077218"/>
+            <a:off x="421041" y="224116"/>
+            <a:ext cx="5997514" cy="1692771"/>
           </a:xfrm>
           <a:prstGeom prst="rect">
             <a:avLst/>
@@ -6096,60 +5493,15 @@
           </a:bodyPr>
           <a:lstStyle/>
           <a:p>
-            <a:pPr algn="ctr"/>
             <a:r>
               <a:rPr lang="en-US" sz="3200" dirty="0">
-                <a:solidFill>
-                  <a:schemeClr val="tx1">
-                    <a:lumMod val="95000"/>
-                    <a:lumOff val="5000"/>
-                  </a:schemeClr>
-                </a:solidFill>
-                <a:latin typeface="Aharoni" panose="02010803020104030203" pitchFamily="2" charset="-79"/>
-                <a:cs typeface="Aharoni" panose="02010803020104030203" pitchFamily="2" charset="-79"/>
-              </a:rPr>
-              <a:t>Card Layout and Animation</a:t>
-            </a:r>
-          </a:p>
-        </p:txBody>
-      </p:sp>
-      <p:sp>
-        <p:nvSpPr>
-          <p:cNvPr id="4" name="TextBox 3">
-            <a:extLst>
-              <a:ext uri="{FF2B5EF4-FFF2-40B4-BE49-F238E27FC236}">
-                <a16:creationId xmlns:a16="http://schemas.microsoft.com/office/drawing/2014/main" id="{6BFDDF3E-4345-3889-27E2-ACB385A64ACE}"/>
-              </a:ext>
-            </a:extLst>
-          </p:cNvPr>
-          <p:cNvSpPr txBox="1"/>
-          <p:nvPr/>
-        </p:nvSpPr>
-        <p:spPr>
-          <a:xfrm>
-            <a:off x="421041" y="224117"/>
-            <a:ext cx="6837680" cy="2308324"/>
-          </a:xfrm>
-          <a:prstGeom prst="rect">
-            <a:avLst/>
-          </a:prstGeom>
-          <a:noFill/>
-        </p:spPr>
-        <p:txBody>
-          <a:bodyPr wrap="square" rtlCol="0">
-            <a:spAutoFit/>
-          </a:bodyPr>
-          <a:lstStyle/>
-          <a:p>
-            <a:r>
-              <a:rPr lang="en-US" sz="7200" dirty="0">
                 <a:solidFill>
                   <a:schemeClr val="bg1"/>
                 </a:solidFill>
                 <a:latin typeface="Aharoni" panose="02010803020104030203" pitchFamily="2" charset="-79"/>
                 <a:cs typeface="Aharoni" panose="02010803020104030203" pitchFamily="2" charset="-79"/>
               </a:rPr>
-              <a:t>FEATURES</a:t>
+              <a:t>The Problem addressed:</a:t>
             </a:r>
           </a:p>
           <a:p>
@@ -6165,10 +5517,56 @@
       </p:sp>
       <p:sp>
         <p:nvSpPr>
-          <p:cNvPr id="8" name="TextBox 7">
-            <a:extLst>
-              <a:ext uri="{FF2B5EF4-FFF2-40B4-BE49-F238E27FC236}">
-                <a16:creationId xmlns:a16="http://schemas.microsoft.com/office/drawing/2014/main" id="{DE2997EF-89F7-4D7F-0FD4-F8B510ED04D6}"/>
+          <p:cNvPr id="2" name="Rectangle: Rounded Corners 1">
+            <a:extLst>
+              <a:ext uri="{FF2B5EF4-FFF2-40B4-BE49-F238E27FC236}">
+                <a16:creationId xmlns:a16="http://schemas.microsoft.com/office/drawing/2014/main" id="{8DCD8E4B-55AE-DD72-D55D-99F4EB1106F1}"/>
+              </a:ext>
+            </a:extLst>
+          </p:cNvPr>
+          <p:cNvSpPr/>
+          <p:nvPr/>
+        </p:nvSpPr>
+        <p:spPr>
+          <a:xfrm>
+            <a:off x="421041" y="4852853"/>
+            <a:ext cx="5997514" cy="1561005"/>
+          </a:xfrm>
+          <a:prstGeom prst="roundRect">
+            <a:avLst/>
+          </a:prstGeom>
+        </p:spPr>
+        <p:style>
+          <a:lnRef idx="2">
+            <a:schemeClr val="accent6">
+              <a:shade val="15000"/>
+            </a:schemeClr>
+          </a:lnRef>
+          <a:fillRef idx="1">
+            <a:schemeClr val="accent6"/>
+          </a:fillRef>
+          <a:effectRef idx="0">
+            <a:schemeClr val="accent6"/>
+          </a:effectRef>
+          <a:fontRef idx="minor">
+            <a:schemeClr val="lt1"/>
+          </a:fontRef>
+        </p:style>
+        <p:txBody>
+          <a:bodyPr rtlCol="0" anchor="ctr"/>
+          <a:lstStyle/>
+          <a:p>
+            <a:pPr algn="ctr"/>
+            <a:endParaRPr lang="en-US"/>
+          </a:p>
+        </p:txBody>
+      </p:sp>
+      <p:sp>
+        <p:nvSpPr>
+          <p:cNvPr id="7" name="TextBox 6">
+            <a:extLst>
+              <a:ext uri="{FF2B5EF4-FFF2-40B4-BE49-F238E27FC236}">
+                <a16:creationId xmlns:a16="http://schemas.microsoft.com/office/drawing/2014/main" id="{5F4C7109-D3C9-24D2-7D6D-7A5ACABADFB1}"/>
               </a:ext>
             </a:extLst>
           </p:cNvPr>
@@ -6177,8 +5575,8 @@
         </p:nvSpPr>
         <p:spPr>
           <a:xfrm>
-            <a:off x="7843219" y="3303575"/>
-            <a:ext cx="3291840" cy="2585323"/>
+            <a:off x="421041" y="2801933"/>
+            <a:ext cx="6094520" cy="1754326"/>
           </a:xfrm>
           <a:prstGeom prst="rect">
             <a:avLst/>
@@ -6186,54 +5584,36 @@
           <a:noFill/>
         </p:spPr>
         <p:txBody>
-          <a:bodyPr wrap="square" rtlCol="0">
+          <a:bodyPr wrap="square">
             <a:spAutoFit/>
           </a:bodyPr>
           <a:lstStyle/>
           <a:p>
-            <a:pPr marL="285750" indent="-285750">
-              <a:buFont typeface="Arial" panose="020B0604020202020204" pitchFamily="34" charset="0"/>
-              <a:buChar char="•"/>
-            </a:pPr>
-            <a:r>
-              <a:rPr lang="en-US" sz="1200" dirty="0"/>
-              <a:t>HTML: Structure the overall game interface using HTML elements that allow for responsive design, such as using a flexbox or grid layout to arrange cards and buttons. Utilize media queries to adapt the layout for various screen sizes and orientations.</a:t>
-            </a:r>
-          </a:p>
-          <a:p>
-            <a:pPr marL="285750" indent="-285750">
-              <a:buFont typeface="Arial" panose="020B0604020202020204" pitchFamily="34" charset="0"/>
-              <a:buChar char="•"/>
-            </a:pPr>
-            <a:r>
-              <a:rPr lang="en-US" sz="1200" kern="100" dirty="0">
-                <a:effectLst/>
-                <a:latin typeface="Calibri" panose="020F0502020204030204" pitchFamily="34" charset="0"/>
-                <a:ea typeface="Calibri" panose="020F0502020204030204" pitchFamily="34" charset="0"/>
-                <a:cs typeface="Times New Roman" panose="02020603050405020304" pitchFamily="18" charset="0"/>
-              </a:rPr>
-              <a:t>CSS: Implement responsive CSS rules to ensure that the card game interface adapts gracefully to different screen sizes and devices. This may involve adjusting the card size, spacing, or button placement as the viewport size changes.</a:t>
-            </a:r>
-          </a:p>
-          <a:p>
-            <a:pPr marL="285750" indent="-285750">
-              <a:buFont typeface="Arial" panose="020B0604020202020204" pitchFamily="34" charset="0"/>
-              <a:buChar char="•"/>
-            </a:pPr>
-            <a:endParaRPr lang="en-US" dirty="0">
-              <a:solidFill>
-                <a:schemeClr val="bg1"/>
-              </a:solidFill>
-            </a:endParaRPr>
-          </a:p>
-        </p:txBody>
-      </p:sp>
-      <p:sp>
-        <p:nvSpPr>
-          <p:cNvPr id="10" name="TextBox 9">
-            <a:extLst>
-              <a:ext uri="{FF2B5EF4-FFF2-40B4-BE49-F238E27FC236}">
-                <a16:creationId xmlns:a16="http://schemas.microsoft.com/office/drawing/2014/main" id="{4DA6D692-952C-E75A-7302-9ECB07FB0727}"/>
+            <a:r>
+              <a:rPr lang="en-US" b="1" dirty="0">
+                <a:solidFill>
+                  <a:schemeClr val="bg1"/>
+                </a:solidFill>
+              </a:rPr>
+              <a:t>Responsive Design: </a:t>
+            </a:r>
+            <a:r>
+              <a:rPr lang="en-US" dirty="0">
+                <a:solidFill>
+                  <a:schemeClr val="bg1"/>
+                </a:solidFill>
+              </a:rPr>
+              <a:t>Responsive design ensures that the card game interface looks and functions well on various devices and screen sizes. It addresses the problem of accommodating users with different devices, such as desktops, tablets, and smartphones, by providing a consistent and user-friendly experience.</a:t>
+            </a:r>
+          </a:p>
+        </p:txBody>
+      </p:sp>
+      <p:sp>
+        <p:nvSpPr>
+          <p:cNvPr id="11" name="TextBox 10">
+            <a:extLst>
+              <a:ext uri="{FF2B5EF4-FFF2-40B4-BE49-F238E27FC236}">
+                <a16:creationId xmlns:a16="http://schemas.microsoft.com/office/drawing/2014/main" id="{F7E9DF15-E0C9-9625-D28E-28A7217242DD}"/>
               </a:ext>
             </a:extLst>
           </p:cNvPr>
@@ -6242,8 +5622,8 @@
         </p:nvSpPr>
         <p:spPr>
           <a:xfrm>
-            <a:off x="7843219" y="1974726"/>
-            <a:ext cx="3291840" cy="1077218"/>
+            <a:off x="421041" y="4936530"/>
+            <a:ext cx="6094520" cy="1477328"/>
           </a:xfrm>
           <a:prstGeom prst="rect">
             <a:avLst/>
@@ -6251,28 +5631,36 @@
           <a:noFill/>
         </p:spPr>
         <p:txBody>
-          <a:bodyPr wrap="square" rtlCol="0">
+          <a:bodyPr wrap="square">
             <a:spAutoFit/>
           </a:bodyPr>
           <a:lstStyle/>
           <a:p>
-            <a:pPr algn="ctr"/>
-            <a:r>
-              <a:rPr lang="en-US" sz="3200" dirty="0">
-                <a:latin typeface="Aharoni" panose="02010803020104030203" pitchFamily="2" charset="-79"/>
-                <a:cs typeface="Aharoni" panose="02010803020104030203" pitchFamily="2" charset="-79"/>
-              </a:rPr>
-              <a:t>Responsive Design</a:t>
-            </a:r>
-          </a:p>
-        </p:txBody>
-      </p:sp>
-      <p:sp>
-        <p:nvSpPr>
-          <p:cNvPr id="18" name="TextBox 17">
-            <a:extLst>
-              <a:ext uri="{FF2B5EF4-FFF2-40B4-BE49-F238E27FC236}">
-                <a16:creationId xmlns:a16="http://schemas.microsoft.com/office/drawing/2014/main" id="{E5905236-9BB5-59D5-25FE-23550903F259}"/>
+            <a:r>
+              <a:rPr lang="en-US" b="1" dirty="0">
+                <a:solidFill>
+                  <a:schemeClr val="bg1"/>
+                </a:solidFill>
+              </a:rPr>
+              <a:t>User Experience (UX): </a:t>
+            </a:r>
+            <a:r>
+              <a:rPr lang="en-US" dirty="0">
+                <a:solidFill>
+                  <a:schemeClr val="bg1"/>
+                </a:solidFill>
+              </a:rPr>
+              <a:t>Smooth animations, intuitive buttons, and a well-structured layout contribute to a positive user experience. Addressing UX problems means making the interface user-friendly and easy to navigate, which can enhance user satisfaction and retention.</a:t>
+            </a:r>
+          </a:p>
+        </p:txBody>
+      </p:sp>
+      <p:sp>
+        <p:nvSpPr>
+          <p:cNvPr id="5" name="TextBox 4">
+            <a:extLst>
+              <a:ext uri="{FF2B5EF4-FFF2-40B4-BE49-F238E27FC236}">
+                <a16:creationId xmlns:a16="http://schemas.microsoft.com/office/drawing/2014/main" id="{CDEF5C5A-3077-D97D-72E8-80EE6231601A}"/>
               </a:ext>
             </a:extLst>
           </p:cNvPr>
@@ -6281,8 +5669,8 @@
         </p:nvSpPr>
         <p:spPr>
           <a:xfrm>
-            <a:off x="3927137" y="3303575"/>
-            <a:ext cx="3291840" cy="1908728"/>
+            <a:off x="372538" y="1060306"/>
+            <a:ext cx="6094520" cy="1561005"/>
           </a:xfrm>
           <a:prstGeom prst="rect">
             <a:avLst/>
@@ -6290,12 +5678,12 @@
           <a:noFill/>
         </p:spPr>
         <p:txBody>
-          <a:bodyPr wrap="square" rtlCol="0">
+          <a:bodyPr wrap="square">
             <a:spAutoFit/>
           </a:bodyPr>
           <a:lstStyle/>
           <a:p>
-            <a:pPr marL="285750" marR="0" indent="-285750">
+            <a:pPr marL="0" marR="0">
               <a:lnSpc>
                 <a:spcPct val="107000"/>
               </a:lnSpc>
@@ -6305,222 +5693,51 @@
               <a:spcAft>
                 <a:spcPts val="800"/>
               </a:spcAft>
-              <a:buFont typeface="Arial" panose="020B0604020202020204" pitchFamily="34" charset="0"/>
-              <a:buChar char="•"/>
             </a:pPr>
             <a:r>
-              <a:rPr lang="en-US" sz="1200" kern="100" dirty="0">
+              <a:rPr lang="en-US" sz="1800" b="1" kern="100" dirty="0">
+                <a:solidFill>
+                  <a:schemeClr val="bg1"/>
+                </a:solidFill>
                 <a:effectLst/>
                 <a:latin typeface="Calibri" panose="020F0502020204030204" pitchFamily="34" charset="0"/>
                 <a:ea typeface="Calibri" panose="020F0502020204030204" pitchFamily="34" charset="0"/>
                 <a:cs typeface="Times New Roman" panose="02020603050405020304" pitchFamily="18" charset="0"/>
               </a:rPr>
-              <a:t>HTML: Add interactive elements like buttons for actions such as shuffling the deck and dealing cards. Use &lt;button&gt; elements with appropriate labels and classes.</a:t>
-            </a:r>
-          </a:p>
-          <a:p>
-            <a:pPr marL="285750" indent="-285750">
-              <a:buFont typeface="Arial" panose="020B0604020202020204" pitchFamily="34" charset="0"/>
-              <a:buChar char="•"/>
-            </a:pPr>
-            <a:r>
-              <a:rPr lang="en-US" sz="1200" dirty="0">
+              <a:t>User Engagement: </a:t>
+            </a:r>
+            <a:r>
+              <a:rPr lang="en-US" sz="1800" kern="100" dirty="0">
+                <a:solidFill>
+                  <a:schemeClr val="bg1"/>
+                </a:solidFill>
                 <a:effectLst/>
                 <a:latin typeface="Calibri" panose="020F0502020204030204" pitchFamily="34" charset="0"/>
                 <a:ea typeface="Calibri" panose="020F0502020204030204" pitchFamily="34" charset="0"/>
                 <a:cs typeface="Times New Roman" panose="02020603050405020304" pitchFamily="18" charset="0"/>
               </a:rPr>
-              <a:t>CSS: Apply CSS styles to these buttons, including hover effects, and possibly use CSS transitions or animations to make the buttons respond to user interactions with smooth and visually appealing effects</a:t>
-            </a:r>
-          </a:p>
-        </p:txBody>
-      </p:sp>
-      <p:sp>
-        <p:nvSpPr>
-          <p:cNvPr id="19" name="TextBox 18">
-            <a:extLst>
-              <a:ext uri="{FF2B5EF4-FFF2-40B4-BE49-F238E27FC236}">
-                <a16:creationId xmlns:a16="http://schemas.microsoft.com/office/drawing/2014/main" id="{A732A5EB-9C27-6380-EC30-A3A85FC1EF0E}"/>
-              </a:ext>
-            </a:extLst>
-          </p:cNvPr>
-          <p:cNvSpPr txBox="1"/>
-          <p:nvPr/>
-        </p:nvSpPr>
-        <p:spPr>
-          <a:xfrm>
-            <a:off x="4074980" y="2093858"/>
-            <a:ext cx="3291840" cy="584775"/>
-          </a:xfrm>
-          <a:prstGeom prst="rect">
-            <a:avLst/>
-          </a:prstGeom>
-          <a:noFill/>
-        </p:spPr>
-        <p:txBody>
-          <a:bodyPr wrap="square" rtlCol="0">
-            <a:spAutoFit/>
-          </a:bodyPr>
-          <a:lstStyle/>
-          <a:p>
-            <a:r>
-              <a:rPr lang="en-US" sz="3200" dirty="0">
-                <a:latin typeface="Aharoni" panose="02010803020104030203" pitchFamily="2" charset="-79"/>
-                <a:cs typeface="Aharoni" panose="02010803020104030203" pitchFamily="2" charset="-79"/>
-              </a:rPr>
-              <a:t>User Interaction</a:t>
-            </a:r>
-          </a:p>
-        </p:txBody>
-      </p:sp>
-      <p:sp>
-        <p:nvSpPr>
-          <p:cNvPr id="20" name="TextBox 19">
-            <a:extLst>
-              <a:ext uri="{FF2B5EF4-FFF2-40B4-BE49-F238E27FC236}">
-                <a16:creationId xmlns:a16="http://schemas.microsoft.com/office/drawing/2014/main" id="{2F9E8725-B2A7-3853-7A5A-588E23E9E484}"/>
-              </a:ext>
-            </a:extLst>
-          </p:cNvPr>
-          <p:cNvSpPr txBox="1"/>
-          <p:nvPr/>
-        </p:nvSpPr>
-        <p:spPr>
-          <a:xfrm>
-            <a:off x="254000" y="3332480"/>
-            <a:ext cx="2997200" cy="3434210"/>
-          </a:xfrm>
-          <a:prstGeom prst="rect">
-            <a:avLst/>
-          </a:prstGeom>
-          <a:noFill/>
-        </p:spPr>
-        <p:txBody>
-          <a:bodyPr wrap="square" rtlCol="0">
-            <a:spAutoFit/>
-          </a:bodyPr>
-          <a:lstStyle/>
-          <a:p>
-            <a:pPr marL="171450" indent="-171450">
-              <a:lnSpc>
-                <a:spcPct val="107000"/>
-              </a:lnSpc>
-              <a:buFont typeface="Arial" panose="020B0604020202020204" pitchFamily="34" charset="0"/>
-              <a:buChar char="•"/>
-            </a:pPr>
-            <a:r>
-              <a:rPr lang="en-US" sz="1200" kern="100" dirty="0">
-                <a:effectLst/>
-                <a:latin typeface="Calibri" panose="020F0502020204030204" pitchFamily="34" charset="0"/>
-                <a:ea typeface="Calibri" panose="020F0502020204030204" pitchFamily="34" charset="0"/>
-                <a:cs typeface="Times New Roman" panose="02020603050405020304" pitchFamily="18" charset="0"/>
-              </a:rPr>
-              <a:t>HTML: Create a card container structure using &lt;div&gt; elements to represent individual cards. Use nested &lt;div&gt; elements for the card's front and back, with appropriate classes or data attributes to identify each card's value and suit.</a:t>
-            </a:r>
-          </a:p>
-          <a:p>
-            <a:pPr marL="171450" indent="-171450">
-              <a:lnSpc>
-                <a:spcPct val="107000"/>
-              </a:lnSpc>
-              <a:buFont typeface="Arial" panose="020B0604020202020204" pitchFamily="34" charset="0"/>
-              <a:buChar char="•"/>
-            </a:pPr>
-            <a:r>
-              <a:rPr lang="en-US" sz="1200" b="1" kern="100" dirty="0">
-                <a:effectLst/>
-                <a:latin typeface="Calibri" panose="020F0502020204030204" pitchFamily="34" charset="0"/>
-                <a:ea typeface="Calibri" panose="020F0502020204030204" pitchFamily="34" charset="0"/>
-                <a:cs typeface="Times New Roman" panose="02020603050405020304" pitchFamily="18" charset="0"/>
-              </a:rPr>
-              <a:t>CSS</a:t>
-            </a:r>
-            <a:r>
-              <a:rPr lang="en-US" sz="1200" kern="100" dirty="0">
-                <a:effectLst/>
-                <a:latin typeface="Calibri" panose="020F0502020204030204" pitchFamily="34" charset="0"/>
-                <a:ea typeface="Calibri" panose="020F0502020204030204" pitchFamily="34" charset="0"/>
-                <a:cs typeface="Times New Roman" panose="02020603050405020304" pitchFamily="18" charset="0"/>
-              </a:rPr>
-              <a:t>: Apply CSS styles to these card elements, including card dimensions, borders, shadows, and background colors to simulate a realistic card appearance. Implement smooth animations, like transitions or keyframes, to create effects such as flipping a card when it's dealt or shuffling the deck.</a:t>
-            </a:r>
-          </a:p>
-          <a:p>
-            <a:pPr marL="171450" indent="-171450">
-              <a:lnSpc>
-                <a:spcPct val="107000"/>
-              </a:lnSpc>
-              <a:buFont typeface="Arial" panose="020B0604020202020204" pitchFamily="34" charset="0"/>
-              <a:buChar char="•"/>
-            </a:pPr>
-            <a:endParaRPr lang="en-US" sz="1200" kern="100" dirty="0">
-              <a:effectLst/>
-              <a:latin typeface="Calibri" panose="020F0502020204030204" pitchFamily="34" charset="0"/>
-              <a:ea typeface="Calibri" panose="020F0502020204030204" pitchFamily="34" charset="0"/>
-              <a:cs typeface="Times New Roman" panose="02020603050405020304" pitchFamily="18" charset="0"/>
-            </a:endParaRPr>
-          </a:p>
-          <a:p>
-            <a:pPr marL="342900" marR="0" lvl="0" indent="-342900">
-              <a:lnSpc>
-                <a:spcPct val="107000"/>
-              </a:lnSpc>
-              <a:spcBef>
-                <a:spcPts val="0"/>
-              </a:spcBef>
-              <a:spcAft>
-                <a:spcPts val="0"/>
-              </a:spcAft>
-              <a:buFont typeface="Symbol" panose="05050102010706020507" pitchFamily="18" charset="2"/>
-              <a:buChar char=""/>
-            </a:pPr>
-            <a:endParaRPr lang="en-US" sz="1200" b="1" dirty="0">
-              <a:effectLst/>
-              <a:latin typeface="Bahnschrift SemiBold" panose="020B0502040204020203" pitchFamily="34" charset="0"/>
-              <a:ea typeface="Calibri" panose="020F0502020204030204" pitchFamily="34" charset="0"/>
-              <a:cs typeface="Times New Roman" panose="02020603050405020304" pitchFamily="18" charset="0"/>
-            </a:endParaRPr>
-          </a:p>
-          <a:p>
-            <a:pPr marL="342900" marR="0" lvl="0" indent="-342900">
-              <a:lnSpc>
-                <a:spcPct val="107000"/>
-              </a:lnSpc>
-              <a:spcBef>
-                <a:spcPts val="0"/>
-              </a:spcBef>
-              <a:spcAft>
-                <a:spcPts val="0"/>
-              </a:spcAft>
-              <a:buFont typeface="Symbol" panose="05050102010706020507" pitchFamily="18" charset="2"/>
-              <a:buChar char=""/>
-            </a:pPr>
-            <a:endParaRPr lang="en-US" sz="1200" dirty="0">
-              <a:effectLst/>
-              <a:latin typeface="Bahnschrift SemiBold" panose="020B0502040204020203" pitchFamily="34" charset="0"/>
-              <a:ea typeface="Calibri" panose="020F0502020204030204" pitchFamily="34" charset="0"/>
-              <a:cs typeface="Times New Roman" panose="02020603050405020304" pitchFamily="18" charset="0"/>
-            </a:endParaRPr>
+              <a:t>By creating a visually appealing card game interface with smooth animations, you address the challenge of engaging users and making the gaming experience enjoyable. The animations make the game more interactive and immersive, encouraging players to continue playing.</a:t>
+            </a:r>
           </a:p>
         </p:txBody>
       </p:sp>
     </p:spTree>
     <p:extLst>
       <p:ext uri="{BB962C8B-B14F-4D97-AF65-F5344CB8AC3E}">
-        <p14:creationId xmlns:p14="http://schemas.microsoft.com/office/powerpoint/2010/main" val="2582257168"/>
+        <p14:creationId xmlns:p14="http://schemas.microsoft.com/office/powerpoint/2010/main" val="2457093360"/>
       </p:ext>
     </p:extLst>
   </p:cSld>
   <p:clrMapOvr>
     <a:masterClrMapping/>
   </p:clrMapOvr>
-  <mc:AlternateContent xmlns:mc="http://schemas.openxmlformats.org/markup-compatibility/2006" xmlns:p159="http://schemas.microsoft.com/office/powerpoint/2015/09/main">
-    <mc:Choice Requires="p159">
+  <mc:AlternateContent xmlns:mc="http://schemas.openxmlformats.org/markup-compatibility/2006">
+    <mc:Choice xmlns:p159="http://schemas.microsoft.com/office/powerpoint/2015/09/main" Requires="p159">
       <p:transition xmlns:p14="http://schemas.microsoft.com/office/powerpoint/2010/main" spd="slow" p14:dur="2000">
         <p159:morph option="byObject"/>
       </p:transition>
     </mc:Choice>
-    <mc:Fallback xmlns="">
+    <mc:Fallback>
       <p:transition spd="slow">
         <p:fade/>
       </p:transition>
@@ -6554,413 +5771,12 @@
           <a:chExt cx="0" cy="0"/>
         </a:xfrm>
       </p:grpSpPr>
-      <p:sp>
-        <p:nvSpPr>
-          <p:cNvPr id="14" name="Rectangle: Rounded Corners 13">
-            <a:extLst>
-              <a:ext uri="{FF2B5EF4-FFF2-40B4-BE49-F238E27FC236}">
-                <a16:creationId xmlns:a16="http://schemas.microsoft.com/office/drawing/2014/main" id="{77D1890A-6E16-AAAF-6008-648E4AC28ABF}"/>
-              </a:ext>
-            </a:extLst>
-          </p:cNvPr>
-          <p:cNvSpPr/>
-          <p:nvPr/>
-        </p:nvSpPr>
-        <p:spPr>
-          <a:xfrm>
-            <a:off x="3946126" y="2074202"/>
-            <a:ext cx="3291840" cy="4147487"/>
-          </a:xfrm>
-          <a:prstGeom prst="roundRect">
-            <a:avLst>
-              <a:gd name="adj" fmla="val 7099"/>
-            </a:avLst>
-          </a:prstGeom>
-          <a:solidFill>
-            <a:srgbClr val="00B0F0"/>
-          </a:solidFill>
-        </p:spPr>
-        <p:style>
-          <a:lnRef idx="2">
-            <a:schemeClr val="accent2">
-              <a:shade val="15000"/>
-            </a:schemeClr>
-          </a:lnRef>
-          <a:fillRef idx="1">
-            <a:schemeClr val="accent2"/>
-          </a:fillRef>
-          <a:effectRef idx="0">
-            <a:schemeClr val="accent2"/>
-          </a:effectRef>
-          <a:fontRef idx="minor">
-            <a:schemeClr val="lt1"/>
-          </a:fontRef>
-        </p:style>
-        <p:txBody>
-          <a:bodyPr rtlCol="0" anchor="ctr"/>
-          <a:lstStyle/>
-          <a:p>
-            <a:pPr marL="171450" indent="-171450">
-              <a:buFont typeface="Arial" panose="020B0604020202020204" pitchFamily="34" charset="0"/>
-              <a:buChar char="•"/>
-            </a:pPr>
-            <a:r>
-              <a:rPr lang="en-US" sz="1200" dirty="0">
-                <a:solidFill>
-                  <a:schemeClr val="tx1"/>
-                </a:solidFill>
-              </a:rPr>
-              <a:t>HTML: Add interactive elements like buttons for actions such as shuffling the deck and dealing cards. Use &lt;button&gt; elements with appropriate labels and classes.</a:t>
-            </a:r>
-          </a:p>
-          <a:p>
-            <a:pPr marL="171450" indent="-171450">
-              <a:buFont typeface="Arial" panose="020B0604020202020204" pitchFamily="34" charset="0"/>
-              <a:buChar char="•"/>
-            </a:pPr>
-            <a:r>
-              <a:rPr lang="en-US" sz="1200" dirty="0">
-                <a:solidFill>
-                  <a:schemeClr val="tx1"/>
-                </a:solidFill>
-              </a:rPr>
-              <a:t>CSS: Apply CSS styles to these buttons, including hover effects, and possibly use CSS transitions or animations to make the buttons respond to user interactions with smooth and visually appealing </a:t>
-            </a:r>
-          </a:p>
-        </p:txBody>
-      </p:sp>
-      <p:sp>
-        <p:nvSpPr>
-          <p:cNvPr id="2" name="TextBox 1">
-            <a:extLst>
-              <a:ext uri="{FF2B5EF4-FFF2-40B4-BE49-F238E27FC236}">
-                <a16:creationId xmlns:a16="http://schemas.microsoft.com/office/drawing/2014/main" id="{A51C94C9-2954-9165-5E7F-959F11AB4674}"/>
-              </a:ext>
-            </a:extLst>
-          </p:cNvPr>
-          <p:cNvSpPr txBox="1"/>
-          <p:nvPr/>
-        </p:nvSpPr>
-        <p:spPr>
-          <a:xfrm>
-            <a:off x="131484" y="2074202"/>
-            <a:ext cx="3291840" cy="1815882"/>
-          </a:xfrm>
-          <a:prstGeom prst="rect">
-            <a:avLst/>
-          </a:prstGeom>
-          <a:noFill/>
-        </p:spPr>
-        <p:txBody>
-          <a:bodyPr wrap="square" rtlCol="0">
-            <a:spAutoFit/>
-          </a:bodyPr>
-          <a:lstStyle/>
-          <a:p>
-            <a:pPr algn="ctr"/>
-            <a:r>
-              <a:rPr lang="en-US" sz="3200" dirty="0">
-                <a:solidFill>
-                  <a:schemeClr val="bg1"/>
-                </a:solidFill>
-                <a:latin typeface="Aharoni" panose="02010803020104030203" pitchFamily="2" charset="-79"/>
-                <a:cs typeface="Aharoni" panose="02010803020104030203" pitchFamily="2" charset="-79"/>
-              </a:rPr>
-              <a:t>Card Layout and Animation</a:t>
-            </a:r>
-          </a:p>
-          <a:p>
-            <a:pPr algn="ctr"/>
-            <a:endParaRPr lang="en-US" sz="4800" dirty="0">
-              <a:solidFill>
-                <a:schemeClr val="bg1"/>
-              </a:solidFill>
-              <a:latin typeface="Aharoni" panose="02010803020104030203" pitchFamily="2" charset="-79"/>
-              <a:cs typeface="Aharoni" panose="02010803020104030203" pitchFamily="2" charset="-79"/>
-            </a:endParaRPr>
-          </a:p>
-        </p:txBody>
-      </p:sp>
-      <p:sp>
-        <p:nvSpPr>
-          <p:cNvPr id="4" name="TextBox 3">
-            <a:extLst>
-              <a:ext uri="{FF2B5EF4-FFF2-40B4-BE49-F238E27FC236}">
-                <a16:creationId xmlns:a16="http://schemas.microsoft.com/office/drawing/2014/main" id="{6BFDDF3E-4345-3889-27E2-ACB385A64ACE}"/>
-              </a:ext>
-            </a:extLst>
-          </p:cNvPr>
-          <p:cNvSpPr txBox="1"/>
-          <p:nvPr/>
-        </p:nvSpPr>
-        <p:spPr>
-          <a:xfrm>
-            <a:off x="421041" y="224117"/>
-            <a:ext cx="6837680" cy="1200329"/>
-          </a:xfrm>
-          <a:prstGeom prst="rect">
-            <a:avLst/>
-          </a:prstGeom>
-          <a:noFill/>
-        </p:spPr>
-        <p:txBody>
-          <a:bodyPr wrap="square" rtlCol="0">
-            <a:spAutoFit/>
-          </a:bodyPr>
-          <a:lstStyle/>
-          <a:p>
-            <a:r>
-              <a:rPr lang="en-US" sz="7200" dirty="0">
-                <a:solidFill>
-                  <a:schemeClr val="bg1"/>
-                </a:solidFill>
-                <a:latin typeface="Aharoni" panose="02010803020104030203" pitchFamily="2" charset="-79"/>
-                <a:cs typeface="Aharoni" panose="02010803020104030203" pitchFamily="2" charset="-79"/>
-              </a:rPr>
-              <a:t>FEATURES</a:t>
-            </a:r>
-          </a:p>
-        </p:txBody>
-      </p:sp>
-      <p:sp>
-        <p:nvSpPr>
-          <p:cNvPr id="9" name="TextBox 8">
-            <a:extLst>
-              <a:ext uri="{FF2B5EF4-FFF2-40B4-BE49-F238E27FC236}">
-                <a16:creationId xmlns:a16="http://schemas.microsoft.com/office/drawing/2014/main" id="{87C9125D-2F91-094C-4600-65A23214BF70}"/>
-              </a:ext>
-            </a:extLst>
-          </p:cNvPr>
-          <p:cNvSpPr txBox="1"/>
-          <p:nvPr/>
-        </p:nvSpPr>
-        <p:spPr>
-          <a:xfrm>
-            <a:off x="3946126" y="2220947"/>
-            <a:ext cx="3291840" cy="1323439"/>
-          </a:xfrm>
-          <a:prstGeom prst="rect">
-            <a:avLst/>
-          </a:prstGeom>
-          <a:noFill/>
-        </p:spPr>
-        <p:txBody>
-          <a:bodyPr wrap="square" rtlCol="0">
-            <a:spAutoFit/>
-          </a:bodyPr>
-          <a:lstStyle/>
-          <a:p>
-            <a:r>
-              <a:rPr lang="en-US" sz="3200" dirty="0">
-                <a:latin typeface="Aharoni" panose="02010803020104030203" pitchFamily="2" charset="-79"/>
-                <a:cs typeface="Aharoni" panose="02010803020104030203" pitchFamily="2" charset="-79"/>
-              </a:rPr>
-              <a:t>User Interaction</a:t>
-            </a:r>
-          </a:p>
-          <a:p>
-            <a:endParaRPr lang="en-US" sz="4800" dirty="0">
-              <a:solidFill>
-                <a:schemeClr val="tx1">
-                  <a:lumMod val="95000"/>
-                  <a:lumOff val="5000"/>
-                </a:schemeClr>
-              </a:solidFill>
-              <a:latin typeface="Aharoni" panose="02010803020104030203" pitchFamily="2" charset="-79"/>
-              <a:cs typeface="Aharoni" panose="02010803020104030203" pitchFamily="2" charset="-79"/>
-            </a:endParaRPr>
-          </a:p>
-        </p:txBody>
-      </p:sp>
-      <p:sp>
-        <p:nvSpPr>
-          <p:cNvPr id="10" name="TextBox 9">
-            <a:extLst>
-              <a:ext uri="{FF2B5EF4-FFF2-40B4-BE49-F238E27FC236}">
-                <a16:creationId xmlns:a16="http://schemas.microsoft.com/office/drawing/2014/main" id="{4DA6D692-952C-E75A-7302-9ECB07FB0727}"/>
-              </a:ext>
-            </a:extLst>
-          </p:cNvPr>
-          <p:cNvSpPr txBox="1"/>
-          <p:nvPr/>
-        </p:nvSpPr>
-        <p:spPr>
-          <a:xfrm>
-            <a:off x="7843219" y="1974726"/>
-            <a:ext cx="3291840" cy="1815882"/>
-          </a:xfrm>
-          <a:prstGeom prst="rect">
-            <a:avLst/>
-          </a:prstGeom>
-          <a:noFill/>
-        </p:spPr>
-        <p:txBody>
-          <a:bodyPr wrap="square" rtlCol="0">
-            <a:spAutoFit/>
-          </a:bodyPr>
-          <a:lstStyle/>
-          <a:p>
-            <a:pPr algn="ctr"/>
-            <a:r>
-              <a:rPr lang="en-US" sz="3200" dirty="0">
-                <a:latin typeface="Aharoni" panose="02010803020104030203" pitchFamily="2" charset="-79"/>
-                <a:cs typeface="Aharoni" panose="02010803020104030203" pitchFamily="2" charset="-79"/>
-              </a:rPr>
-              <a:t>Responsive Design</a:t>
-            </a:r>
-          </a:p>
-          <a:p>
-            <a:pPr algn="ctr"/>
-            <a:endParaRPr lang="en-US" sz="4800" dirty="0">
-              <a:solidFill>
-                <a:schemeClr val="bg1"/>
-              </a:solidFill>
-              <a:latin typeface="Aharoni" panose="02010803020104030203" pitchFamily="2" charset="-79"/>
-              <a:cs typeface="Aharoni" panose="02010803020104030203" pitchFamily="2" charset="-79"/>
-            </a:endParaRPr>
-          </a:p>
-        </p:txBody>
-      </p:sp>
-      <p:sp>
-        <p:nvSpPr>
-          <p:cNvPr id="3" name="TextBox 2">
-            <a:extLst>
-              <a:ext uri="{FF2B5EF4-FFF2-40B4-BE49-F238E27FC236}">
-                <a16:creationId xmlns:a16="http://schemas.microsoft.com/office/drawing/2014/main" id="{1F78523A-5632-5A0F-CB58-60DDF6226139}"/>
-              </a:ext>
-            </a:extLst>
-          </p:cNvPr>
-          <p:cNvSpPr txBox="1"/>
-          <p:nvPr/>
-        </p:nvSpPr>
-        <p:spPr>
-          <a:xfrm>
-            <a:off x="278804" y="3271552"/>
-            <a:ext cx="2997200" cy="3362331"/>
-          </a:xfrm>
-          <a:prstGeom prst="rect">
-            <a:avLst/>
-          </a:prstGeom>
-          <a:noFill/>
-        </p:spPr>
-        <p:txBody>
-          <a:bodyPr wrap="square" rtlCol="0">
-            <a:spAutoFit/>
-          </a:bodyPr>
-          <a:lstStyle/>
-          <a:p>
-            <a:pPr marL="171450" indent="-171450">
-              <a:lnSpc>
-                <a:spcPct val="107000"/>
-              </a:lnSpc>
-              <a:buFont typeface="Arial" panose="020B0604020202020204" pitchFamily="34" charset="0"/>
-              <a:buChar char="•"/>
-            </a:pPr>
-            <a:r>
-              <a:rPr lang="en-US" sz="1200" b="1" kern="100" dirty="0">
-                <a:solidFill>
-                  <a:schemeClr val="bg1"/>
-                </a:solidFill>
-                <a:effectLst/>
-                <a:latin typeface="Calibri" panose="020F0502020204030204" pitchFamily="34" charset="0"/>
-                <a:ea typeface="Calibri" panose="020F0502020204030204" pitchFamily="34" charset="0"/>
-                <a:cs typeface="Times New Roman" panose="02020603050405020304" pitchFamily="18" charset="0"/>
-              </a:rPr>
-              <a:t>HTML</a:t>
-            </a:r>
-            <a:r>
-              <a:rPr lang="en-US" sz="1200" kern="100" dirty="0">
-                <a:solidFill>
-                  <a:schemeClr val="bg1"/>
-                </a:solidFill>
-                <a:effectLst/>
-                <a:latin typeface="Calibri" panose="020F0502020204030204" pitchFamily="34" charset="0"/>
-                <a:ea typeface="Calibri" panose="020F0502020204030204" pitchFamily="34" charset="0"/>
-                <a:cs typeface="Times New Roman" panose="02020603050405020304" pitchFamily="18" charset="0"/>
-              </a:rPr>
-              <a:t>: Create a card container structure using &lt;div&gt; elements to represent individual cards. Use nested &lt;div&gt; elements for the card's front and back, with appropriate classes or data attributes to identify each card's value and suit.</a:t>
-            </a:r>
-          </a:p>
-          <a:p>
-            <a:pPr marL="171450" indent="-171450">
-              <a:lnSpc>
-                <a:spcPct val="107000"/>
-              </a:lnSpc>
-              <a:buFont typeface="Arial" panose="020B0604020202020204" pitchFamily="34" charset="0"/>
-              <a:buChar char="•"/>
-            </a:pPr>
-            <a:r>
-              <a:rPr lang="en-US" sz="1200" b="1" kern="100" dirty="0">
-                <a:solidFill>
-                  <a:schemeClr val="bg1"/>
-                </a:solidFill>
-                <a:effectLst/>
-                <a:latin typeface="Calibri" panose="020F0502020204030204" pitchFamily="34" charset="0"/>
-                <a:ea typeface="Calibri" panose="020F0502020204030204" pitchFamily="34" charset="0"/>
-                <a:cs typeface="Times New Roman" panose="02020603050405020304" pitchFamily="18" charset="0"/>
-              </a:rPr>
-              <a:t>CSS</a:t>
-            </a:r>
-            <a:r>
-              <a:rPr lang="en-US" sz="1200" kern="100" dirty="0">
-                <a:solidFill>
-                  <a:schemeClr val="bg1"/>
-                </a:solidFill>
-                <a:effectLst/>
-                <a:latin typeface="Calibri" panose="020F0502020204030204" pitchFamily="34" charset="0"/>
-                <a:ea typeface="Calibri" panose="020F0502020204030204" pitchFamily="34" charset="0"/>
-                <a:cs typeface="Times New Roman" panose="02020603050405020304" pitchFamily="18" charset="0"/>
-              </a:rPr>
-              <a:t>: Apply CSS styles to these card elements, including card dimensions, borders, shadows, and background colors to simulate a realistic card appearance. Implement smooth animations, like transitions or keyframes, to create effects such as flipping a card when it's dealt or shuffling the deck.</a:t>
-            </a:r>
-          </a:p>
-          <a:p>
-            <a:pPr marL="171450" indent="-171450">
-              <a:lnSpc>
-                <a:spcPct val="107000"/>
-              </a:lnSpc>
-              <a:buFont typeface="Arial" panose="020B0604020202020204" pitchFamily="34" charset="0"/>
-              <a:buChar char="•"/>
-            </a:pPr>
-            <a:endParaRPr lang="en-US" sz="1600" kern="100" dirty="0">
-              <a:effectLst/>
-              <a:latin typeface="Calibri" panose="020F0502020204030204" pitchFamily="34" charset="0"/>
-              <a:ea typeface="Calibri" panose="020F0502020204030204" pitchFamily="34" charset="0"/>
-              <a:cs typeface="Times New Roman" panose="02020603050405020304" pitchFamily="18" charset="0"/>
-            </a:endParaRPr>
-          </a:p>
-          <a:p>
-            <a:pPr marL="342900" marR="0" lvl="0" indent="-342900">
-              <a:lnSpc>
-                <a:spcPct val="107000"/>
-              </a:lnSpc>
-              <a:spcBef>
-                <a:spcPts val="0"/>
-              </a:spcBef>
-              <a:spcAft>
-                <a:spcPts val="0"/>
-              </a:spcAft>
-              <a:buFont typeface="Symbol" panose="05050102010706020507" pitchFamily="18" charset="2"/>
-              <a:buChar char=""/>
-            </a:pPr>
-            <a:endParaRPr lang="en-US" sz="1600" b="1" dirty="0">
-              <a:solidFill>
-                <a:schemeClr val="bg1"/>
-              </a:solidFill>
-              <a:effectLst/>
-              <a:latin typeface="Bahnschrift SemiBold" panose="020B0502040204020203" pitchFamily="34" charset="0"/>
-              <a:ea typeface="Calibri" panose="020F0502020204030204" pitchFamily="34" charset="0"/>
-              <a:cs typeface="Times New Roman" panose="02020603050405020304" pitchFamily="18" charset="0"/>
-            </a:endParaRPr>
-          </a:p>
-        </p:txBody>
-      </p:sp>
       <p:pic>
         <p:nvPicPr>
-          <p:cNvPr id="13" name="Picture 12">
-            <a:extLst>
-              <a:ext uri="{FF2B5EF4-FFF2-40B4-BE49-F238E27FC236}">
-                <a16:creationId xmlns:a16="http://schemas.microsoft.com/office/drawing/2014/main" id="{700A8A9C-ED02-5F16-A690-C099CC97B205}"/>
+          <p:cNvPr id="12" name="Picture 11">
+            <a:extLst>
+              <a:ext uri="{FF2B5EF4-FFF2-40B4-BE49-F238E27FC236}">
+                <a16:creationId xmlns:a16="http://schemas.microsoft.com/office/drawing/2014/main" id="{2604E326-9B7B-2DB7-C59D-D1E62B30968E}"/>
               </a:ext>
             </a:extLst>
           </p:cNvPr>
@@ -6977,18 +5793,265 @@
         </p:blipFill>
         <p:spPr>
           <a:xfrm>
-            <a:off x="7842934" y="3429000"/>
-            <a:ext cx="3292125" cy="2591025"/>
+            <a:off x="372538" y="893927"/>
+            <a:ext cx="6011177" cy="1572904"/>
           </a:xfrm>
           <a:prstGeom prst="rect">
             <a:avLst/>
           </a:prstGeom>
         </p:spPr>
       </p:pic>
+      <p:sp>
+        <p:nvSpPr>
+          <p:cNvPr id="3" name="TextBox 2">
+            <a:extLst>
+              <a:ext uri="{FF2B5EF4-FFF2-40B4-BE49-F238E27FC236}">
+                <a16:creationId xmlns:a16="http://schemas.microsoft.com/office/drawing/2014/main" id="{02101A27-4426-A3CD-6550-ACFA72D4408C}"/>
+              </a:ext>
+            </a:extLst>
+          </p:cNvPr>
+          <p:cNvSpPr txBox="1"/>
+          <p:nvPr/>
+        </p:nvSpPr>
+        <p:spPr>
+          <a:xfrm>
+            <a:off x="421041" y="224117"/>
+            <a:ext cx="5997514" cy="1692771"/>
+          </a:xfrm>
+          <a:prstGeom prst="rect">
+            <a:avLst/>
+          </a:prstGeom>
+          <a:noFill/>
+        </p:spPr>
+        <p:txBody>
+          <a:bodyPr wrap="square" rtlCol="0">
+            <a:spAutoFit/>
+          </a:bodyPr>
+          <a:lstStyle/>
+          <a:p>
+            <a:r>
+              <a:rPr lang="en-US" sz="3200" dirty="0">
+                <a:solidFill>
+                  <a:schemeClr val="bg1"/>
+                </a:solidFill>
+                <a:latin typeface="Aharoni" panose="02010803020104030203" pitchFamily="2" charset="-79"/>
+                <a:cs typeface="Aharoni" panose="02010803020104030203" pitchFamily="2" charset="-79"/>
+              </a:rPr>
+              <a:t>The Problem addressed:</a:t>
+            </a:r>
+          </a:p>
+          <a:p>
+            <a:endParaRPr lang="en-US" sz="7200" dirty="0">
+              <a:solidFill>
+                <a:schemeClr val="bg1"/>
+              </a:solidFill>
+              <a:latin typeface="Aharoni" panose="02010803020104030203" pitchFamily="2" charset="-79"/>
+              <a:cs typeface="Aharoni" panose="02010803020104030203" pitchFamily="2" charset="-79"/>
+            </a:endParaRPr>
+          </a:p>
+        </p:txBody>
+      </p:sp>
+      <p:sp>
+        <p:nvSpPr>
+          <p:cNvPr id="5" name="TextBox 4">
+            <a:extLst>
+              <a:ext uri="{FF2B5EF4-FFF2-40B4-BE49-F238E27FC236}">
+                <a16:creationId xmlns:a16="http://schemas.microsoft.com/office/drawing/2014/main" id="{CDEF5C5A-3077-D97D-72E8-80EE6231601A}"/>
+              </a:ext>
+            </a:extLst>
+          </p:cNvPr>
+          <p:cNvSpPr txBox="1"/>
+          <p:nvPr/>
+        </p:nvSpPr>
+        <p:spPr>
+          <a:xfrm>
+            <a:off x="372538" y="974379"/>
+            <a:ext cx="6094520" cy="1959960"/>
+          </a:xfrm>
+          <a:prstGeom prst="rect">
+            <a:avLst/>
+          </a:prstGeom>
+          <a:noFill/>
+        </p:spPr>
+        <p:txBody>
+          <a:bodyPr wrap="square">
+            <a:spAutoFit/>
+          </a:bodyPr>
+          <a:lstStyle/>
+          <a:p>
+            <a:pPr>
+              <a:lnSpc>
+                <a:spcPct val="107000"/>
+              </a:lnSpc>
+              <a:spcAft>
+                <a:spcPts val="800"/>
+              </a:spcAft>
+            </a:pPr>
+            <a:r>
+              <a:rPr lang="en-US" sz="1800" kern="100" dirty="0">
+                <a:solidFill>
+                  <a:schemeClr val="bg1"/>
+                </a:solidFill>
+                <a:effectLst/>
+                <a:latin typeface="Calibri" panose="020F0502020204030204" pitchFamily="34" charset="0"/>
+                <a:ea typeface="Calibri" panose="020F0502020204030204" pitchFamily="34" charset="0"/>
+                <a:cs typeface="Times New Roman" panose="02020603050405020304" pitchFamily="18" charset="0"/>
+              </a:rPr>
+              <a:t>Realism and Immersion: Creating a realistic card layout with animations for shuffling and dealing cards helps users feel more immersed in the game. It addresses the challenge of making a digital card game feel like a real-world experience, enhancing player enjoyment and engagement.</a:t>
+            </a:r>
+          </a:p>
+          <a:p>
+            <a:pPr marL="0" marR="0">
+              <a:lnSpc>
+                <a:spcPct val="107000"/>
+              </a:lnSpc>
+              <a:spcBef>
+                <a:spcPts val="0"/>
+              </a:spcBef>
+              <a:spcAft>
+                <a:spcPts val="800"/>
+              </a:spcAft>
+            </a:pPr>
+            <a:endParaRPr lang="en-US" sz="1800" kern="100" dirty="0">
+              <a:solidFill>
+                <a:schemeClr val="bg1"/>
+              </a:solidFill>
+              <a:effectLst/>
+              <a:latin typeface="Calibri" panose="020F0502020204030204" pitchFamily="34" charset="0"/>
+              <a:ea typeface="Calibri" panose="020F0502020204030204" pitchFamily="34" charset="0"/>
+              <a:cs typeface="Times New Roman" panose="02020603050405020304" pitchFamily="18" charset="0"/>
+            </a:endParaRPr>
+          </a:p>
+        </p:txBody>
+      </p:sp>
+      <p:sp>
+        <p:nvSpPr>
+          <p:cNvPr id="7" name="TextBox 6">
+            <a:extLst>
+              <a:ext uri="{FF2B5EF4-FFF2-40B4-BE49-F238E27FC236}">
+                <a16:creationId xmlns:a16="http://schemas.microsoft.com/office/drawing/2014/main" id="{5F4C7109-D3C9-24D2-7D6D-7A5ACABADFB1}"/>
+              </a:ext>
+            </a:extLst>
+          </p:cNvPr>
+          <p:cNvSpPr txBox="1"/>
+          <p:nvPr/>
+        </p:nvSpPr>
+        <p:spPr>
+          <a:xfrm>
+            <a:off x="421041" y="2801933"/>
+            <a:ext cx="6094520" cy="1754326"/>
+          </a:xfrm>
+          <a:prstGeom prst="rect">
+            <a:avLst/>
+          </a:prstGeom>
+          <a:noFill/>
+        </p:spPr>
+        <p:txBody>
+          <a:bodyPr wrap="square">
+            <a:spAutoFit/>
+          </a:bodyPr>
+          <a:lstStyle/>
+          <a:p>
+            <a:r>
+              <a:rPr lang="en-US" sz="1800" b="1" kern="100" dirty="0">
+                <a:solidFill>
+                  <a:schemeClr val="bg1"/>
+                </a:solidFill>
+                <a:effectLst/>
+                <a:latin typeface="Calibri" panose="020F0502020204030204" pitchFamily="34" charset="0"/>
+                <a:ea typeface="Calibri" panose="020F0502020204030204" pitchFamily="34" charset="0"/>
+                <a:cs typeface="Times New Roman" panose="02020603050405020304" pitchFamily="18" charset="0"/>
+              </a:rPr>
+              <a:t>Aesthetics and Visual Appeal: </a:t>
+            </a:r>
+            <a:r>
+              <a:rPr lang="en-US" sz="1800" kern="100" dirty="0">
+                <a:solidFill>
+                  <a:schemeClr val="bg1"/>
+                </a:solidFill>
+                <a:effectLst/>
+                <a:latin typeface="Calibri" panose="020F0502020204030204" pitchFamily="34" charset="0"/>
+                <a:ea typeface="Calibri" panose="020F0502020204030204" pitchFamily="34" charset="0"/>
+                <a:cs typeface="Times New Roman" panose="02020603050405020304" pitchFamily="18" charset="0"/>
+              </a:rPr>
+              <a:t>The card game interface's visual design, including card aesthetics and smooth animations, addresses the challenge of making the game visually attractive. Aesthetically pleasing interfaces can attract more users and keep them engaged.</a:t>
+            </a:r>
+          </a:p>
+          <a:p>
+            <a:endParaRPr lang="en-US" dirty="0">
+              <a:solidFill>
+                <a:schemeClr val="bg1"/>
+              </a:solidFill>
+            </a:endParaRPr>
+          </a:p>
+        </p:txBody>
+      </p:sp>
+      <p:sp>
+        <p:nvSpPr>
+          <p:cNvPr id="11" name="TextBox 10">
+            <a:extLst>
+              <a:ext uri="{FF2B5EF4-FFF2-40B4-BE49-F238E27FC236}">
+                <a16:creationId xmlns:a16="http://schemas.microsoft.com/office/drawing/2014/main" id="{F7E9DF15-E0C9-9625-D28E-28A7217242DD}"/>
+              </a:ext>
+            </a:extLst>
+          </p:cNvPr>
+          <p:cNvSpPr txBox="1"/>
+          <p:nvPr/>
+        </p:nvSpPr>
+        <p:spPr>
+          <a:xfrm>
+            <a:off x="421041" y="4852853"/>
+            <a:ext cx="6094520" cy="1754326"/>
+          </a:xfrm>
+          <a:prstGeom prst="rect">
+            <a:avLst/>
+          </a:prstGeom>
+          <a:noFill/>
+        </p:spPr>
+        <p:txBody>
+          <a:bodyPr wrap="square">
+            <a:spAutoFit/>
+          </a:bodyPr>
+          <a:lstStyle/>
+          <a:p>
+            <a:r>
+              <a:rPr lang="en-US" sz="1800" b="1" kern="100" dirty="0">
+                <a:solidFill>
+                  <a:schemeClr val="bg1"/>
+                </a:solidFill>
+                <a:effectLst/>
+                <a:latin typeface="Calibri" panose="020F0502020204030204" pitchFamily="34" charset="0"/>
+                <a:ea typeface="Calibri" panose="020F0502020204030204" pitchFamily="34" charset="0"/>
+                <a:cs typeface="Times New Roman" panose="02020603050405020304" pitchFamily="18" charset="0"/>
+              </a:rPr>
+              <a:t>Responsive Interactivity: </a:t>
+            </a:r>
+            <a:r>
+              <a:rPr lang="en-US" sz="1800" kern="100" dirty="0">
+                <a:solidFill>
+                  <a:schemeClr val="bg1"/>
+                </a:solidFill>
+                <a:effectLst/>
+                <a:latin typeface="Calibri" panose="020F0502020204030204" pitchFamily="34" charset="0"/>
+                <a:ea typeface="Calibri" panose="020F0502020204030204" pitchFamily="34" charset="0"/>
+                <a:cs typeface="Times New Roman" panose="02020603050405020304" pitchFamily="18" charset="0"/>
+              </a:rPr>
+              <a:t>Interactive elements, like buttons, allow users to control the game. Addressing this problem involves providing a means for users to initiate actions, such as shuffling the deck or dealing cards, in an intuitive and responsive manner.</a:t>
+            </a:r>
+          </a:p>
+          <a:p>
+            <a:endParaRPr lang="en-US" dirty="0">
+              <a:solidFill>
+                <a:schemeClr val="bg1"/>
+              </a:solidFill>
+            </a:endParaRPr>
+          </a:p>
+        </p:txBody>
+      </p:sp>
     </p:spTree>
     <p:extLst>
       <p:ext uri="{BB962C8B-B14F-4D97-AF65-F5344CB8AC3E}">
-        <p14:creationId xmlns:p14="http://schemas.microsoft.com/office/powerpoint/2010/main" val="2673659483"/>
+        <p14:creationId xmlns:p14="http://schemas.microsoft.com/office/powerpoint/2010/main" val="2037945573"/>
       </p:ext>
     </p:extLst>
   </p:cSld>
@@ -7035,418 +6098,12 @@
           <a:chExt cx="0" cy="0"/>
         </a:xfrm>
       </p:grpSpPr>
-      <p:sp>
-        <p:nvSpPr>
-          <p:cNvPr id="14" name="Rectangle: Rounded Corners 13">
-            <a:extLst>
-              <a:ext uri="{FF2B5EF4-FFF2-40B4-BE49-F238E27FC236}">
-                <a16:creationId xmlns:a16="http://schemas.microsoft.com/office/drawing/2014/main" id="{77D1890A-6E16-AAAF-6008-648E4AC28ABF}"/>
-              </a:ext>
-            </a:extLst>
-          </p:cNvPr>
-          <p:cNvSpPr/>
-          <p:nvPr/>
-        </p:nvSpPr>
-        <p:spPr>
-          <a:xfrm>
-            <a:off x="7859655" y="1869440"/>
-            <a:ext cx="3291840" cy="4161359"/>
-          </a:xfrm>
-          <a:prstGeom prst="roundRect">
-            <a:avLst>
-              <a:gd name="adj" fmla="val 7408"/>
-            </a:avLst>
-          </a:prstGeom>
-          <a:solidFill>
-            <a:srgbClr val="7030A0"/>
-          </a:solidFill>
-        </p:spPr>
-        <p:style>
-          <a:lnRef idx="2">
-            <a:schemeClr val="accent2">
-              <a:shade val="15000"/>
-            </a:schemeClr>
-          </a:lnRef>
-          <a:fillRef idx="1">
-            <a:schemeClr val="accent2"/>
-          </a:fillRef>
-          <a:effectRef idx="0">
-            <a:schemeClr val="accent2"/>
-          </a:effectRef>
-          <a:fontRef idx="minor">
-            <a:schemeClr val="lt1"/>
-          </a:fontRef>
-        </p:style>
-        <p:txBody>
-          <a:bodyPr rtlCol="0" anchor="ctr"/>
-          <a:lstStyle/>
-          <a:p>
-            <a:pPr algn="ctr"/>
-            <a:endParaRPr lang="en-US" dirty="0"/>
-          </a:p>
-        </p:txBody>
-      </p:sp>
-      <p:sp>
-        <p:nvSpPr>
-          <p:cNvPr id="4" name="TextBox 3">
-            <a:extLst>
-              <a:ext uri="{FF2B5EF4-FFF2-40B4-BE49-F238E27FC236}">
-                <a16:creationId xmlns:a16="http://schemas.microsoft.com/office/drawing/2014/main" id="{6BFDDF3E-4345-3889-27E2-ACB385A64ACE}"/>
-              </a:ext>
-            </a:extLst>
-          </p:cNvPr>
-          <p:cNvSpPr txBox="1"/>
-          <p:nvPr/>
-        </p:nvSpPr>
-        <p:spPr>
-          <a:xfrm>
-            <a:off x="421041" y="224117"/>
-            <a:ext cx="6837680" cy="2308324"/>
-          </a:xfrm>
-          <a:prstGeom prst="rect">
-            <a:avLst/>
-          </a:prstGeom>
-          <a:noFill/>
-        </p:spPr>
-        <p:txBody>
-          <a:bodyPr wrap="square" rtlCol="0">
-            <a:spAutoFit/>
-          </a:bodyPr>
-          <a:lstStyle/>
-          <a:p>
-            <a:r>
-              <a:rPr lang="en-US" sz="7200" dirty="0">
-                <a:solidFill>
-                  <a:schemeClr val="bg1"/>
-                </a:solidFill>
-                <a:latin typeface="Aharoni" panose="02010803020104030203" pitchFamily="2" charset="-79"/>
-                <a:cs typeface="Aharoni" panose="02010803020104030203" pitchFamily="2" charset="-79"/>
-              </a:rPr>
-              <a:t>FEATURES</a:t>
-            </a:r>
-          </a:p>
-          <a:p>
-            <a:endParaRPr lang="en-US" sz="7200" dirty="0">
-              <a:solidFill>
-                <a:schemeClr val="bg1"/>
-              </a:solidFill>
-              <a:latin typeface="Aharoni" panose="02010803020104030203" pitchFamily="2" charset="-79"/>
-              <a:cs typeface="Aharoni" panose="02010803020104030203" pitchFamily="2" charset="-79"/>
-            </a:endParaRPr>
-          </a:p>
-        </p:txBody>
-      </p:sp>
-      <p:sp>
-        <p:nvSpPr>
-          <p:cNvPr id="10" name="TextBox 9">
-            <a:extLst>
-              <a:ext uri="{FF2B5EF4-FFF2-40B4-BE49-F238E27FC236}">
-                <a16:creationId xmlns:a16="http://schemas.microsoft.com/office/drawing/2014/main" id="{4DA6D692-952C-E75A-7302-9ECB07FB0727}"/>
-              </a:ext>
-            </a:extLst>
-          </p:cNvPr>
-          <p:cNvSpPr txBox="1"/>
-          <p:nvPr/>
-        </p:nvSpPr>
-        <p:spPr>
-          <a:xfrm>
-            <a:off x="7870633" y="1869440"/>
-            <a:ext cx="3291840" cy="1569660"/>
-          </a:xfrm>
-          <a:prstGeom prst="rect">
-            <a:avLst/>
-          </a:prstGeom>
-          <a:noFill/>
-        </p:spPr>
-        <p:txBody>
-          <a:bodyPr wrap="square" rtlCol="0">
-            <a:spAutoFit/>
-          </a:bodyPr>
-          <a:lstStyle/>
-          <a:p>
-            <a:pPr algn="ctr"/>
-            <a:r>
-              <a:rPr lang="en-US" sz="3200" dirty="0">
-                <a:latin typeface="Aharoni" panose="02010803020104030203" pitchFamily="2" charset="-79"/>
-                <a:cs typeface="Aharoni" panose="02010803020104030203" pitchFamily="2" charset="-79"/>
-              </a:rPr>
-              <a:t>Responsive Design</a:t>
-            </a:r>
-          </a:p>
-          <a:p>
-            <a:pPr algn="ctr"/>
-            <a:endParaRPr lang="en-US" sz="3200" dirty="0">
-              <a:solidFill>
-                <a:sysClr val="windowText" lastClr="000000"/>
-              </a:solidFill>
-              <a:latin typeface="Aharoni" panose="02010803020104030203" pitchFamily="2" charset="-79"/>
-              <a:cs typeface="Aharoni" panose="02010803020104030203" pitchFamily="2" charset="-79"/>
-            </a:endParaRPr>
-          </a:p>
-        </p:txBody>
-      </p:sp>
-      <p:sp>
-        <p:nvSpPr>
-          <p:cNvPr id="3" name="TextBox 2">
-            <a:extLst>
-              <a:ext uri="{FF2B5EF4-FFF2-40B4-BE49-F238E27FC236}">
-                <a16:creationId xmlns:a16="http://schemas.microsoft.com/office/drawing/2014/main" id="{9002B57B-EB45-4A26-3706-84D452A55247}"/>
-              </a:ext>
-            </a:extLst>
-          </p:cNvPr>
-          <p:cNvSpPr txBox="1"/>
-          <p:nvPr/>
-        </p:nvSpPr>
-        <p:spPr>
-          <a:xfrm>
-            <a:off x="278804" y="3183307"/>
-            <a:ext cx="2997200" cy="2848408"/>
-          </a:xfrm>
-          <a:prstGeom prst="rect">
-            <a:avLst/>
-          </a:prstGeom>
-          <a:noFill/>
-        </p:spPr>
-        <p:txBody>
-          <a:bodyPr wrap="square" rtlCol="0">
-            <a:spAutoFit/>
-          </a:bodyPr>
-          <a:lstStyle/>
-          <a:p>
-            <a:pPr marL="171450" indent="-171450">
-              <a:lnSpc>
-                <a:spcPct val="107000"/>
-              </a:lnSpc>
-              <a:buFont typeface="Arial" panose="020B0604020202020204" pitchFamily="34" charset="0"/>
-              <a:buChar char="•"/>
-            </a:pPr>
-            <a:r>
-              <a:rPr lang="en-US" sz="1200" b="1" kern="100" dirty="0">
-                <a:solidFill>
-                  <a:schemeClr val="bg1"/>
-                </a:solidFill>
-                <a:effectLst/>
-                <a:latin typeface="Calibri" panose="020F0502020204030204" pitchFamily="34" charset="0"/>
-                <a:ea typeface="Calibri" panose="020F0502020204030204" pitchFamily="34" charset="0"/>
-                <a:cs typeface="Times New Roman" panose="02020603050405020304" pitchFamily="18" charset="0"/>
-              </a:rPr>
-              <a:t>HTML</a:t>
-            </a:r>
-            <a:r>
-              <a:rPr lang="en-US" sz="1200" kern="100" dirty="0">
-                <a:solidFill>
-                  <a:schemeClr val="bg1"/>
-                </a:solidFill>
-                <a:effectLst/>
-                <a:latin typeface="Calibri" panose="020F0502020204030204" pitchFamily="34" charset="0"/>
-                <a:ea typeface="Calibri" panose="020F0502020204030204" pitchFamily="34" charset="0"/>
-                <a:cs typeface="Times New Roman" panose="02020603050405020304" pitchFamily="18" charset="0"/>
-              </a:rPr>
-              <a:t>: Create a card container structure using &lt;div&gt; elements to represent individual cards. Use nested &lt;div&gt; elements for the card's front and back, with appropriate classes or data attributes to identify each card's value and suit.</a:t>
-            </a:r>
-          </a:p>
-          <a:p>
-            <a:pPr marL="171450" indent="-171450">
-              <a:lnSpc>
-                <a:spcPct val="107000"/>
-              </a:lnSpc>
-              <a:buFont typeface="Arial" panose="020B0604020202020204" pitchFamily="34" charset="0"/>
-              <a:buChar char="•"/>
-            </a:pPr>
-            <a:r>
-              <a:rPr lang="en-US" sz="1200" b="1" kern="100" dirty="0">
-                <a:solidFill>
-                  <a:schemeClr val="bg1"/>
-                </a:solidFill>
-                <a:effectLst/>
-                <a:latin typeface="Calibri" panose="020F0502020204030204" pitchFamily="34" charset="0"/>
-                <a:ea typeface="Calibri" panose="020F0502020204030204" pitchFamily="34" charset="0"/>
-                <a:cs typeface="Times New Roman" panose="02020603050405020304" pitchFamily="18" charset="0"/>
-              </a:rPr>
-              <a:t>CSS</a:t>
-            </a:r>
-            <a:r>
-              <a:rPr lang="en-US" sz="1200" kern="100" dirty="0">
-                <a:solidFill>
-                  <a:schemeClr val="bg1"/>
-                </a:solidFill>
-                <a:effectLst/>
-                <a:latin typeface="Calibri" panose="020F0502020204030204" pitchFamily="34" charset="0"/>
-                <a:ea typeface="Calibri" panose="020F0502020204030204" pitchFamily="34" charset="0"/>
-                <a:cs typeface="Times New Roman" panose="02020603050405020304" pitchFamily="18" charset="0"/>
-              </a:rPr>
-              <a:t>: Apply CSS styles to these card elements, including card dimensions, borders, shadows, and background colors to simulate a realistic card appearance. Implement smooth animations, like transitions or keyframes, to create effects such as flipping a card when it's dealt or shuffling the deck</a:t>
-            </a:r>
-            <a:r>
-              <a:rPr lang="en-US" sz="1200" b="1" dirty="0">
-                <a:solidFill>
-                  <a:schemeClr val="bg1"/>
-                </a:solidFill>
-                <a:effectLst/>
-                <a:latin typeface="Bahnschrift SemiBold" panose="020B0502040204020203" pitchFamily="34" charset="0"/>
-                <a:ea typeface="Calibri" panose="020F0502020204030204" pitchFamily="34" charset="0"/>
-                <a:cs typeface="Times New Roman" panose="02020603050405020304" pitchFamily="18" charset="0"/>
-              </a:rPr>
-              <a:t> </a:t>
-            </a:r>
-          </a:p>
-        </p:txBody>
-      </p:sp>
-      <p:sp>
-        <p:nvSpPr>
-          <p:cNvPr id="6" name="TextBox 5">
-            <a:extLst>
-              <a:ext uri="{FF2B5EF4-FFF2-40B4-BE49-F238E27FC236}">
-                <a16:creationId xmlns:a16="http://schemas.microsoft.com/office/drawing/2014/main" id="{49B663DF-63D9-9A84-6288-8D6428D4BC1D}"/>
-              </a:ext>
-            </a:extLst>
-          </p:cNvPr>
-          <p:cNvSpPr txBox="1"/>
-          <p:nvPr/>
-        </p:nvSpPr>
-        <p:spPr>
-          <a:xfrm>
-            <a:off x="131484" y="2074202"/>
-            <a:ext cx="3291840" cy="1077218"/>
-          </a:xfrm>
-          <a:prstGeom prst="rect">
-            <a:avLst/>
-          </a:prstGeom>
-          <a:noFill/>
-        </p:spPr>
-        <p:txBody>
-          <a:bodyPr wrap="square" rtlCol="0">
-            <a:spAutoFit/>
-          </a:bodyPr>
-          <a:lstStyle/>
-          <a:p>
-            <a:pPr algn="ctr"/>
-            <a:r>
-              <a:rPr lang="en-US" sz="3200" dirty="0">
-                <a:solidFill>
-                  <a:schemeClr val="bg1"/>
-                </a:solidFill>
-                <a:latin typeface="Aharoni" panose="02010803020104030203" pitchFamily="2" charset="-79"/>
-                <a:cs typeface="Aharoni" panose="02010803020104030203" pitchFamily="2" charset="-79"/>
-              </a:rPr>
-              <a:t>Card Layout and Animation</a:t>
-            </a:r>
-          </a:p>
-        </p:txBody>
-      </p:sp>
-      <p:sp>
-        <p:nvSpPr>
-          <p:cNvPr id="7" name="TextBox 6">
-            <a:extLst>
-              <a:ext uri="{FF2B5EF4-FFF2-40B4-BE49-F238E27FC236}">
-                <a16:creationId xmlns:a16="http://schemas.microsoft.com/office/drawing/2014/main" id="{FC4C7400-920D-4DFC-DA3C-DDC4EFB888F1}"/>
-              </a:ext>
-            </a:extLst>
-          </p:cNvPr>
-          <p:cNvSpPr txBox="1"/>
-          <p:nvPr/>
-        </p:nvSpPr>
-        <p:spPr>
-          <a:xfrm>
-            <a:off x="4074980" y="2093858"/>
-            <a:ext cx="3291840" cy="1077218"/>
-          </a:xfrm>
-          <a:prstGeom prst="rect">
-            <a:avLst/>
-          </a:prstGeom>
-          <a:noFill/>
-        </p:spPr>
-        <p:txBody>
-          <a:bodyPr wrap="square" rtlCol="0">
-            <a:spAutoFit/>
-          </a:bodyPr>
-          <a:lstStyle/>
-          <a:p>
-            <a:r>
-              <a:rPr lang="en-US" sz="3200" dirty="0">
-                <a:solidFill>
-                  <a:schemeClr val="bg1"/>
-                </a:solidFill>
-                <a:latin typeface="Aharoni" panose="02010803020104030203" pitchFamily="2" charset="-79"/>
-                <a:cs typeface="Aharoni" panose="02010803020104030203" pitchFamily="2" charset="-79"/>
-              </a:rPr>
-              <a:t>User Interaction</a:t>
-            </a:r>
-          </a:p>
-          <a:p>
-            <a:endParaRPr lang="en-US" sz="3200" dirty="0">
-              <a:solidFill>
-                <a:schemeClr val="bg1"/>
-              </a:solidFill>
-              <a:latin typeface="Aharoni" panose="02010803020104030203" pitchFamily="2" charset="-79"/>
-              <a:cs typeface="Aharoni" panose="02010803020104030203" pitchFamily="2" charset="-79"/>
-            </a:endParaRPr>
-          </a:p>
-        </p:txBody>
-      </p:sp>
-      <p:sp>
-        <p:nvSpPr>
-          <p:cNvPr id="12" name="TextBox 11">
-            <a:extLst>
-              <a:ext uri="{FF2B5EF4-FFF2-40B4-BE49-F238E27FC236}">
-                <a16:creationId xmlns:a16="http://schemas.microsoft.com/office/drawing/2014/main" id="{23618A7F-8599-67D1-83F1-3B227A0CC98A}"/>
-              </a:ext>
-            </a:extLst>
-          </p:cNvPr>
-          <p:cNvSpPr txBox="1"/>
-          <p:nvPr/>
-        </p:nvSpPr>
-        <p:spPr>
-          <a:xfrm>
-            <a:off x="7866449" y="3183307"/>
-            <a:ext cx="3138846" cy="2492990"/>
-          </a:xfrm>
-          <a:prstGeom prst="rect">
-            <a:avLst/>
-          </a:prstGeom>
-          <a:noFill/>
-        </p:spPr>
-        <p:txBody>
-          <a:bodyPr wrap="square" rtlCol="0">
-            <a:spAutoFit/>
-          </a:bodyPr>
-          <a:lstStyle/>
-          <a:p>
-            <a:pPr marL="285750" indent="-285750">
-              <a:buFont typeface="Arial" panose="020B0604020202020204" pitchFamily="34" charset="0"/>
-              <a:buChar char="•"/>
-            </a:pPr>
-            <a:r>
-              <a:rPr lang="en-US" sz="1200" dirty="0"/>
-              <a:t>HTML: Structure the overall game interface using HTML elements that allow for responsive design, such as using a flexbox or grid layout to arrange cards and buttons. Utilize media queries to adapt the layout for various screen sizes and orientations.</a:t>
-            </a:r>
-          </a:p>
-          <a:p>
-            <a:pPr marL="285750" indent="-285750">
-              <a:buFont typeface="Arial" panose="020B0604020202020204" pitchFamily="34" charset="0"/>
-              <a:buChar char="•"/>
-            </a:pPr>
-            <a:r>
-              <a:rPr lang="en-US" sz="1200" kern="100" dirty="0">
-                <a:effectLst/>
-                <a:latin typeface="Calibri" panose="020F0502020204030204" pitchFamily="34" charset="0"/>
-                <a:ea typeface="Calibri" panose="020F0502020204030204" pitchFamily="34" charset="0"/>
-                <a:cs typeface="Times New Roman" panose="02020603050405020304" pitchFamily="18" charset="0"/>
-              </a:rPr>
-              <a:t>CSS: Implement responsive CSS rules to ensure that the card game interface adapts gracefully to different screen sizes and devices. This may involve adjusting the card size, spacing, or button placement as the viewport size changes</a:t>
-            </a:r>
-            <a:endParaRPr lang="en-US" sz="1200" dirty="0">
-              <a:latin typeface="Bahnschrift SemiBold" panose="020B0502040204020203" pitchFamily="34" charset="0"/>
-            </a:endParaRPr>
-          </a:p>
-        </p:txBody>
-      </p:sp>
       <p:pic>
         <p:nvPicPr>
-          <p:cNvPr id="2" name="Picture 1">
-            <a:extLst>
-              <a:ext uri="{FF2B5EF4-FFF2-40B4-BE49-F238E27FC236}">
-                <a16:creationId xmlns:a16="http://schemas.microsoft.com/office/drawing/2014/main" id="{FB002739-ABB2-35F2-8A8B-8FB88B030390}"/>
+          <p:cNvPr id="12" name="Picture 11">
+            <a:extLst>
+              <a:ext uri="{FF2B5EF4-FFF2-40B4-BE49-F238E27FC236}">
+                <a16:creationId xmlns:a16="http://schemas.microsoft.com/office/drawing/2014/main" id="{2604E326-9B7B-2DB7-C59D-D1E62B30968E}"/>
               </a:ext>
             </a:extLst>
           </p:cNvPr>
@@ -7463,18 +6120,265 @@
         </p:blipFill>
         <p:spPr>
           <a:xfrm>
-            <a:off x="3995427" y="3171076"/>
-            <a:ext cx="3292125" cy="1938696"/>
+            <a:off x="407378" y="2801933"/>
+            <a:ext cx="6011177" cy="1572904"/>
           </a:xfrm>
           <a:prstGeom prst="rect">
             <a:avLst/>
           </a:prstGeom>
         </p:spPr>
       </p:pic>
+      <p:sp>
+        <p:nvSpPr>
+          <p:cNvPr id="3" name="TextBox 2">
+            <a:extLst>
+              <a:ext uri="{FF2B5EF4-FFF2-40B4-BE49-F238E27FC236}">
+                <a16:creationId xmlns:a16="http://schemas.microsoft.com/office/drawing/2014/main" id="{02101A27-4426-A3CD-6550-ACFA72D4408C}"/>
+              </a:ext>
+            </a:extLst>
+          </p:cNvPr>
+          <p:cNvSpPr txBox="1"/>
+          <p:nvPr/>
+        </p:nvSpPr>
+        <p:spPr>
+          <a:xfrm>
+            <a:off x="421041" y="224117"/>
+            <a:ext cx="5997514" cy="1692771"/>
+          </a:xfrm>
+          <a:prstGeom prst="rect">
+            <a:avLst/>
+          </a:prstGeom>
+          <a:noFill/>
+        </p:spPr>
+        <p:txBody>
+          <a:bodyPr wrap="square" rtlCol="0">
+            <a:spAutoFit/>
+          </a:bodyPr>
+          <a:lstStyle/>
+          <a:p>
+            <a:r>
+              <a:rPr lang="en-US" sz="3200" dirty="0">
+                <a:solidFill>
+                  <a:schemeClr val="bg1"/>
+                </a:solidFill>
+                <a:latin typeface="Aharoni" panose="02010803020104030203" pitchFamily="2" charset="-79"/>
+                <a:cs typeface="Aharoni" panose="02010803020104030203" pitchFamily="2" charset="-79"/>
+              </a:rPr>
+              <a:t>The Problem addressed:</a:t>
+            </a:r>
+          </a:p>
+          <a:p>
+            <a:endParaRPr lang="en-US" sz="7200" dirty="0">
+              <a:solidFill>
+                <a:schemeClr val="bg1"/>
+              </a:solidFill>
+              <a:latin typeface="Aharoni" panose="02010803020104030203" pitchFamily="2" charset="-79"/>
+              <a:cs typeface="Aharoni" panose="02010803020104030203" pitchFamily="2" charset="-79"/>
+            </a:endParaRPr>
+          </a:p>
+        </p:txBody>
+      </p:sp>
+      <p:sp>
+        <p:nvSpPr>
+          <p:cNvPr id="5" name="TextBox 4">
+            <a:extLst>
+              <a:ext uri="{FF2B5EF4-FFF2-40B4-BE49-F238E27FC236}">
+                <a16:creationId xmlns:a16="http://schemas.microsoft.com/office/drawing/2014/main" id="{CDEF5C5A-3077-D97D-72E8-80EE6231601A}"/>
+              </a:ext>
+            </a:extLst>
+          </p:cNvPr>
+          <p:cNvSpPr txBox="1"/>
+          <p:nvPr/>
+        </p:nvSpPr>
+        <p:spPr>
+          <a:xfrm>
+            <a:off x="393033" y="899559"/>
+            <a:ext cx="6094520" cy="1959960"/>
+          </a:xfrm>
+          <a:prstGeom prst="rect">
+            <a:avLst/>
+          </a:prstGeom>
+          <a:noFill/>
+        </p:spPr>
+        <p:txBody>
+          <a:bodyPr wrap="square">
+            <a:spAutoFit/>
+          </a:bodyPr>
+          <a:lstStyle/>
+          <a:p>
+            <a:pPr>
+              <a:lnSpc>
+                <a:spcPct val="107000"/>
+              </a:lnSpc>
+              <a:spcAft>
+                <a:spcPts val="800"/>
+              </a:spcAft>
+            </a:pPr>
+            <a:r>
+              <a:rPr lang="en-US" sz="1800" kern="100" dirty="0">
+                <a:solidFill>
+                  <a:schemeClr val="bg1"/>
+                </a:solidFill>
+                <a:effectLst/>
+                <a:latin typeface="Calibri" panose="020F0502020204030204" pitchFamily="34" charset="0"/>
+                <a:ea typeface="Calibri" panose="020F0502020204030204" pitchFamily="34" charset="0"/>
+                <a:cs typeface="Times New Roman" panose="02020603050405020304" pitchFamily="18" charset="0"/>
+              </a:rPr>
+              <a:t>Realism and Immersion: Creating a realistic card layout with animations for shuffling and dealing cards helps users feel more immersed in the game. It addresses the challenge of making a digital card game feel like a real-world experience, enhancing player enjoyment and engagement.</a:t>
+            </a:r>
+          </a:p>
+          <a:p>
+            <a:pPr marL="0" marR="0">
+              <a:lnSpc>
+                <a:spcPct val="107000"/>
+              </a:lnSpc>
+              <a:spcBef>
+                <a:spcPts val="0"/>
+              </a:spcBef>
+              <a:spcAft>
+                <a:spcPts val="800"/>
+              </a:spcAft>
+            </a:pPr>
+            <a:endParaRPr lang="en-US" sz="1800" kern="100" dirty="0">
+              <a:solidFill>
+                <a:schemeClr val="bg1"/>
+              </a:solidFill>
+              <a:effectLst/>
+              <a:latin typeface="Calibri" panose="020F0502020204030204" pitchFamily="34" charset="0"/>
+              <a:ea typeface="Calibri" panose="020F0502020204030204" pitchFamily="34" charset="0"/>
+              <a:cs typeface="Times New Roman" panose="02020603050405020304" pitchFamily="18" charset="0"/>
+            </a:endParaRPr>
+          </a:p>
+        </p:txBody>
+      </p:sp>
+      <p:sp>
+        <p:nvSpPr>
+          <p:cNvPr id="7" name="TextBox 6">
+            <a:extLst>
+              <a:ext uri="{FF2B5EF4-FFF2-40B4-BE49-F238E27FC236}">
+                <a16:creationId xmlns:a16="http://schemas.microsoft.com/office/drawing/2014/main" id="{5F4C7109-D3C9-24D2-7D6D-7A5ACABADFB1}"/>
+              </a:ext>
+            </a:extLst>
+          </p:cNvPr>
+          <p:cNvSpPr txBox="1"/>
+          <p:nvPr/>
+        </p:nvSpPr>
+        <p:spPr>
+          <a:xfrm>
+            <a:off x="462030" y="2859519"/>
+            <a:ext cx="6094520" cy="1754326"/>
+          </a:xfrm>
+          <a:prstGeom prst="rect">
+            <a:avLst/>
+          </a:prstGeom>
+          <a:noFill/>
+        </p:spPr>
+        <p:txBody>
+          <a:bodyPr wrap="square">
+            <a:spAutoFit/>
+          </a:bodyPr>
+          <a:lstStyle/>
+          <a:p>
+            <a:r>
+              <a:rPr lang="en-US" sz="1800" b="1" kern="100" dirty="0">
+                <a:solidFill>
+                  <a:schemeClr val="bg1"/>
+                </a:solidFill>
+                <a:effectLst/>
+                <a:latin typeface="Calibri" panose="020F0502020204030204" pitchFamily="34" charset="0"/>
+                <a:ea typeface="Calibri" panose="020F0502020204030204" pitchFamily="34" charset="0"/>
+                <a:cs typeface="Times New Roman" panose="02020603050405020304" pitchFamily="18" charset="0"/>
+              </a:rPr>
+              <a:t>Aesthetics and Visual Appeal: </a:t>
+            </a:r>
+            <a:r>
+              <a:rPr lang="en-US" sz="1800" kern="100" dirty="0">
+                <a:solidFill>
+                  <a:schemeClr val="bg1"/>
+                </a:solidFill>
+                <a:effectLst/>
+                <a:latin typeface="Calibri" panose="020F0502020204030204" pitchFamily="34" charset="0"/>
+                <a:ea typeface="Calibri" panose="020F0502020204030204" pitchFamily="34" charset="0"/>
+                <a:cs typeface="Times New Roman" panose="02020603050405020304" pitchFamily="18" charset="0"/>
+              </a:rPr>
+              <a:t>The card game interface's visual design, including card aesthetics and smooth animations, addresses the challenge of making the game visually attractive. Aesthetically pleasing interfaces can attract more users and keep them engaged.</a:t>
+            </a:r>
+          </a:p>
+          <a:p>
+            <a:endParaRPr lang="en-US" dirty="0">
+              <a:solidFill>
+                <a:schemeClr val="bg1"/>
+              </a:solidFill>
+            </a:endParaRPr>
+          </a:p>
+        </p:txBody>
+      </p:sp>
+      <p:sp>
+        <p:nvSpPr>
+          <p:cNvPr id="11" name="TextBox 10">
+            <a:extLst>
+              <a:ext uri="{FF2B5EF4-FFF2-40B4-BE49-F238E27FC236}">
+                <a16:creationId xmlns:a16="http://schemas.microsoft.com/office/drawing/2014/main" id="{F7E9DF15-E0C9-9625-D28E-28A7217242DD}"/>
+              </a:ext>
+            </a:extLst>
+          </p:cNvPr>
+          <p:cNvSpPr txBox="1"/>
+          <p:nvPr/>
+        </p:nvSpPr>
+        <p:spPr>
+          <a:xfrm>
+            <a:off x="421041" y="4852853"/>
+            <a:ext cx="6094520" cy="1754326"/>
+          </a:xfrm>
+          <a:prstGeom prst="rect">
+            <a:avLst/>
+          </a:prstGeom>
+          <a:noFill/>
+        </p:spPr>
+        <p:txBody>
+          <a:bodyPr wrap="square">
+            <a:spAutoFit/>
+          </a:bodyPr>
+          <a:lstStyle/>
+          <a:p>
+            <a:r>
+              <a:rPr lang="en-US" sz="1800" b="1" kern="100" dirty="0">
+                <a:solidFill>
+                  <a:schemeClr val="bg1"/>
+                </a:solidFill>
+                <a:effectLst/>
+                <a:latin typeface="Calibri" panose="020F0502020204030204" pitchFamily="34" charset="0"/>
+                <a:ea typeface="Calibri" panose="020F0502020204030204" pitchFamily="34" charset="0"/>
+                <a:cs typeface="Times New Roman" panose="02020603050405020304" pitchFamily="18" charset="0"/>
+              </a:rPr>
+              <a:t>Responsive Interactivity: </a:t>
+            </a:r>
+            <a:r>
+              <a:rPr lang="en-US" sz="1800" kern="100" dirty="0">
+                <a:solidFill>
+                  <a:schemeClr val="bg1"/>
+                </a:solidFill>
+                <a:effectLst/>
+                <a:latin typeface="Calibri" panose="020F0502020204030204" pitchFamily="34" charset="0"/>
+                <a:ea typeface="Calibri" panose="020F0502020204030204" pitchFamily="34" charset="0"/>
+                <a:cs typeface="Times New Roman" panose="02020603050405020304" pitchFamily="18" charset="0"/>
+              </a:rPr>
+              <a:t>Interactive elements, like buttons, allow users to control the game. Addressing this problem involves providing a means for users to initiate actions, such as shuffling the deck or dealing cards, in an intuitive and responsive manner.</a:t>
+            </a:r>
+          </a:p>
+          <a:p>
+            <a:endParaRPr lang="en-US" dirty="0">
+              <a:solidFill>
+                <a:schemeClr val="bg1"/>
+              </a:solidFill>
+            </a:endParaRPr>
+          </a:p>
+        </p:txBody>
+      </p:sp>
     </p:spTree>
     <p:extLst>
       <p:ext uri="{BB962C8B-B14F-4D97-AF65-F5344CB8AC3E}">
-        <p14:creationId xmlns:p14="http://schemas.microsoft.com/office/powerpoint/2010/main" val="3578239621"/>
+        <p14:creationId xmlns:p14="http://schemas.microsoft.com/office/powerpoint/2010/main" val="2149539071"/>
       </p:ext>
     </p:extLst>
   </p:cSld>
@@ -7530,6 +6434,3583 @@
 </file>
 
 <file path=ppt/slides/slide20.xml><?xml version="1.0" encoding="utf-8"?>
+<p:sld xmlns:a="http://schemas.openxmlformats.org/drawingml/2006/main" xmlns:r="http://schemas.openxmlformats.org/officeDocument/2006/relationships" xmlns:p="http://schemas.openxmlformats.org/presentationml/2006/main">
+  <p:cSld>
+    <p:bg>
+      <p:bgPr>
+        <a:solidFill>
+          <a:schemeClr val="tx1"/>
+        </a:solidFill>
+        <a:effectLst/>
+      </p:bgPr>
+    </p:bg>
+    <p:spTree>
+      <p:nvGrpSpPr>
+        <p:cNvPr id="1" name=""/>
+        <p:cNvGrpSpPr/>
+        <p:nvPr/>
+      </p:nvGrpSpPr>
+      <p:grpSpPr>
+        <a:xfrm>
+          <a:off x="0" y="0"/>
+          <a:ext cx="0" cy="0"/>
+          <a:chOff x="0" y="0"/>
+          <a:chExt cx="0" cy="0"/>
+        </a:xfrm>
+      </p:grpSpPr>
+      <p:pic>
+        <p:nvPicPr>
+          <p:cNvPr id="12" name="Picture 11">
+            <a:extLst>
+              <a:ext uri="{FF2B5EF4-FFF2-40B4-BE49-F238E27FC236}">
+                <a16:creationId xmlns:a16="http://schemas.microsoft.com/office/drawing/2014/main" id="{2604E326-9B7B-2DB7-C59D-D1E62B30968E}"/>
+              </a:ext>
+            </a:extLst>
+          </p:cNvPr>
+          <p:cNvPicPr>
+            <a:picLocks noChangeAspect="1"/>
+          </p:cNvPicPr>
+          <p:nvPr/>
+        </p:nvPicPr>
+        <p:blipFill>
+          <a:blip r:embed="rId2"/>
+          <a:stretch>
+            <a:fillRect/>
+          </a:stretch>
+        </p:blipFill>
+        <p:spPr>
+          <a:xfrm>
+            <a:off x="407378" y="4852853"/>
+            <a:ext cx="6011177" cy="1572904"/>
+          </a:xfrm>
+          <a:prstGeom prst="rect">
+            <a:avLst/>
+          </a:prstGeom>
+        </p:spPr>
+      </p:pic>
+      <p:sp>
+        <p:nvSpPr>
+          <p:cNvPr id="3" name="TextBox 2">
+            <a:extLst>
+              <a:ext uri="{FF2B5EF4-FFF2-40B4-BE49-F238E27FC236}">
+                <a16:creationId xmlns:a16="http://schemas.microsoft.com/office/drawing/2014/main" id="{02101A27-4426-A3CD-6550-ACFA72D4408C}"/>
+              </a:ext>
+            </a:extLst>
+          </p:cNvPr>
+          <p:cNvSpPr txBox="1"/>
+          <p:nvPr/>
+        </p:nvSpPr>
+        <p:spPr>
+          <a:xfrm>
+            <a:off x="421041" y="224117"/>
+            <a:ext cx="5997514" cy="1692771"/>
+          </a:xfrm>
+          <a:prstGeom prst="rect">
+            <a:avLst/>
+          </a:prstGeom>
+          <a:noFill/>
+        </p:spPr>
+        <p:txBody>
+          <a:bodyPr wrap="square" rtlCol="0">
+            <a:spAutoFit/>
+          </a:bodyPr>
+          <a:lstStyle/>
+          <a:p>
+            <a:r>
+              <a:rPr lang="en-US" sz="3200" dirty="0">
+                <a:solidFill>
+                  <a:schemeClr val="bg1"/>
+                </a:solidFill>
+                <a:latin typeface="Aharoni" panose="02010803020104030203" pitchFamily="2" charset="-79"/>
+                <a:cs typeface="Aharoni" panose="02010803020104030203" pitchFamily="2" charset="-79"/>
+              </a:rPr>
+              <a:t>The Problem addressed:</a:t>
+            </a:r>
+          </a:p>
+          <a:p>
+            <a:endParaRPr lang="en-US" sz="7200" dirty="0">
+              <a:solidFill>
+                <a:schemeClr val="bg1"/>
+              </a:solidFill>
+              <a:latin typeface="Aharoni" panose="02010803020104030203" pitchFamily="2" charset="-79"/>
+              <a:cs typeface="Aharoni" panose="02010803020104030203" pitchFamily="2" charset="-79"/>
+            </a:endParaRPr>
+          </a:p>
+        </p:txBody>
+      </p:sp>
+      <p:sp>
+        <p:nvSpPr>
+          <p:cNvPr id="5" name="TextBox 4">
+            <a:extLst>
+              <a:ext uri="{FF2B5EF4-FFF2-40B4-BE49-F238E27FC236}">
+                <a16:creationId xmlns:a16="http://schemas.microsoft.com/office/drawing/2014/main" id="{CDEF5C5A-3077-D97D-72E8-80EE6231601A}"/>
+              </a:ext>
+            </a:extLst>
+          </p:cNvPr>
+          <p:cNvSpPr txBox="1"/>
+          <p:nvPr/>
+        </p:nvSpPr>
+        <p:spPr>
+          <a:xfrm>
+            <a:off x="421041" y="1027619"/>
+            <a:ext cx="6094520" cy="1959960"/>
+          </a:xfrm>
+          <a:prstGeom prst="rect">
+            <a:avLst/>
+          </a:prstGeom>
+          <a:noFill/>
+        </p:spPr>
+        <p:txBody>
+          <a:bodyPr wrap="square">
+            <a:spAutoFit/>
+          </a:bodyPr>
+          <a:lstStyle/>
+          <a:p>
+            <a:pPr>
+              <a:lnSpc>
+                <a:spcPct val="107000"/>
+              </a:lnSpc>
+              <a:spcAft>
+                <a:spcPts val="800"/>
+              </a:spcAft>
+            </a:pPr>
+            <a:r>
+              <a:rPr lang="en-US" sz="1800" kern="100" dirty="0">
+                <a:solidFill>
+                  <a:schemeClr val="bg1"/>
+                </a:solidFill>
+                <a:effectLst/>
+                <a:latin typeface="Calibri" panose="020F0502020204030204" pitchFamily="34" charset="0"/>
+                <a:ea typeface="Calibri" panose="020F0502020204030204" pitchFamily="34" charset="0"/>
+                <a:cs typeface="Times New Roman" panose="02020603050405020304" pitchFamily="18" charset="0"/>
+              </a:rPr>
+              <a:t>Realism and Immersion: Creating a realistic card layout with animations for shuffling and dealing cards helps users feel more immersed in the game. It addresses the challenge of making a digital card game feel like a real-world experience, enhancing player enjoyment and engagement.</a:t>
+            </a:r>
+          </a:p>
+          <a:p>
+            <a:pPr marL="0" marR="0">
+              <a:lnSpc>
+                <a:spcPct val="107000"/>
+              </a:lnSpc>
+              <a:spcBef>
+                <a:spcPts val="0"/>
+              </a:spcBef>
+              <a:spcAft>
+                <a:spcPts val="800"/>
+              </a:spcAft>
+            </a:pPr>
+            <a:endParaRPr lang="en-US" sz="1800" kern="100" dirty="0">
+              <a:solidFill>
+                <a:schemeClr val="bg1"/>
+              </a:solidFill>
+              <a:effectLst/>
+              <a:latin typeface="Calibri" panose="020F0502020204030204" pitchFamily="34" charset="0"/>
+              <a:ea typeface="Calibri" panose="020F0502020204030204" pitchFamily="34" charset="0"/>
+              <a:cs typeface="Times New Roman" panose="02020603050405020304" pitchFamily="18" charset="0"/>
+            </a:endParaRPr>
+          </a:p>
+        </p:txBody>
+      </p:sp>
+      <p:sp>
+        <p:nvSpPr>
+          <p:cNvPr id="7" name="TextBox 6">
+            <a:extLst>
+              <a:ext uri="{FF2B5EF4-FFF2-40B4-BE49-F238E27FC236}">
+                <a16:creationId xmlns:a16="http://schemas.microsoft.com/office/drawing/2014/main" id="{5F4C7109-D3C9-24D2-7D6D-7A5ACABADFB1}"/>
+              </a:ext>
+            </a:extLst>
+          </p:cNvPr>
+          <p:cNvSpPr txBox="1"/>
+          <p:nvPr/>
+        </p:nvSpPr>
+        <p:spPr>
+          <a:xfrm>
+            <a:off x="421041" y="2801933"/>
+            <a:ext cx="6094520" cy="1754326"/>
+          </a:xfrm>
+          <a:prstGeom prst="rect">
+            <a:avLst/>
+          </a:prstGeom>
+          <a:noFill/>
+        </p:spPr>
+        <p:txBody>
+          <a:bodyPr wrap="square">
+            <a:spAutoFit/>
+          </a:bodyPr>
+          <a:lstStyle/>
+          <a:p>
+            <a:r>
+              <a:rPr lang="en-US" sz="1800" b="1" kern="100" dirty="0">
+                <a:solidFill>
+                  <a:schemeClr val="bg1"/>
+                </a:solidFill>
+                <a:effectLst/>
+                <a:latin typeface="Calibri" panose="020F0502020204030204" pitchFamily="34" charset="0"/>
+                <a:ea typeface="Calibri" panose="020F0502020204030204" pitchFamily="34" charset="0"/>
+                <a:cs typeface="Times New Roman" panose="02020603050405020304" pitchFamily="18" charset="0"/>
+              </a:rPr>
+              <a:t>Aesthetics and Visual Appeal: </a:t>
+            </a:r>
+            <a:r>
+              <a:rPr lang="en-US" sz="1800" kern="100" dirty="0">
+                <a:solidFill>
+                  <a:schemeClr val="bg1"/>
+                </a:solidFill>
+                <a:effectLst/>
+                <a:latin typeface="Calibri" panose="020F0502020204030204" pitchFamily="34" charset="0"/>
+                <a:ea typeface="Calibri" panose="020F0502020204030204" pitchFamily="34" charset="0"/>
+                <a:cs typeface="Times New Roman" panose="02020603050405020304" pitchFamily="18" charset="0"/>
+              </a:rPr>
+              <a:t>The card game interface's visual design, including card aesthetics and smooth animations, addresses the challenge of making the game visually attractive. Aesthetically pleasing interfaces can attract more users and keep them engaged.</a:t>
+            </a:r>
+          </a:p>
+          <a:p>
+            <a:endParaRPr lang="en-US" dirty="0">
+              <a:solidFill>
+                <a:schemeClr val="bg1"/>
+              </a:solidFill>
+            </a:endParaRPr>
+          </a:p>
+        </p:txBody>
+      </p:sp>
+      <p:sp>
+        <p:nvSpPr>
+          <p:cNvPr id="11" name="TextBox 10">
+            <a:extLst>
+              <a:ext uri="{FF2B5EF4-FFF2-40B4-BE49-F238E27FC236}">
+                <a16:creationId xmlns:a16="http://schemas.microsoft.com/office/drawing/2014/main" id="{F7E9DF15-E0C9-9625-D28E-28A7217242DD}"/>
+              </a:ext>
+            </a:extLst>
+          </p:cNvPr>
+          <p:cNvSpPr txBox="1"/>
+          <p:nvPr/>
+        </p:nvSpPr>
+        <p:spPr>
+          <a:xfrm>
+            <a:off x="421041" y="4852853"/>
+            <a:ext cx="6094520" cy="1754326"/>
+          </a:xfrm>
+          <a:prstGeom prst="rect">
+            <a:avLst/>
+          </a:prstGeom>
+          <a:noFill/>
+        </p:spPr>
+        <p:txBody>
+          <a:bodyPr wrap="square">
+            <a:spAutoFit/>
+          </a:bodyPr>
+          <a:lstStyle/>
+          <a:p>
+            <a:r>
+              <a:rPr lang="en-US" sz="1800" b="1" kern="100" dirty="0">
+                <a:solidFill>
+                  <a:schemeClr val="bg1"/>
+                </a:solidFill>
+                <a:effectLst/>
+                <a:latin typeface="Calibri" panose="020F0502020204030204" pitchFamily="34" charset="0"/>
+                <a:ea typeface="Calibri" panose="020F0502020204030204" pitchFamily="34" charset="0"/>
+                <a:cs typeface="Times New Roman" panose="02020603050405020304" pitchFamily="18" charset="0"/>
+              </a:rPr>
+              <a:t>Responsive Interactivity: </a:t>
+            </a:r>
+            <a:r>
+              <a:rPr lang="en-US" sz="1800" kern="100" dirty="0">
+                <a:solidFill>
+                  <a:schemeClr val="bg1"/>
+                </a:solidFill>
+                <a:effectLst/>
+                <a:latin typeface="Calibri" panose="020F0502020204030204" pitchFamily="34" charset="0"/>
+                <a:ea typeface="Calibri" panose="020F0502020204030204" pitchFamily="34" charset="0"/>
+                <a:cs typeface="Times New Roman" panose="02020603050405020304" pitchFamily="18" charset="0"/>
+              </a:rPr>
+              <a:t>Interactive elements, like buttons, allow users to control the game. Addressing this problem involves providing a means for users to initiate actions, such as shuffling the deck or dealing cards, in an intuitive and responsive manner.</a:t>
+            </a:r>
+          </a:p>
+          <a:p>
+            <a:endParaRPr lang="en-US" dirty="0">
+              <a:solidFill>
+                <a:schemeClr val="bg1"/>
+              </a:solidFill>
+            </a:endParaRPr>
+          </a:p>
+        </p:txBody>
+      </p:sp>
+    </p:spTree>
+    <p:extLst>
+      <p:ext uri="{BB962C8B-B14F-4D97-AF65-F5344CB8AC3E}">
+        <p14:creationId xmlns:p14="http://schemas.microsoft.com/office/powerpoint/2010/main" val="1222733937"/>
+      </p:ext>
+    </p:extLst>
+  </p:cSld>
+  <p:clrMapOvr>
+    <a:masterClrMapping/>
+  </p:clrMapOvr>
+  <mc:AlternateContent xmlns:mc="http://schemas.openxmlformats.org/markup-compatibility/2006">
+    <mc:Choice xmlns:p159="http://schemas.microsoft.com/office/powerpoint/2015/09/main" Requires="p159">
+      <p:transition xmlns:p14="http://schemas.microsoft.com/office/powerpoint/2010/main" spd="slow" p14:dur="2000">
+        <p159:morph option="byObject"/>
+      </p:transition>
+    </mc:Choice>
+    <mc:Fallback>
+      <p:transition spd="slow">
+        <p:fade/>
+      </p:transition>
+    </mc:Fallback>
+  </mc:AlternateContent>
+</p:sld>
+</file>
+
+<file path=ppt/slides/slide21.xml><?xml version="1.0" encoding="utf-8"?>
+<p:sld xmlns:a="http://schemas.openxmlformats.org/drawingml/2006/main" xmlns:r="http://schemas.openxmlformats.org/officeDocument/2006/relationships" xmlns:p="http://schemas.openxmlformats.org/presentationml/2006/main">
+  <p:cSld>
+    <p:bg>
+      <p:bgPr>
+        <a:solidFill>
+          <a:schemeClr val="tx1"/>
+        </a:solidFill>
+        <a:effectLst/>
+      </p:bgPr>
+    </p:bg>
+    <p:spTree>
+      <p:nvGrpSpPr>
+        <p:cNvPr id="1" name=""/>
+        <p:cNvGrpSpPr/>
+        <p:nvPr/>
+      </p:nvGrpSpPr>
+      <p:grpSpPr>
+        <a:xfrm>
+          <a:off x="0" y="0"/>
+          <a:ext cx="0" cy="0"/>
+          <a:chOff x="0" y="0"/>
+          <a:chExt cx="0" cy="0"/>
+        </a:xfrm>
+      </p:grpSpPr>
+      <p:sp>
+        <p:nvSpPr>
+          <p:cNvPr id="8" name="TextBox 7">
+            <a:extLst>
+              <a:ext uri="{FF2B5EF4-FFF2-40B4-BE49-F238E27FC236}">
+                <a16:creationId xmlns:a16="http://schemas.microsoft.com/office/drawing/2014/main" id="{DE2997EF-89F7-4D7F-0FD4-F8B510ED04D6}"/>
+              </a:ext>
+            </a:extLst>
+          </p:cNvPr>
+          <p:cNvSpPr txBox="1"/>
+          <p:nvPr/>
+        </p:nvSpPr>
+        <p:spPr>
+          <a:xfrm>
+            <a:off x="7695376" y="3002745"/>
+            <a:ext cx="3291840" cy="2377440"/>
+          </a:xfrm>
+          <a:prstGeom prst="rect">
+            <a:avLst/>
+          </a:prstGeom>
+          <a:noFill/>
+        </p:spPr>
+        <p:txBody>
+          <a:bodyPr wrap="square" rtlCol="0">
+            <a:spAutoFit/>
+          </a:bodyPr>
+          <a:lstStyle/>
+          <a:p>
+            <a:r>
+              <a:rPr lang="en-US" dirty="0"/>
+              <a:t>TTHIS IS Davinci Resolve</a:t>
+            </a:r>
+          </a:p>
+          <a:p>
+            <a:endParaRPr lang="en-US" dirty="0"/>
+          </a:p>
+          <a:p>
+            <a:endParaRPr lang="en-US" dirty="0"/>
+          </a:p>
+          <a:p>
+            <a:endParaRPr lang="en-US" dirty="0"/>
+          </a:p>
+          <a:p>
+            <a:endParaRPr lang="en-US" dirty="0"/>
+          </a:p>
+          <a:p>
+            <a:endParaRPr lang="en-US" dirty="0"/>
+          </a:p>
+          <a:p>
+            <a:endParaRPr lang="en-US" dirty="0"/>
+          </a:p>
+          <a:p>
+            <a:r>
+              <a:rPr lang="en-US" dirty="0"/>
+              <a:t>SFEGSHRHRH</a:t>
+            </a:r>
+          </a:p>
+        </p:txBody>
+      </p:sp>
+      <p:sp>
+        <p:nvSpPr>
+          <p:cNvPr id="10" name="TextBox 9">
+            <a:extLst>
+              <a:ext uri="{FF2B5EF4-FFF2-40B4-BE49-F238E27FC236}">
+                <a16:creationId xmlns:a16="http://schemas.microsoft.com/office/drawing/2014/main" id="{4DA6D692-952C-E75A-7302-9ECB07FB0727}"/>
+              </a:ext>
+            </a:extLst>
+          </p:cNvPr>
+          <p:cNvSpPr txBox="1"/>
+          <p:nvPr/>
+        </p:nvSpPr>
+        <p:spPr>
+          <a:xfrm>
+            <a:off x="7843219" y="1974726"/>
+            <a:ext cx="3291840" cy="1661993"/>
+          </a:xfrm>
+          <a:prstGeom prst="rect">
+            <a:avLst/>
+          </a:prstGeom>
+          <a:noFill/>
+        </p:spPr>
+        <p:txBody>
+          <a:bodyPr wrap="square" rtlCol="0">
+            <a:spAutoFit/>
+          </a:bodyPr>
+          <a:lstStyle/>
+          <a:p>
+            <a:pPr algn="ctr"/>
+            <a:r>
+              <a:rPr lang="en-US" sz="4800" dirty="0">
+                <a:solidFill>
+                  <a:sysClr val="windowText" lastClr="000000"/>
+                </a:solidFill>
+                <a:latin typeface="Aharoni" panose="02010803020104030203" pitchFamily="2" charset="-79"/>
+                <a:cs typeface="Aharoni" panose="02010803020104030203" pitchFamily="2" charset="-79"/>
+              </a:rPr>
+              <a:t>DAVINCI</a:t>
+            </a:r>
+            <a:r>
+              <a:rPr lang="en-US" sz="5400" dirty="0">
+                <a:solidFill>
+                  <a:sysClr val="windowText" lastClr="000000"/>
+                </a:solidFill>
+                <a:latin typeface="Aharoni" panose="02010803020104030203" pitchFamily="2" charset="-79"/>
+                <a:cs typeface="Aharoni" panose="02010803020104030203" pitchFamily="2" charset="-79"/>
+              </a:rPr>
+              <a:t> </a:t>
+            </a:r>
+            <a:r>
+              <a:rPr lang="en-US" sz="4800" dirty="0">
+                <a:solidFill>
+                  <a:sysClr val="windowText" lastClr="000000"/>
+                </a:solidFill>
+                <a:latin typeface="Aharoni" panose="02010803020104030203" pitchFamily="2" charset="-79"/>
+                <a:cs typeface="Aharoni" panose="02010803020104030203" pitchFamily="2" charset="-79"/>
+              </a:rPr>
+              <a:t>RESOLVE</a:t>
+            </a:r>
+          </a:p>
+        </p:txBody>
+      </p:sp>
+      <p:sp>
+        <p:nvSpPr>
+          <p:cNvPr id="18" name="TextBox 17">
+            <a:extLst>
+              <a:ext uri="{FF2B5EF4-FFF2-40B4-BE49-F238E27FC236}">
+                <a16:creationId xmlns:a16="http://schemas.microsoft.com/office/drawing/2014/main" id="{E5905236-9BB5-59D5-25FE-23550903F259}"/>
+              </a:ext>
+            </a:extLst>
+          </p:cNvPr>
+          <p:cNvSpPr txBox="1"/>
+          <p:nvPr/>
+        </p:nvSpPr>
+        <p:spPr>
+          <a:xfrm>
+            <a:off x="3927137" y="3303575"/>
+            <a:ext cx="3291840" cy="2951642"/>
+          </a:xfrm>
+          <a:prstGeom prst="rect">
+            <a:avLst/>
+          </a:prstGeom>
+          <a:noFill/>
+        </p:spPr>
+        <p:txBody>
+          <a:bodyPr wrap="square" rtlCol="0">
+            <a:spAutoFit/>
+          </a:bodyPr>
+          <a:lstStyle/>
+          <a:p>
+            <a:pPr marL="342900" marR="0" lvl="0" indent="-342900">
+              <a:lnSpc>
+                <a:spcPct val="107000"/>
+              </a:lnSpc>
+              <a:spcBef>
+                <a:spcPts val="0"/>
+              </a:spcBef>
+              <a:spcAft>
+                <a:spcPts val="800"/>
+              </a:spcAft>
+              <a:buFont typeface="Symbol" panose="05050102010706020507" pitchFamily="18" charset="2"/>
+              <a:buChar char=""/>
+            </a:pPr>
+            <a:r>
+              <a:rPr lang="en-US" sz="1800" dirty="0">
+                <a:effectLst/>
+                <a:latin typeface="Calibri" panose="020F0502020204030204" pitchFamily="34" charset="0"/>
+                <a:ea typeface="Calibri" panose="020F0502020204030204" pitchFamily="34" charset="0"/>
+                <a:cs typeface="Times New Roman" panose="02020603050405020304" pitchFamily="18" charset="0"/>
+              </a:rPr>
+              <a:t>57% of Job Seekers Use LinkedIn to Find New Job Opportunities</a:t>
+            </a:r>
+          </a:p>
+          <a:p>
+            <a:pPr marL="342900" marR="0" lvl="0" indent="-342900">
+              <a:lnSpc>
+                <a:spcPct val="107000"/>
+              </a:lnSpc>
+              <a:spcBef>
+                <a:spcPts val="0"/>
+              </a:spcBef>
+              <a:spcAft>
+                <a:spcPts val="0"/>
+              </a:spcAft>
+              <a:buFont typeface="Symbol" panose="05050102010706020507" pitchFamily="18" charset="2"/>
+              <a:buChar char=""/>
+            </a:pPr>
+            <a:r>
+              <a:rPr lang="en-US" sz="1800" b="1" dirty="0">
+                <a:effectLst/>
+                <a:latin typeface="Calibri" panose="020F0502020204030204" pitchFamily="34" charset="0"/>
+                <a:ea typeface="Calibri" panose="020F0502020204030204" pitchFamily="34" charset="0"/>
+                <a:cs typeface="Times New Roman" panose="02020603050405020304" pitchFamily="18" charset="0"/>
+              </a:rPr>
+              <a:t>61 Million</a:t>
+            </a:r>
+            <a:r>
+              <a:rPr lang="en-US" sz="1800" dirty="0">
+                <a:effectLst/>
+                <a:latin typeface="Calibri" panose="020F0502020204030204" pitchFamily="34" charset="0"/>
+                <a:ea typeface="Calibri" panose="020F0502020204030204" pitchFamily="34" charset="0"/>
+                <a:cs typeface="Times New Roman" panose="02020603050405020304" pitchFamily="18" charset="0"/>
+              </a:rPr>
+              <a:t> Users Look for Jobs Through LinkedIn Weekly</a:t>
+            </a:r>
+          </a:p>
+          <a:p>
+            <a:pPr marL="342900" marR="0" lvl="0" indent="-342900">
+              <a:lnSpc>
+                <a:spcPct val="107000"/>
+              </a:lnSpc>
+              <a:spcBef>
+                <a:spcPts val="0"/>
+              </a:spcBef>
+              <a:spcAft>
+                <a:spcPts val="800"/>
+              </a:spcAft>
+              <a:buFont typeface="Symbol" panose="05050102010706020507" pitchFamily="18" charset="2"/>
+              <a:buChar char=""/>
+            </a:pPr>
+            <a:r>
+              <a:rPr lang="en-US" sz="1800" dirty="0">
+                <a:effectLst/>
+                <a:latin typeface="Calibri" panose="020F0502020204030204" pitchFamily="34" charset="0"/>
+                <a:ea typeface="Calibri" panose="020F0502020204030204" pitchFamily="34" charset="0"/>
+                <a:cs typeface="Times New Roman" panose="02020603050405020304" pitchFamily="18" charset="0"/>
+              </a:rPr>
+              <a:t>Over </a:t>
+            </a:r>
+            <a:r>
+              <a:rPr lang="en-US" sz="1800" b="1" dirty="0">
+                <a:effectLst/>
+                <a:latin typeface="Calibri" panose="020F0502020204030204" pitchFamily="34" charset="0"/>
+                <a:ea typeface="Calibri" panose="020F0502020204030204" pitchFamily="34" charset="0"/>
+                <a:cs typeface="Times New Roman" panose="02020603050405020304" pitchFamily="18" charset="0"/>
+              </a:rPr>
+              <a:t>58 Million</a:t>
+            </a:r>
+            <a:r>
+              <a:rPr lang="en-US" sz="1800" dirty="0">
+                <a:effectLst/>
+                <a:latin typeface="Calibri" panose="020F0502020204030204" pitchFamily="34" charset="0"/>
+                <a:ea typeface="Calibri" panose="020F0502020204030204" pitchFamily="34" charset="0"/>
+                <a:cs typeface="Times New Roman" panose="02020603050405020304" pitchFamily="18" charset="0"/>
+              </a:rPr>
+              <a:t> Companies Are On LinkedIn</a:t>
+            </a:r>
+          </a:p>
+          <a:p>
+            <a:pPr marR="0" lvl="0">
+              <a:lnSpc>
+                <a:spcPct val="107000"/>
+              </a:lnSpc>
+              <a:spcBef>
+                <a:spcPts val="0"/>
+              </a:spcBef>
+              <a:spcAft>
+                <a:spcPts val="800"/>
+              </a:spcAft>
+            </a:pPr>
+            <a:endParaRPr lang="en-US" sz="1800" dirty="0">
+              <a:effectLst/>
+              <a:latin typeface="Calibri" panose="020F0502020204030204" pitchFamily="34" charset="0"/>
+              <a:ea typeface="Calibri" panose="020F0502020204030204" pitchFamily="34" charset="0"/>
+              <a:cs typeface="Times New Roman" panose="02020603050405020304" pitchFamily="18" charset="0"/>
+            </a:endParaRPr>
+          </a:p>
+        </p:txBody>
+      </p:sp>
+      <p:sp>
+        <p:nvSpPr>
+          <p:cNvPr id="19" name="TextBox 18">
+            <a:extLst>
+              <a:ext uri="{FF2B5EF4-FFF2-40B4-BE49-F238E27FC236}">
+                <a16:creationId xmlns:a16="http://schemas.microsoft.com/office/drawing/2014/main" id="{A732A5EB-9C27-6380-EC30-A3A85FC1EF0E}"/>
+              </a:ext>
+            </a:extLst>
+          </p:cNvPr>
+          <p:cNvSpPr txBox="1"/>
+          <p:nvPr/>
+        </p:nvSpPr>
+        <p:spPr>
+          <a:xfrm>
+            <a:off x="4074980" y="2093858"/>
+            <a:ext cx="3291840" cy="830997"/>
+          </a:xfrm>
+          <a:prstGeom prst="rect">
+            <a:avLst/>
+          </a:prstGeom>
+          <a:noFill/>
+        </p:spPr>
+        <p:txBody>
+          <a:bodyPr wrap="square" rtlCol="0">
+            <a:spAutoFit/>
+          </a:bodyPr>
+          <a:lstStyle/>
+          <a:p>
+            <a:r>
+              <a:rPr lang="en-US" sz="4800" dirty="0">
+                <a:latin typeface="Aharoni" panose="02010803020104030203" pitchFamily="2" charset="-79"/>
+                <a:cs typeface="Aharoni" panose="02010803020104030203" pitchFamily="2" charset="-79"/>
+              </a:rPr>
+              <a:t>LINKEDIN</a:t>
+            </a:r>
+          </a:p>
+        </p:txBody>
+      </p:sp>
+      <p:sp>
+        <p:nvSpPr>
+          <p:cNvPr id="20" name="TextBox 19">
+            <a:extLst>
+              <a:ext uri="{FF2B5EF4-FFF2-40B4-BE49-F238E27FC236}">
+                <a16:creationId xmlns:a16="http://schemas.microsoft.com/office/drawing/2014/main" id="{2F9E8725-B2A7-3853-7A5A-588E23E9E484}"/>
+              </a:ext>
+            </a:extLst>
+          </p:cNvPr>
+          <p:cNvSpPr txBox="1"/>
+          <p:nvPr/>
+        </p:nvSpPr>
+        <p:spPr>
+          <a:xfrm>
+            <a:off x="254000" y="3332480"/>
+            <a:ext cx="2997200" cy="1717971"/>
+          </a:xfrm>
+          <a:prstGeom prst="rect">
+            <a:avLst/>
+          </a:prstGeom>
+          <a:noFill/>
+        </p:spPr>
+        <p:txBody>
+          <a:bodyPr wrap="square" rtlCol="0">
+            <a:spAutoFit/>
+          </a:bodyPr>
+          <a:lstStyle/>
+          <a:p>
+            <a:pPr marL="342900" marR="0" lvl="0" indent="-342900">
+              <a:lnSpc>
+                <a:spcPct val="107000"/>
+              </a:lnSpc>
+              <a:spcBef>
+                <a:spcPts val="0"/>
+              </a:spcBef>
+              <a:spcAft>
+                <a:spcPts val="0"/>
+              </a:spcAft>
+              <a:buFont typeface="Symbol" panose="05050102010706020507" pitchFamily="18" charset="2"/>
+              <a:buChar char=""/>
+            </a:pPr>
+            <a:r>
+              <a:rPr lang="en-US" sz="1600" b="1" dirty="0">
+                <a:effectLst/>
+                <a:latin typeface="Bahnschrift SemiBold" panose="020B0502040204020203" pitchFamily="34" charset="0"/>
+                <a:ea typeface="Calibri" panose="020F0502020204030204" pitchFamily="34" charset="0"/>
+                <a:cs typeface="Times New Roman" panose="02020603050405020304" pitchFamily="18" charset="0"/>
+              </a:rPr>
+              <a:t>Easy to code </a:t>
+            </a:r>
+          </a:p>
+          <a:p>
+            <a:pPr marL="342900" marR="0" lvl="0" indent="-342900">
+              <a:lnSpc>
+                <a:spcPct val="107000"/>
+              </a:lnSpc>
+              <a:spcBef>
+                <a:spcPts val="0"/>
+              </a:spcBef>
+              <a:spcAft>
+                <a:spcPts val="0"/>
+              </a:spcAft>
+              <a:buFont typeface="Symbol" panose="05050102010706020507" pitchFamily="18" charset="2"/>
+              <a:buChar char=""/>
+            </a:pPr>
+            <a:r>
+              <a:rPr lang="en-US" b="1" dirty="0">
+                <a:effectLst/>
+                <a:latin typeface="Bahnschrift SemiBold" panose="020B0502040204020203" pitchFamily="34" charset="0"/>
+                <a:ea typeface="Calibri" panose="020F0502020204030204" pitchFamily="34" charset="0"/>
+                <a:cs typeface="Times New Roman" panose="02020603050405020304" pitchFamily="18" charset="0"/>
+              </a:rPr>
+              <a:t>3</a:t>
+            </a:r>
+            <a:r>
+              <a:rPr lang="en-US" b="1" baseline="30000" dirty="0">
+                <a:effectLst/>
+                <a:latin typeface="Bahnschrift SemiBold" panose="020B0502040204020203" pitchFamily="34" charset="0"/>
+                <a:ea typeface="Calibri" panose="020F0502020204030204" pitchFamily="34" charset="0"/>
+                <a:cs typeface="Times New Roman" panose="02020603050405020304" pitchFamily="18" charset="0"/>
+              </a:rPr>
+              <a:t>rd</a:t>
+            </a:r>
+            <a:r>
+              <a:rPr lang="en-US" sz="1600" dirty="0">
+                <a:effectLst/>
+                <a:latin typeface="Bahnschrift SemiBold" panose="020B0502040204020203" pitchFamily="34" charset="0"/>
+                <a:ea typeface="Calibri" panose="020F0502020204030204" pitchFamily="34" charset="0"/>
+                <a:cs typeface="Times New Roman" panose="02020603050405020304" pitchFamily="18" charset="0"/>
+              </a:rPr>
+              <a:t> most popular language in the world</a:t>
+            </a:r>
+          </a:p>
+          <a:p>
+            <a:pPr marL="342900" marR="0" lvl="0" indent="-342900">
+              <a:lnSpc>
+                <a:spcPct val="107000"/>
+              </a:lnSpc>
+              <a:spcBef>
+                <a:spcPts val="0"/>
+              </a:spcBef>
+              <a:spcAft>
+                <a:spcPts val="800"/>
+              </a:spcAft>
+              <a:buFont typeface="Symbol" panose="05050102010706020507" pitchFamily="18" charset="2"/>
+              <a:buChar char=""/>
+            </a:pPr>
+            <a:r>
+              <a:rPr lang="en-US" sz="1600" b="1" dirty="0">
+                <a:effectLst/>
+                <a:latin typeface="Bahnschrift SemiBold" panose="020B0502040204020203" pitchFamily="34" charset="0"/>
+                <a:ea typeface="Calibri" panose="020F0502020204030204" pitchFamily="34" charset="0"/>
+                <a:cs typeface="Times New Roman" panose="02020603050405020304" pitchFamily="18" charset="0"/>
+              </a:rPr>
+              <a:t>Top </a:t>
+            </a:r>
+            <a:r>
+              <a:rPr lang="en-US" b="1" dirty="0">
+                <a:effectLst/>
+                <a:latin typeface="Bahnschrift SemiBold" panose="020B0502040204020203" pitchFamily="34" charset="0"/>
+                <a:ea typeface="Calibri" panose="020F0502020204030204" pitchFamily="34" charset="0"/>
+                <a:cs typeface="Times New Roman" panose="02020603050405020304" pitchFamily="18" charset="0"/>
+              </a:rPr>
+              <a:t>15%</a:t>
+            </a:r>
+            <a:r>
+              <a:rPr lang="en-US" sz="1600" b="1" dirty="0">
+                <a:effectLst/>
+                <a:latin typeface="Bahnschrift SemiBold" panose="020B0502040204020203" pitchFamily="34" charset="0"/>
+                <a:ea typeface="Calibri" panose="020F0502020204030204" pitchFamily="34" charset="0"/>
+                <a:cs typeface="Times New Roman" panose="02020603050405020304" pitchFamily="18" charset="0"/>
+              </a:rPr>
+              <a:t> </a:t>
+            </a:r>
+            <a:r>
+              <a:rPr lang="en-US" sz="1600" dirty="0">
+                <a:effectLst/>
+                <a:latin typeface="Bahnschrift SemiBold" panose="020B0502040204020203" pitchFamily="34" charset="0"/>
+                <a:ea typeface="Calibri" panose="020F0502020204030204" pitchFamily="34" charset="0"/>
+                <a:cs typeface="Times New Roman" panose="02020603050405020304" pitchFamily="18" charset="0"/>
+              </a:rPr>
+              <a:t>programming professionals have python certification</a:t>
+            </a:r>
+          </a:p>
+        </p:txBody>
+      </p:sp>
+      <p:sp>
+        <p:nvSpPr>
+          <p:cNvPr id="2" name="TextBox 1">
+            <a:extLst>
+              <a:ext uri="{FF2B5EF4-FFF2-40B4-BE49-F238E27FC236}">
+                <a16:creationId xmlns:a16="http://schemas.microsoft.com/office/drawing/2014/main" id="{D639F926-73AC-8647-E924-5B37CDD540F3}"/>
+              </a:ext>
+            </a:extLst>
+          </p:cNvPr>
+          <p:cNvSpPr txBox="1"/>
+          <p:nvPr/>
+        </p:nvSpPr>
+        <p:spPr>
+          <a:xfrm>
+            <a:off x="254000" y="268940"/>
+            <a:ext cx="7366000" cy="2308324"/>
+          </a:xfrm>
+          <a:prstGeom prst="rect">
+            <a:avLst/>
+          </a:prstGeom>
+          <a:noFill/>
+        </p:spPr>
+        <p:txBody>
+          <a:bodyPr wrap="square" rtlCol="0">
+            <a:spAutoFit/>
+          </a:bodyPr>
+          <a:lstStyle/>
+          <a:p>
+            <a:r>
+              <a:rPr lang="en-US" sz="7200" dirty="0">
+                <a:solidFill>
+                  <a:schemeClr val="bg1"/>
+                </a:solidFill>
+                <a:latin typeface="Aharoni" panose="02010803020104030203" pitchFamily="2" charset="-79"/>
+                <a:cs typeface="Aharoni" panose="02010803020104030203" pitchFamily="2" charset="-79"/>
+              </a:rPr>
+              <a:t>Code Screenshots</a:t>
+            </a:r>
+          </a:p>
+        </p:txBody>
+      </p:sp>
+    </p:spTree>
+    <p:extLst>
+      <p:ext uri="{BB962C8B-B14F-4D97-AF65-F5344CB8AC3E}">
+        <p14:creationId xmlns:p14="http://schemas.microsoft.com/office/powerpoint/2010/main" val="3630740550"/>
+      </p:ext>
+    </p:extLst>
+  </p:cSld>
+  <p:clrMapOvr>
+    <a:masterClrMapping/>
+  </p:clrMapOvr>
+  <mc:AlternateContent xmlns:mc="http://schemas.openxmlformats.org/markup-compatibility/2006" xmlns:p14="http://schemas.microsoft.com/office/powerpoint/2010/main">
+    <mc:Choice Requires="p14">
+      <p:transition spd="slow" p14:dur="900">
+        <p14:warp dir="in"/>
+      </p:transition>
+    </mc:Choice>
+    <mc:Fallback xmlns="">
+      <p:transition spd="slow">
+        <p:fade/>
+      </p:transition>
+    </mc:Fallback>
+  </mc:AlternateContent>
+</p:sld>
+</file>
+
+<file path=ppt/slides/slide22.xml><?xml version="1.0" encoding="utf-8"?>
+<p:sld xmlns:a="http://schemas.openxmlformats.org/drawingml/2006/main" xmlns:r="http://schemas.openxmlformats.org/officeDocument/2006/relationships" xmlns:p="http://schemas.openxmlformats.org/presentationml/2006/main">
+  <p:cSld>
+    <p:bg>
+      <p:bgPr>
+        <a:solidFill>
+          <a:schemeClr val="tx1"/>
+        </a:solidFill>
+        <a:effectLst/>
+      </p:bgPr>
+    </p:bg>
+    <p:spTree>
+      <p:nvGrpSpPr>
+        <p:cNvPr id="1" name=""/>
+        <p:cNvGrpSpPr/>
+        <p:nvPr/>
+      </p:nvGrpSpPr>
+      <p:grpSpPr>
+        <a:xfrm>
+          <a:off x="0" y="0"/>
+          <a:ext cx="0" cy="0"/>
+          <a:chOff x="0" y="0"/>
+          <a:chExt cx="0" cy="0"/>
+        </a:xfrm>
+      </p:grpSpPr>
+      <p:sp>
+        <p:nvSpPr>
+          <p:cNvPr id="8" name="TextBox 7">
+            <a:extLst>
+              <a:ext uri="{FF2B5EF4-FFF2-40B4-BE49-F238E27FC236}">
+                <a16:creationId xmlns:a16="http://schemas.microsoft.com/office/drawing/2014/main" id="{DE2997EF-89F7-4D7F-0FD4-F8B510ED04D6}"/>
+              </a:ext>
+            </a:extLst>
+          </p:cNvPr>
+          <p:cNvSpPr txBox="1"/>
+          <p:nvPr/>
+        </p:nvSpPr>
+        <p:spPr>
+          <a:xfrm>
+            <a:off x="7695376" y="3002745"/>
+            <a:ext cx="3291840" cy="2377440"/>
+          </a:xfrm>
+          <a:prstGeom prst="rect">
+            <a:avLst/>
+          </a:prstGeom>
+          <a:noFill/>
+        </p:spPr>
+        <p:txBody>
+          <a:bodyPr wrap="square" rtlCol="0">
+            <a:spAutoFit/>
+          </a:bodyPr>
+          <a:lstStyle/>
+          <a:p>
+            <a:r>
+              <a:rPr lang="en-US" dirty="0"/>
+              <a:t>TTHIS IS Davinci Resolve</a:t>
+            </a:r>
+          </a:p>
+          <a:p>
+            <a:endParaRPr lang="en-US" dirty="0"/>
+          </a:p>
+          <a:p>
+            <a:endParaRPr lang="en-US" dirty="0"/>
+          </a:p>
+          <a:p>
+            <a:endParaRPr lang="en-US" dirty="0"/>
+          </a:p>
+          <a:p>
+            <a:endParaRPr lang="en-US" dirty="0"/>
+          </a:p>
+          <a:p>
+            <a:endParaRPr lang="en-US" dirty="0"/>
+          </a:p>
+          <a:p>
+            <a:endParaRPr lang="en-US" dirty="0"/>
+          </a:p>
+          <a:p>
+            <a:r>
+              <a:rPr lang="en-US" dirty="0"/>
+              <a:t>SFEGSHRHRH</a:t>
+            </a:r>
+          </a:p>
+        </p:txBody>
+      </p:sp>
+      <p:sp>
+        <p:nvSpPr>
+          <p:cNvPr id="10" name="TextBox 9">
+            <a:extLst>
+              <a:ext uri="{FF2B5EF4-FFF2-40B4-BE49-F238E27FC236}">
+                <a16:creationId xmlns:a16="http://schemas.microsoft.com/office/drawing/2014/main" id="{4DA6D692-952C-E75A-7302-9ECB07FB0727}"/>
+              </a:ext>
+            </a:extLst>
+          </p:cNvPr>
+          <p:cNvSpPr txBox="1"/>
+          <p:nvPr/>
+        </p:nvSpPr>
+        <p:spPr>
+          <a:xfrm>
+            <a:off x="7843219" y="1974726"/>
+            <a:ext cx="3291840" cy="1661993"/>
+          </a:xfrm>
+          <a:prstGeom prst="rect">
+            <a:avLst/>
+          </a:prstGeom>
+          <a:noFill/>
+        </p:spPr>
+        <p:txBody>
+          <a:bodyPr wrap="square" rtlCol="0">
+            <a:spAutoFit/>
+          </a:bodyPr>
+          <a:lstStyle/>
+          <a:p>
+            <a:pPr algn="ctr"/>
+            <a:r>
+              <a:rPr lang="en-US" sz="4800" dirty="0">
+                <a:solidFill>
+                  <a:sysClr val="windowText" lastClr="000000"/>
+                </a:solidFill>
+                <a:latin typeface="Aharoni" panose="02010803020104030203" pitchFamily="2" charset="-79"/>
+                <a:cs typeface="Aharoni" panose="02010803020104030203" pitchFamily="2" charset="-79"/>
+              </a:rPr>
+              <a:t>DAVINCI</a:t>
+            </a:r>
+            <a:r>
+              <a:rPr lang="en-US" sz="5400" dirty="0">
+                <a:solidFill>
+                  <a:sysClr val="windowText" lastClr="000000"/>
+                </a:solidFill>
+                <a:latin typeface="Aharoni" panose="02010803020104030203" pitchFamily="2" charset="-79"/>
+                <a:cs typeface="Aharoni" panose="02010803020104030203" pitchFamily="2" charset="-79"/>
+              </a:rPr>
+              <a:t> </a:t>
+            </a:r>
+            <a:r>
+              <a:rPr lang="en-US" sz="4800" dirty="0">
+                <a:solidFill>
+                  <a:sysClr val="windowText" lastClr="000000"/>
+                </a:solidFill>
+                <a:latin typeface="Aharoni" panose="02010803020104030203" pitchFamily="2" charset="-79"/>
+                <a:cs typeface="Aharoni" panose="02010803020104030203" pitchFamily="2" charset="-79"/>
+              </a:rPr>
+              <a:t>RESOLVE</a:t>
+            </a:r>
+          </a:p>
+        </p:txBody>
+      </p:sp>
+      <p:sp>
+        <p:nvSpPr>
+          <p:cNvPr id="18" name="TextBox 17">
+            <a:extLst>
+              <a:ext uri="{FF2B5EF4-FFF2-40B4-BE49-F238E27FC236}">
+                <a16:creationId xmlns:a16="http://schemas.microsoft.com/office/drawing/2014/main" id="{E5905236-9BB5-59D5-25FE-23550903F259}"/>
+              </a:ext>
+            </a:extLst>
+          </p:cNvPr>
+          <p:cNvSpPr txBox="1"/>
+          <p:nvPr/>
+        </p:nvSpPr>
+        <p:spPr>
+          <a:xfrm>
+            <a:off x="3927137" y="3303575"/>
+            <a:ext cx="3291840" cy="2951642"/>
+          </a:xfrm>
+          <a:prstGeom prst="rect">
+            <a:avLst/>
+          </a:prstGeom>
+          <a:noFill/>
+        </p:spPr>
+        <p:txBody>
+          <a:bodyPr wrap="square" rtlCol="0">
+            <a:spAutoFit/>
+          </a:bodyPr>
+          <a:lstStyle/>
+          <a:p>
+            <a:pPr marL="342900" marR="0" lvl="0" indent="-342900">
+              <a:lnSpc>
+                <a:spcPct val="107000"/>
+              </a:lnSpc>
+              <a:spcBef>
+                <a:spcPts val="0"/>
+              </a:spcBef>
+              <a:spcAft>
+                <a:spcPts val="800"/>
+              </a:spcAft>
+              <a:buFont typeface="Symbol" panose="05050102010706020507" pitchFamily="18" charset="2"/>
+              <a:buChar char=""/>
+            </a:pPr>
+            <a:r>
+              <a:rPr lang="en-US" sz="1800" dirty="0">
+                <a:effectLst/>
+                <a:latin typeface="Calibri" panose="020F0502020204030204" pitchFamily="34" charset="0"/>
+                <a:ea typeface="Calibri" panose="020F0502020204030204" pitchFamily="34" charset="0"/>
+                <a:cs typeface="Times New Roman" panose="02020603050405020304" pitchFamily="18" charset="0"/>
+              </a:rPr>
+              <a:t>57% of Job Seekers Use LinkedIn to Find New Job Opportunities</a:t>
+            </a:r>
+          </a:p>
+          <a:p>
+            <a:pPr marL="342900" marR="0" lvl="0" indent="-342900">
+              <a:lnSpc>
+                <a:spcPct val="107000"/>
+              </a:lnSpc>
+              <a:spcBef>
+                <a:spcPts val="0"/>
+              </a:spcBef>
+              <a:spcAft>
+                <a:spcPts val="0"/>
+              </a:spcAft>
+              <a:buFont typeface="Symbol" panose="05050102010706020507" pitchFamily="18" charset="2"/>
+              <a:buChar char=""/>
+            </a:pPr>
+            <a:r>
+              <a:rPr lang="en-US" sz="1800" b="1" dirty="0">
+                <a:effectLst/>
+                <a:latin typeface="Calibri" panose="020F0502020204030204" pitchFamily="34" charset="0"/>
+                <a:ea typeface="Calibri" panose="020F0502020204030204" pitchFamily="34" charset="0"/>
+                <a:cs typeface="Times New Roman" panose="02020603050405020304" pitchFamily="18" charset="0"/>
+              </a:rPr>
+              <a:t>61 Million</a:t>
+            </a:r>
+            <a:r>
+              <a:rPr lang="en-US" sz="1800" dirty="0">
+                <a:effectLst/>
+                <a:latin typeface="Calibri" panose="020F0502020204030204" pitchFamily="34" charset="0"/>
+                <a:ea typeface="Calibri" panose="020F0502020204030204" pitchFamily="34" charset="0"/>
+                <a:cs typeface="Times New Roman" panose="02020603050405020304" pitchFamily="18" charset="0"/>
+              </a:rPr>
+              <a:t> Users Look for Jobs Through LinkedIn Weekly</a:t>
+            </a:r>
+          </a:p>
+          <a:p>
+            <a:pPr marL="342900" marR="0" lvl="0" indent="-342900">
+              <a:lnSpc>
+                <a:spcPct val="107000"/>
+              </a:lnSpc>
+              <a:spcBef>
+                <a:spcPts val="0"/>
+              </a:spcBef>
+              <a:spcAft>
+                <a:spcPts val="800"/>
+              </a:spcAft>
+              <a:buFont typeface="Symbol" panose="05050102010706020507" pitchFamily="18" charset="2"/>
+              <a:buChar char=""/>
+            </a:pPr>
+            <a:r>
+              <a:rPr lang="en-US" sz="1800" dirty="0">
+                <a:effectLst/>
+                <a:latin typeface="Calibri" panose="020F0502020204030204" pitchFamily="34" charset="0"/>
+                <a:ea typeface="Calibri" panose="020F0502020204030204" pitchFamily="34" charset="0"/>
+                <a:cs typeface="Times New Roman" panose="02020603050405020304" pitchFamily="18" charset="0"/>
+              </a:rPr>
+              <a:t>Over </a:t>
+            </a:r>
+            <a:r>
+              <a:rPr lang="en-US" sz="1800" b="1" dirty="0">
+                <a:effectLst/>
+                <a:latin typeface="Calibri" panose="020F0502020204030204" pitchFamily="34" charset="0"/>
+                <a:ea typeface="Calibri" panose="020F0502020204030204" pitchFamily="34" charset="0"/>
+                <a:cs typeface="Times New Roman" panose="02020603050405020304" pitchFamily="18" charset="0"/>
+              </a:rPr>
+              <a:t>58 Million</a:t>
+            </a:r>
+            <a:r>
+              <a:rPr lang="en-US" sz="1800" dirty="0">
+                <a:effectLst/>
+                <a:latin typeface="Calibri" panose="020F0502020204030204" pitchFamily="34" charset="0"/>
+                <a:ea typeface="Calibri" panose="020F0502020204030204" pitchFamily="34" charset="0"/>
+                <a:cs typeface="Times New Roman" panose="02020603050405020304" pitchFamily="18" charset="0"/>
+              </a:rPr>
+              <a:t> Companies Are On LinkedIn</a:t>
+            </a:r>
+          </a:p>
+          <a:p>
+            <a:pPr marR="0" lvl="0">
+              <a:lnSpc>
+                <a:spcPct val="107000"/>
+              </a:lnSpc>
+              <a:spcBef>
+                <a:spcPts val="0"/>
+              </a:spcBef>
+              <a:spcAft>
+                <a:spcPts val="800"/>
+              </a:spcAft>
+            </a:pPr>
+            <a:endParaRPr lang="en-US" sz="1800" dirty="0">
+              <a:effectLst/>
+              <a:latin typeface="Calibri" panose="020F0502020204030204" pitchFamily="34" charset="0"/>
+              <a:ea typeface="Calibri" panose="020F0502020204030204" pitchFamily="34" charset="0"/>
+              <a:cs typeface="Times New Roman" panose="02020603050405020304" pitchFamily="18" charset="0"/>
+            </a:endParaRPr>
+          </a:p>
+        </p:txBody>
+      </p:sp>
+      <p:sp>
+        <p:nvSpPr>
+          <p:cNvPr id="19" name="TextBox 18">
+            <a:extLst>
+              <a:ext uri="{FF2B5EF4-FFF2-40B4-BE49-F238E27FC236}">
+                <a16:creationId xmlns:a16="http://schemas.microsoft.com/office/drawing/2014/main" id="{A732A5EB-9C27-6380-EC30-A3A85FC1EF0E}"/>
+              </a:ext>
+            </a:extLst>
+          </p:cNvPr>
+          <p:cNvSpPr txBox="1"/>
+          <p:nvPr/>
+        </p:nvSpPr>
+        <p:spPr>
+          <a:xfrm>
+            <a:off x="4074980" y="2093858"/>
+            <a:ext cx="3291840" cy="830997"/>
+          </a:xfrm>
+          <a:prstGeom prst="rect">
+            <a:avLst/>
+          </a:prstGeom>
+          <a:noFill/>
+        </p:spPr>
+        <p:txBody>
+          <a:bodyPr wrap="square" rtlCol="0">
+            <a:spAutoFit/>
+          </a:bodyPr>
+          <a:lstStyle/>
+          <a:p>
+            <a:r>
+              <a:rPr lang="en-US" sz="4800" dirty="0">
+                <a:latin typeface="Aharoni" panose="02010803020104030203" pitchFamily="2" charset="-79"/>
+                <a:cs typeface="Aharoni" panose="02010803020104030203" pitchFamily="2" charset="-79"/>
+              </a:rPr>
+              <a:t>LINKEDIN</a:t>
+            </a:r>
+          </a:p>
+        </p:txBody>
+      </p:sp>
+      <p:sp>
+        <p:nvSpPr>
+          <p:cNvPr id="20" name="TextBox 19">
+            <a:extLst>
+              <a:ext uri="{FF2B5EF4-FFF2-40B4-BE49-F238E27FC236}">
+                <a16:creationId xmlns:a16="http://schemas.microsoft.com/office/drawing/2014/main" id="{2F9E8725-B2A7-3853-7A5A-588E23E9E484}"/>
+              </a:ext>
+            </a:extLst>
+          </p:cNvPr>
+          <p:cNvSpPr txBox="1"/>
+          <p:nvPr/>
+        </p:nvSpPr>
+        <p:spPr>
+          <a:xfrm>
+            <a:off x="254000" y="3332480"/>
+            <a:ext cx="2997200" cy="1717971"/>
+          </a:xfrm>
+          <a:prstGeom prst="rect">
+            <a:avLst/>
+          </a:prstGeom>
+          <a:noFill/>
+        </p:spPr>
+        <p:txBody>
+          <a:bodyPr wrap="square" rtlCol="0">
+            <a:spAutoFit/>
+          </a:bodyPr>
+          <a:lstStyle/>
+          <a:p>
+            <a:pPr marL="342900" marR="0" lvl="0" indent="-342900">
+              <a:lnSpc>
+                <a:spcPct val="107000"/>
+              </a:lnSpc>
+              <a:spcBef>
+                <a:spcPts val="0"/>
+              </a:spcBef>
+              <a:spcAft>
+                <a:spcPts val="0"/>
+              </a:spcAft>
+              <a:buFont typeface="Symbol" panose="05050102010706020507" pitchFamily="18" charset="2"/>
+              <a:buChar char=""/>
+            </a:pPr>
+            <a:r>
+              <a:rPr lang="en-US" sz="1600" b="1" dirty="0">
+                <a:effectLst/>
+                <a:latin typeface="Bahnschrift SemiBold" panose="020B0502040204020203" pitchFamily="34" charset="0"/>
+                <a:ea typeface="Calibri" panose="020F0502020204030204" pitchFamily="34" charset="0"/>
+                <a:cs typeface="Times New Roman" panose="02020603050405020304" pitchFamily="18" charset="0"/>
+              </a:rPr>
+              <a:t>Easy to code </a:t>
+            </a:r>
+          </a:p>
+          <a:p>
+            <a:pPr marL="342900" marR="0" lvl="0" indent="-342900">
+              <a:lnSpc>
+                <a:spcPct val="107000"/>
+              </a:lnSpc>
+              <a:spcBef>
+                <a:spcPts val="0"/>
+              </a:spcBef>
+              <a:spcAft>
+                <a:spcPts val="0"/>
+              </a:spcAft>
+              <a:buFont typeface="Symbol" panose="05050102010706020507" pitchFamily="18" charset="2"/>
+              <a:buChar char=""/>
+            </a:pPr>
+            <a:r>
+              <a:rPr lang="en-US" b="1" dirty="0">
+                <a:effectLst/>
+                <a:latin typeface="Bahnschrift SemiBold" panose="020B0502040204020203" pitchFamily="34" charset="0"/>
+                <a:ea typeface="Calibri" panose="020F0502020204030204" pitchFamily="34" charset="0"/>
+                <a:cs typeface="Times New Roman" panose="02020603050405020304" pitchFamily="18" charset="0"/>
+              </a:rPr>
+              <a:t>3</a:t>
+            </a:r>
+            <a:r>
+              <a:rPr lang="en-US" b="1" baseline="30000" dirty="0">
+                <a:effectLst/>
+                <a:latin typeface="Bahnschrift SemiBold" panose="020B0502040204020203" pitchFamily="34" charset="0"/>
+                <a:ea typeface="Calibri" panose="020F0502020204030204" pitchFamily="34" charset="0"/>
+                <a:cs typeface="Times New Roman" panose="02020603050405020304" pitchFamily="18" charset="0"/>
+              </a:rPr>
+              <a:t>rd</a:t>
+            </a:r>
+            <a:r>
+              <a:rPr lang="en-US" sz="1600" dirty="0">
+                <a:effectLst/>
+                <a:latin typeface="Bahnschrift SemiBold" panose="020B0502040204020203" pitchFamily="34" charset="0"/>
+                <a:ea typeface="Calibri" panose="020F0502020204030204" pitchFamily="34" charset="0"/>
+                <a:cs typeface="Times New Roman" panose="02020603050405020304" pitchFamily="18" charset="0"/>
+              </a:rPr>
+              <a:t> most popular language in the world</a:t>
+            </a:r>
+          </a:p>
+          <a:p>
+            <a:pPr marL="342900" marR="0" lvl="0" indent="-342900">
+              <a:lnSpc>
+                <a:spcPct val="107000"/>
+              </a:lnSpc>
+              <a:spcBef>
+                <a:spcPts val="0"/>
+              </a:spcBef>
+              <a:spcAft>
+                <a:spcPts val="800"/>
+              </a:spcAft>
+              <a:buFont typeface="Symbol" panose="05050102010706020507" pitchFamily="18" charset="2"/>
+              <a:buChar char=""/>
+            </a:pPr>
+            <a:r>
+              <a:rPr lang="en-US" sz="1600" b="1" dirty="0">
+                <a:effectLst/>
+                <a:latin typeface="Bahnschrift SemiBold" panose="020B0502040204020203" pitchFamily="34" charset="0"/>
+                <a:ea typeface="Calibri" panose="020F0502020204030204" pitchFamily="34" charset="0"/>
+                <a:cs typeface="Times New Roman" panose="02020603050405020304" pitchFamily="18" charset="0"/>
+              </a:rPr>
+              <a:t>Top </a:t>
+            </a:r>
+            <a:r>
+              <a:rPr lang="en-US" b="1" dirty="0">
+                <a:effectLst/>
+                <a:latin typeface="Bahnschrift SemiBold" panose="020B0502040204020203" pitchFamily="34" charset="0"/>
+                <a:ea typeface="Calibri" panose="020F0502020204030204" pitchFamily="34" charset="0"/>
+                <a:cs typeface="Times New Roman" panose="02020603050405020304" pitchFamily="18" charset="0"/>
+              </a:rPr>
+              <a:t>15%</a:t>
+            </a:r>
+            <a:r>
+              <a:rPr lang="en-US" sz="1600" b="1" dirty="0">
+                <a:effectLst/>
+                <a:latin typeface="Bahnschrift SemiBold" panose="020B0502040204020203" pitchFamily="34" charset="0"/>
+                <a:ea typeface="Calibri" panose="020F0502020204030204" pitchFamily="34" charset="0"/>
+                <a:cs typeface="Times New Roman" panose="02020603050405020304" pitchFamily="18" charset="0"/>
+              </a:rPr>
+              <a:t> </a:t>
+            </a:r>
+            <a:r>
+              <a:rPr lang="en-US" sz="1600" dirty="0">
+                <a:effectLst/>
+                <a:latin typeface="Bahnschrift SemiBold" panose="020B0502040204020203" pitchFamily="34" charset="0"/>
+                <a:ea typeface="Calibri" panose="020F0502020204030204" pitchFamily="34" charset="0"/>
+                <a:cs typeface="Times New Roman" panose="02020603050405020304" pitchFamily="18" charset="0"/>
+              </a:rPr>
+              <a:t>programming professionals have python certification</a:t>
+            </a:r>
+          </a:p>
+        </p:txBody>
+      </p:sp>
+      <p:sp>
+        <p:nvSpPr>
+          <p:cNvPr id="2" name="TextBox 1">
+            <a:extLst>
+              <a:ext uri="{FF2B5EF4-FFF2-40B4-BE49-F238E27FC236}">
+                <a16:creationId xmlns:a16="http://schemas.microsoft.com/office/drawing/2014/main" id="{D639F926-73AC-8647-E924-5B37CDD540F3}"/>
+              </a:ext>
+            </a:extLst>
+          </p:cNvPr>
+          <p:cNvSpPr txBox="1"/>
+          <p:nvPr/>
+        </p:nvSpPr>
+        <p:spPr>
+          <a:xfrm>
+            <a:off x="329376" y="0"/>
+            <a:ext cx="7366000" cy="1200329"/>
+          </a:xfrm>
+          <a:prstGeom prst="rect">
+            <a:avLst/>
+          </a:prstGeom>
+          <a:noFill/>
+        </p:spPr>
+        <p:txBody>
+          <a:bodyPr wrap="square" rtlCol="0">
+            <a:spAutoFit/>
+          </a:bodyPr>
+          <a:lstStyle/>
+          <a:p>
+            <a:r>
+              <a:rPr lang="en-US" sz="7200" dirty="0">
+                <a:solidFill>
+                  <a:schemeClr val="bg1"/>
+                </a:solidFill>
+                <a:latin typeface="Aharoni" panose="02010803020104030203" pitchFamily="2" charset="-79"/>
+                <a:cs typeface="Aharoni" panose="02010803020104030203" pitchFamily="2" charset="-79"/>
+              </a:rPr>
+              <a:t>Demo Run</a:t>
+            </a:r>
+          </a:p>
+        </p:txBody>
+      </p:sp>
+    </p:spTree>
+    <p:extLst>
+      <p:ext uri="{BB962C8B-B14F-4D97-AF65-F5344CB8AC3E}">
+        <p14:creationId xmlns:p14="http://schemas.microsoft.com/office/powerpoint/2010/main" val="2236196831"/>
+      </p:ext>
+    </p:extLst>
+  </p:cSld>
+  <p:clrMapOvr>
+    <a:masterClrMapping/>
+  </p:clrMapOvr>
+  <mc:AlternateContent xmlns:mc="http://schemas.openxmlformats.org/markup-compatibility/2006">
+    <mc:Choice xmlns:p14="http://schemas.microsoft.com/office/powerpoint/2010/main" Requires="p14">
+      <p:transition spd="slow" p14:dur="900">
+        <p14:warp dir="in"/>
+      </p:transition>
+    </mc:Choice>
+    <mc:Fallback>
+      <p:transition spd="slow">
+        <p:fade/>
+      </p:transition>
+    </mc:Fallback>
+  </mc:AlternateContent>
+</p:sld>
+</file>
+
+<file path=ppt/slides/slide23.xml><?xml version="1.0" encoding="utf-8"?>
+<p:sld xmlns:a="http://schemas.openxmlformats.org/drawingml/2006/main" xmlns:r="http://schemas.openxmlformats.org/officeDocument/2006/relationships" xmlns:p="http://schemas.openxmlformats.org/presentationml/2006/main">
+  <p:cSld>
+    <p:bg>
+      <p:bgPr>
+        <a:solidFill>
+          <a:schemeClr val="tx1"/>
+        </a:solidFill>
+        <a:effectLst/>
+      </p:bgPr>
+    </p:bg>
+    <p:spTree>
+      <p:nvGrpSpPr>
+        <p:cNvPr id="1" name=""/>
+        <p:cNvGrpSpPr/>
+        <p:nvPr/>
+      </p:nvGrpSpPr>
+      <p:grpSpPr>
+        <a:xfrm>
+          <a:off x="0" y="0"/>
+          <a:ext cx="0" cy="0"/>
+          <a:chOff x="0" y="0"/>
+          <a:chExt cx="0" cy="0"/>
+        </a:xfrm>
+      </p:grpSpPr>
+      <p:sp>
+        <p:nvSpPr>
+          <p:cNvPr id="14" name="Rectangle: Rounded Corners 13">
+            <a:extLst>
+              <a:ext uri="{FF2B5EF4-FFF2-40B4-BE49-F238E27FC236}">
+                <a16:creationId xmlns:a16="http://schemas.microsoft.com/office/drawing/2014/main" id="{77D1890A-6E16-AAAF-6008-648E4AC28ABF}"/>
+              </a:ext>
+            </a:extLst>
+          </p:cNvPr>
+          <p:cNvSpPr/>
+          <p:nvPr/>
+        </p:nvSpPr>
+        <p:spPr>
+          <a:xfrm>
+            <a:off x="128792" y="2093858"/>
+            <a:ext cx="3291839" cy="4174862"/>
+          </a:xfrm>
+          <a:prstGeom prst="roundRect">
+            <a:avLst>
+              <a:gd name="adj" fmla="val 7408"/>
+            </a:avLst>
+          </a:prstGeom>
+          <a:solidFill>
+            <a:srgbClr val="00B050"/>
+          </a:solidFill>
+        </p:spPr>
+        <p:style>
+          <a:lnRef idx="2">
+            <a:schemeClr val="accent2">
+              <a:shade val="15000"/>
+            </a:schemeClr>
+          </a:lnRef>
+          <a:fillRef idx="1">
+            <a:schemeClr val="accent2"/>
+          </a:fillRef>
+          <a:effectRef idx="0">
+            <a:schemeClr val="accent2"/>
+          </a:effectRef>
+          <a:fontRef idx="minor">
+            <a:schemeClr val="lt1"/>
+          </a:fontRef>
+        </p:style>
+        <p:txBody>
+          <a:bodyPr rtlCol="0" anchor="ctr"/>
+          <a:lstStyle/>
+          <a:p>
+            <a:pPr algn="ctr"/>
+            <a:endParaRPr lang="en-US"/>
+          </a:p>
+        </p:txBody>
+      </p:sp>
+      <p:sp>
+        <p:nvSpPr>
+          <p:cNvPr id="2" name="TextBox 1">
+            <a:extLst>
+              <a:ext uri="{FF2B5EF4-FFF2-40B4-BE49-F238E27FC236}">
+                <a16:creationId xmlns:a16="http://schemas.microsoft.com/office/drawing/2014/main" id="{A51C94C9-2954-9165-5E7F-959F11AB4674}"/>
+              </a:ext>
+            </a:extLst>
+          </p:cNvPr>
+          <p:cNvSpPr txBox="1"/>
+          <p:nvPr/>
+        </p:nvSpPr>
+        <p:spPr>
+          <a:xfrm>
+            <a:off x="128792" y="2093858"/>
+            <a:ext cx="3291840" cy="1077218"/>
+          </a:xfrm>
+          <a:prstGeom prst="rect">
+            <a:avLst/>
+          </a:prstGeom>
+          <a:noFill/>
+        </p:spPr>
+        <p:txBody>
+          <a:bodyPr wrap="square" rtlCol="0">
+            <a:spAutoFit/>
+          </a:bodyPr>
+          <a:lstStyle/>
+          <a:p>
+            <a:pPr algn="ctr"/>
+            <a:r>
+              <a:rPr lang="en-US" sz="3200" dirty="0">
+                <a:solidFill>
+                  <a:schemeClr val="tx1">
+                    <a:lumMod val="95000"/>
+                    <a:lumOff val="5000"/>
+                  </a:schemeClr>
+                </a:solidFill>
+                <a:latin typeface="Aharoni" panose="02010803020104030203" pitchFamily="2" charset="-79"/>
+                <a:cs typeface="Aharoni" panose="02010803020104030203" pitchFamily="2" charset="-79"/>
+              </a:rPr>
+              <a:t>Card Layout and Animation</a:t>
+            </a:r>
+          </a:p>
+        </p:txBody>
+      </p:sp>
+      <p:sp>
+        <p:nvSpPr>
+          <p:cNvPr id="4" name="TextBox 3">
+            <a:extLst>
+              <a:ext uri="{FF2B5EF4-FFF2-40B4-BE49-F238E27FC236}">
+                <a16:creationId xmlns:a16="http://schemas.microsoft.com/office/drawing/2014/main" id="{6BFDDF3E-4345-3889-27E2-ACB385A64ACE}"/>
+              </a:ext>
+            </a:extLst>
+          </p:cNvPr>
+          <p:cNvSpPr txBox="1"/>
+          <p:nvPr/>
+        </p:nvSpPr>
+        <p:spPr>
+          <a:xfrm>
+            <a:off x="421041" y="224117"/>
+            <a:ext cx="6837680" cy="2308324"/>
+          </a:xfrm>
+          <a:prstGeom prst="rect">
+            <a:avLst/>
+          </a:prstGeom>
+          <a:noFill/>
+        </p:spPr>
+        <p:txBody>
+          <a:bodyPr wrap="square" rtlCol="0">
+            <a:spAutoFit/>
+          </a:bodyPr>
+          <a:lstStyle/>
+          <a:p>
+            <a:r>
+              <a:rPr lang="en-US" sz="7200" dirty="0">
+                <a:solidFill>
+                  <a:schemeClr val="bg1"/>
+                </a:solidFill>
+                <a:latin typeface="Aharoni" panose="02010803020104030203" pitchFamily="2" charset="-79"/>
+                <a:cs typeface="Aharoni" panose="02010803020104030203" pitchFamily="2" charset="-79"/>
+              </a:rPr>
+              <a:t>FEATURES</a:t>
+            </a:r>
+          </a:p>
+          <a:p>
+            <a:endParaRPr lang="en-US" sz="7200" dirty="0">
+              <a:solidFill>
+                <a:schemeClr val="bg1"/>
+              </a:solidFill>
+              <a:latin typeface="Aharoni" panose="02010803020104030203" pitchFamily="2" charset="-79"/>
+              <a:cs typeface="Aharoni" panose="02010803020104030203" pitchFamily="2" charset="-79"/>
+            </a:endParaRPr>
+          </a:p>
+        </p:txBody>
+      </p:sp>
+      <p:sp>
+        <p:nvSpPr>
+          <p:cNvPr id="8" name="TextBox 7">
+            <a:extLst>
+              <a:ext uri="{FF2B5EF4-FFF2-40B4-BE49-F238E27FC236}">
+                <a16:creationId xmlns:a16="http://schemas.microsoft.com/office/drawing/2014/main" id="{DE2997EF-89F7-4D7F-0FD4-F8B510ED04D6}"/>
+              </a:ext>
+            </a:extLst>
+          </p:cNvPr>
+          <p:cNvSpPr txBox="1"/>
+          <p:nvPr/>
+        </p:nvSpPr>
+        <p:spPr>
+          <a:xfrm>
+            <a:off x="7843219" y="3303575"/>
+            <a:ext cx="3291840" cy="2585323"/>
+          </a:xfrm>
+          <a:prstGeom prst="rect">
+            <a:avLst/>
+          </a:prstGeom>
+          <a:noFill/>
+        </p:spPr>
+        <p:txBody>
+          <a:bodyPr wrap="square" rtlCol="0">
+            <a:spAutoFit/>
+          </a:bodyPr>
+          <a:lstStyle/>
+          <a:p>
+            <a:pPr marL="285750" indent="-285750">
+              <a:buFont typeface="Arial" panose="020B0604020202020204" pitchFamily="34" charset="0"/>
+              <a:buChar char="•"/>
+            </a:pPr>
+            <a:r>
+              <a:rPr lang="en-US" sz="1200" dirty="0"/>
+              <a:t>HTML: Structure the overall game interface using HTML elements that allow for responsive design, such as using a flexbox or grid layout to arrange cards and buttons. Utilize media queries to adapt the layout for various screen sizes and orientations.</a:t>
+            </a:r>
+          </a:p>
+          <a:p>
+            <a:pPr marL="285750" indent="-285750">
+              <a:buFont typeface="Arial" panose="020B0604020202020204" pitchFamily="34" charset="0"/>
+              <a:buChar char="•"/>
+            </a:pPr>
+            <a:r>
+              <a:rPr lang="en-US" sz="1200" kern="100" dirty="0">
+                <a:effectLst/>
+                <a:latin typeface="Calibri" panose="020F0502020204030204" pitchFamily="34" charset="0"/>
+                <a:ea typeface="Calibri" panose="020F0502020204030204" pitchFamily="34" charset="0"/>
+                <a:cs typeface="Times New Roman" panose="02020603050405020304" pitchFamily="18" charset="0"/>
+              </a:rPr>
+              <a:t>CSS: Implement responsive CSS rules to ensure that the card game interface adapts gracefully to different screen sizes and devices. This may involve adjusting the card size, spacing, or button placement as the viewport size changes.</a:t>
+            </a:r>
+          </a:p>
+          <a:p>
+            <a:pPr marL="285750" indent="-285750">
+              <a:buFont typeface="Arial" panose="020B0604020202020204" pitchFamily="34" charset="0"/>
+              <a:buChar char="•"/>
+            </a:pPr>
+            <a:endParaRPr lang="en-US" dirty="0">
+              <a:solidFill>
+                <a:schemeClr val="bg1"/>
+              </a:solidFill>
+            </a:endParaRPr>
+          </a:p>
+        </p:txBody>
+      </p:sp>
+      <p:sp>
+        <p:nvSpPr>
+          <p:cNvPr id="10" name="TextBox 9">
+            <a:extLst>
+              <a:ext uri="{FF2B5EF4-FFF2-40B4-BE49-F238E27FC236}">
+                <a16:creationId xmlns:a16="http://schemas.microsoft.com/office/drawing/2014/main" id="{4DA6D692-952C-E75A-7302-9ECB07FB0727}"/>
+              </a:ext>
+            </a:extLst>
+          </p:cNvPr>
+          <p:cNvSpPr txBox="1"/>
+          <p:nvPr/>
+        </p:nvSpPr>
+        <p:spPr>
+          <a:xfrm>
+            <a:off x="7843219" y="1974726"/>
+            <a:ext cx="3291840" cy="1077218"/>
+          </a:xfrm>
+          <a:prstGeom prst="rect">
+            <a:avLst/>
+          </a:prstGeom>
+          <a:noFill/>
+        </p:spPr>
+        <p:txBody>
+          <a:bodyPr wrap="square" rtlCol="0">
+            <a:spAutoFit/>
+          </a:bodyPr>
+          <a:lstStyle/>
+          <a:p>
+            <a:pPr algn="ctr"/>
+            <a:r>
+              <a:rPr lang="en-US" sz="3200" dirty="0">
+                <a:latin typeface="Aharoni" panose="02010803020104030203" pitchFamily="2" charset="-79"/>
+                <a:cs typeface="Aharoni" panose="02010803020104030203" pitchFamily="2" charset="-79"/>
+              </a:rPr>
+              <a:t>Responsive Design</a:t>
+            </a:r>
+          </a:p>
+        </p:txBody>
+      </p:sp>
+      <p:sp>
+        <p:nvSpPr>
+          <p:cNvPr id="18" name="TextBox 17">
+            <a:extLst>
+              <a:ext uri="{FF2B5EF4-FFF2-40B4-BE49-F238E27FC236}">
+                <a16:creationId xmlns:a16="http://schemas.microsoft.com/office/drawing/2014/main" id="{E5905236-9BB5-59D5-25FE-23550903F259}"/>
+              </a:ext>
+            </a:extLst>
+          </p:cNvPr>
+          <p:cNvSpPr txBox="1"/>
+          <p:nvPr/>
+        </p:nvSpPr>
+        <p:spPr>
+          <a:xfrm>
+            <a:off x="3927137" y="3303575"/>
+            <a:ext cx="3291840" cy="1908728"/>
+          </a:xfrm>
+          <a:prstGeom prst="rect">
+            <a:avLst/>
+          </a:prstGeom>
+          <a:noFill/>
+        </p:spPr>
+        <p:txBody>
+          <a:bodyPr wrap="square" rtlCol="0">
+            <a:spAutoFit/>
+          </a:bodyPr>
+          <a:lstStyle/>
+          <a:p>
+            <a:pPr marL="285750" marR="0" indent="-285750">
+              <a:lnSpc>
+                <a:spcPct val="107000"/>
+              </a:lnSpc>
+              <a:spcBef>
+                <a:spcPts val="0"/>
+              </a:spcBef>
+              <a:spcAft>
+                <a:spcPts val="800"/>
+              </a:spcAft>
+              <a:buFont typeface="Arial" panose="020B0604020202020204" pitchFamily="34" charset="0"/>
+              <a:buChar char="•"/>
+            </a:pPr>
+            <a:r>
+              <a:rPr lang="en-US" sz="1200" kern="100" dirty="0">
+                <a:effectLst/>
+                <a:latin typeface="Calibri" panose="020F0502020204030204" pitchFamily="34" charset="0"/>
+                <a:ea typeface="Calibri" panose="020F0502020204030204" pitchFamily="34" charset="0"/>
+                <a:cs typeface="Times New Roman" panose="02020603050405020304" pitchFamily="18" charset="0"/>
+              </a:rPr>
+              <a:t>HTML: Add interactive elements like buttons for actions such as shuffling the deck and dealing cards. Use &lt;button&gt; elements with appropriate labels and classes.</a:t>
+            </a:r>
+          </a:p>
+          <a:p>
+            <a:pPr marL="285750" indent="-285750">
+              <a:buFont typeface="Arial" panose="020B0604020202020204" pitchFamily="34" charset="0"/>
+              <a:buChar char="•"/>
+            </a:pPr>
+            <a:r>
+              <a:rPr lang="en-US" sz="1200" dirty="0">
+                <a:effectLst/>
+                <a:latin typeface="Calibri" panose="020F0502020204030204" pitchFamily="34" charset="0"/>
+                <a:ea typeface="Calibri" panose="020F0502020204030204" pitchFamily="34" charset="0"/>
+                <a:cs typeface="Times New Roman" panose="02020603050405020304" pitchFamily="18" charset="0"/>
+              </a:rPr>
+              <a:t>CSS: Apply CSS styles to these buttons, including hover effects, and possibly use CSS transitions or animations to make the buttons respond to user interactions with smooth and visually appealing effects</a:t>
+            </a:r>
+          </a:p>
+        </p:txBody>
+      </p:sp>
+      <p:sp>
+        <p:nvSpPr>
+          <p:cNvPr id="19" name="TextBox 18">
+            <a:extLst>
+              <a:ext uri="{FF2B5EF4-FFF2-40B4-BE49-F238E27FC236}">
+                <a16:creationId xmlns:a16="http://schemas.microsoft.com/office/drawing/2014/main" id="{A732A5EB-9C27-6380-EC30-A3A85FC1EF0E}"/>
+              </a:ext>
+            </a:extLst>
+          </p:cNvPr>
+          <p:cNvSpPr txBox="1"/>
+          <p:nvPr/>
+        </p:nvSpPr>
+        <p:spPr>
+          <a:xfrm>
+            <a:off x="4074980" y="2093858"/>
+            <a:ext cx="3291840" cy="584775"/>
+          </a:xfrm>
+          <a:prstGeom prst="rect">
+            <a:avLst/>
+          </a:prstGeom>
+          <a:noFill/>
+        </p:spPr>
+        <p:txBody>
+          <a:bodyPr wrap="square" rtlCol="0">
+            <a:spAutoFit/>
+          </a:bodyPr>
+          <a:lstStyle/>
+          <a:p>
+            <a:r>
+              <a:rPr lang="en-US" sz="3200" dirty="0">
+                <a:latin typeface="Aharoni" panose="02010803020104030203" pitchFamily="2" charset="-79"/>
+                <a:cs typeface="Aharoni" panose="02010803020104030203" pitchFamily="2" charset="-79"/>
+              </a:rPr>
+              <a:t>User Interaction</a:t>
+            </a:r>
+          </a:p>
+        </p:txBody>
+      </p:sp>
+      <p:sp>
+        <p:nvSpPr>
+          <p:cNvPr id="20" name="TextBox 19">
+            <a:extLst>
+              <a:ext uri="{FF2B5EF4-FFF2-40B4-BE49-F238E27FC236}">
+                <a16:creationId xmlns:a16="http://schemas.microsoft.com/office/drawing/2014/main" id="{2F9E8725-B2A7-3853-7A5A-588E23E9E484}"/>
+              </a:ext>
+            </a:extLst>
+          </p:cNvPr>
+          <p:cNvSpPr txBox="1"/>
+          <p:nvPr/>
+        </p:nvSpPr>
+        <p:spPr>
+          <a:xfrm>
+            <a:off x="254000" y="3332480"/>
+            <a:ext cx="2997200" cy="3434210"/>
+          </a:xfrm>
+          <a:prstGeom prst="rect">
+            <a:avLst/>
+          </a:prstGeom>
+          <a:noFill/>
+        </p:spPr>
+        <p:txBody>
+          <a:bodyPr wrap="square" rtlCol="0">
+            <a:spAutoFit/>
+          </a:bodyPr>
+          <a:lstStyle/>
+          <a:p>
+            <a:pPr marL="171450" indent="-171450">
+              <a:lnSpc>
+                <a:spcPct val="107000"/>
+              </a:lnSpc>
+              <a:buFont typeface="Arial" panose="020B0604020202020204" pitchFamily="34" charset="0"/>
+              <a:buChar char="•"/>
+            </a:pPr>
+            <a:r>
+              <a:rPr lang="en-US" sz="1200" kern="100" dirty="0">
+                <a:effectLst/>
+                <a:latin typeface="Calibri" panose="020F0502020204030204" pitchFamily="34" charset="0"/>
+                <a:ea typeface="Calibri" panose="020F0502020204030204" pitchFamily="34" charset="0"/>
+                <a:cs typeface="Times New Roman" panose="02020603050405020304" pitchFamily="18" charset="0"/>
+              </a:rPr>
+              <a:t>HTML: Create a card container structure using &lt;div&gt; elements to represent individual cards. Use nested &lt;div&gt; elements for the card's front and back, with appropriate classes or data attributes to identify each card's value and suit.</a:t>
+            </a:r>
+          </a:p>
+          <a:p>
+            <a:pPr marL="171450" indent="-171450">
+              <a:lnSpc>
+                <a:spcPct val="107000"/>
+              </a:lnSpc>
+              <a:buFont typeface="Arial" panose="020B0604020202020204" pitchFamily="34" charset="0"/>
+              <a:buChar char="•"/>
+            </a:pPr>
+            <a:r>
+              <a:rPr lang="en-US" sz="1200" b="1" kern="100" dirty="0">
+                <a:effectLst/>
+                <a:latin typeface="Calibri" panose="020F0502020204030204" pitchFamily="34" charset="0"/>
+                <a:ea typeface="Calibri" panose="020F0502020204030204" pitchFamily="34" charset="0"/>
+                <a:cs typeface="Times New Roman" panose="02020603050405020304" pitchFamily="18" charset="0"/>
+              </a:rPr>
+              <a:t>CSS</a:t>
+            </a:r>
+            <a:r>
+              <a:rPr lang="en-US" sz="1200" kern="100" dirty="0">
+                <a:effectLst/>
+                <a:latin typeface="Calibri" panose="020F0502020204030204" pitchFamily="34" charset="0"/>
+                <a:ea typeface="Calibri" panose="020F0502020204030204" pitchFamily="34" charset="0"/>
+                <a:cs typeface="Times New Roman" panose="02020603050405020304" pitchFamily="18" charset="0"/>
+              </a:rPr>
+              <a:t>: Apply CSS styles to these card elements, including card dimensions, borders, shadows, and background colors to simulate a realistic card appearance. Implement smooth animations, like transitions or keyframes, to create effects such as flipping a card when it's dealt or shuffling the deck.</a:t>
+            </a:r>
+          </a:p>
+          <a:p>
+            <a:pPr marL="171450" indent="-171450">
+              <a:lnSpc>
+                <a:spcPct val="107000"/>
+              </a:lnSpc>
+              <a:buFont typeface="Arial" panose="020B0604020202020204" pitchFamily="34" charset="0"/>
+              <a:buChar char="•"/>
+            </a:pPr>
+            <a:endParaRPr lang="en-US" sz="1200" kern="100" dirty="0">
+              <a:effectLst/>
+              <a:latin typeface="Calibri" panose="020F0502020204030204" pitchFamily="34" charset="0"/>
+              <a:ea typeface="Calibri" panose="020F0502020204030204" pitchFamily="34" charset="0"/>
+              <a:cs typeface="Times New Roman" panose="02020603050405020304" pitchFamily="18" charset="0"/>
+            </a:endParaRPr>
+          </a:p>
+          <a:p>
+            <a:pPr marL="342900" marR="0" lvl="0" indent="-342900">
+              <a:lnSpc>
+                <a:spcPct val="107000"/>
+              </a:lnSpc>
+              <a:spcBef>
+                <a:spcPts val="0"/>
+              </a:spcBef>
+              <a:spcAft>
+                <a:spcPts val="0"/>
+              </a:spcAft>
+              <a:buFont typeface="Symbol" panose="05050102010706020507" pitchFamily="18" charset="2"/>
+              <a:buChar char=""/>
+            </a:pPr>
+            <a:endParaRPr lang="en-US" sz="1200" b="1" dirty="0">
+              <a:effectLst/>
+              <a:latin typeface="Bahnschrift SemiBold" panose="020B0502040204020203" pitchFamily="34" charset="0"/>
+              <a:ea typeface="Calibri" panose="020F0502020204030204" pitchFamily="34" charset="0"/>
+              <a:cs typeface="Times New Roman" panose="02020603050405020304" pitchFamily="18" charset="0"/>
+            </a:endParaRPr>
+          </a:p>
+          <a:p>
+            <a:pPr marL="342900" marR="0" lvl="0" indent="-342900">
+              <a:lnSpc>
+                <a:spcPct val="107000"/>
+              </a:lnSpc>
+              <a:spcBef>
+                <a:spcPts val="0"/>
+              </a:spcBef>
+              <a:spcAft>
+                <a:spcPts val="0"/>
+              </a:spcAft>
+              <a:buFont typeface="Symbol" panose="05050102010706020507" pitchFamily="18" charset="2"/>
+              <a:buChar char=""/>
+            </a:pPr>
+            <a:endParaRPr lang="en-US" sz="1200" dirty="0">
+              <a:effectLst/>
+              <a:latin typeface="Bahnschrift SemiBold" panose="020B0502040204020203" pitchFamily="34" charset="0"/>
+              <a:ea typeface="Calibri" panose="020F0502020204030204" pitchFamily="34" charset="0"/>
+              <a:cs typeface="Times New Roman" panose="02020603050405020304" pitchFamily="18" charset="0"/>
+            </a:endParaRPr>
+          </a:p>
+        </p:txBody>
+      </p:sp>
+    </p:spTree>
+    <p:extLst>
+      <p:ext uri="{BB962C8B-B14F-4D97-AF65-F5344CB8AC3E}">
+        <p14:creationId xmlns:p14="http://schemas.microsoft.com/office/powerpoint/2010/main" val="2582257168"/>
+      </p:ext>
+    </p:extLst>
+  </p:cSld>
+  <p:clrMapOvr>
+    <a:masterClrMapping/>
+  </p:clrMapOvr>
+  <mc:AlternateContent xmlns:mc="http://schemas.openxmlformats.org/markup-compatibility/2006" xmlns:p159="http://schemas.microsoft.com/office/powerpoint/2015/09/main">
+    <mc:Choice Requires="p159">
+      <p:transition xmlns:p14="http://schemas.microsoft.com/office/powerpoint/2010/main" spd="slow" p14:dur="2000">
+        <p159:morph option="byObject"/>
+      </p:transition>
+    </mc:Choice>
+    <mc:Fallback xmlns="">
+      <p:transition spd="slow">
+        <p:fade/>
+      </p:transition>
+    </mc:Fallback>
+  </mc:AlternateContent>
+</p:sld>
+</file>
+
+<file path=ppt/slides/slide24.xml><?xml version="1.0" encoding="utf-8"?>
+<p:sld xmlns:a="http://schemas.openxmlformats.org/drawingml/2006/main" xmlns:r="http://schemas.openxmlformats.org/officeDocument/2006/relationships" xmlns:p="http://schemas.openxmlformats.org/presentationml/2006/main">
+  <p:cSld>
+    <p:bg>
+      <p:bgPr>
+        <a:solidFill>
+          <a:schemeClr val="tx1"/>
+        </a:solidFill>
+        <a:effectLst/>
+      </p:bgPr>
+    </p:bg>
+    <p:spTree>
+      <p:nvGrpSpPr>
+        <p:cNvPr id="1" name=""/>
+        <p:cNvGrpSpPr/>
+        <p:nvPr/>
+      </p:nvGrpSpPr>
+      <p:grpSpPr>
+        <a:xfrm>
+          <a:off x="0" y="0"/>
+          <a:ext cx="0" cy="0"/>
+          <a:chOff x="0" y="0"/>
+          <a:chExt cx="0" cy="0"/>
+        </a:xfrm>
+      </p:grpSpPr>
+      <p:sp>
+        <p:nvSpPr>
+          <p:cNvPr id="14" name="Rectangle: Rounded Corners 13">
+            <a:extLst>
+              <a:ext uri="{FF2B5EF4-FFF2-40B4-BE49-F238E27FC236}">
+                <a16:creationId xmlns:a16="http://schemas.microsoft.com/office/drawing/2014/main" id="{77D1890A-6E16-AAAF-6008-648E4AC28ABF}"/>
+              </a:ext>
+            </a:extLst>
+          </p:cNvPr>
+          <p:cNvSpPr/>
+          <p:nvPr/>
+        </p:nvSpPr>
+        <p:spPr>
+          <a:xfrm>
+            <a:off x="3913549" y="2074202"/>
+            <a:ext cx="3291840" cy="4147487"/>
+          </a:xfrm>
+          <a:prstGeom prst="roundRect">
+            <a:avLst>
+              <a:gd name="adj" fmla="val 7099"/>
+            </a:avLst>
+          </a:prstGeom>
+          <a:solidFill>
+            <a:srgbClr val="00B0F0"/>
+          </a:solidFill>
+        </p:spPr>
+        <p:style>
+          <a:lnRef idx="2">
+            <a:schemeClr val="accent2">
+              <a:shade val="15000"/>
+            </a:schemeClr>
+          </a:lnRef>
+          <a:fillRef idx="1">
+            <a:schemeClr val="accent2"/>
+          </a:fillRef>
+          <a:effectRef idx="0">
+            <a:schemeClr val="accent2"/>
+          </a:effectRef>
+          <a:fontRef idx="minor">
+            <a:schemeClr val="lt1"/>
+          </a:fontRef>
+        </p:style>
+        <p:txBody>
+          <a:bodyPr rtlCol="0" anchor="ctr"/>
+          <a:lstStyle/>
+          <a:p>
+            <a:pPr marL="171450" indent="-171450">
+              <a:buFont typeface="Arial" panose="020B0604020202020204" pitchFamily="34" charset="0"/>
+              <a:buChar char="•"/>
+            </a:pPr>
+            <a:r>
+              <a:rPr lang="en-US" sz="1200" dirty="0">
+                <a:solidFill>
+                  <a:schemeClr val="tx1"/>
+                </a:solidFill>
+              </a:rPr>
+              <a:t>HTML: Add interactive elements like buttons for actions such as shuffling the deck and dealing cards. Use &lt;button&gt; elements with appropriate labels and classes.</a:t>
+            </a:r>
+          </a:p>
+          <a:p>
+            <a:pPr marL="171450" indent="-171450">
+              <a:buFont typeface="Arial" panose="020B0604020202020204" pitchFamily="34" charset="0"/>
+              <a:buChar char="•"/>
+            </a:pPr>
+            <a:r>
+              <a:rPr lang="en-US" sz="1200" dirty="0">
+                <a:solidFill>
+                  <a:schemeClr val="tx1"/>
+                </a:solidFill>
+              </a:rPr>
+              <a:t>CSS: Apply CSS styles to these buttons, including hover effects, and possibly use CSS transitions or animations to make the buttons respond to user interactions with smooth and visually appealing </a:t>
+            </a:r>
+          </a:p>
+        </p:txBody>
+      </p:sp>
+      <p:sp>
+        <p:nvSpPr>
+          <p:cNvPr id="2" name="TextBox 1">
+            <a:extLst>
+              <a:ext uri="{FF2B5EF4-FFF2-40B4-BE49-F238E27FC236}">
+                <a16:creationId xmlns:a16="http://schemas.microsoft.com/office/drawing/2014/main" id="{A51C94C9-2954-9165-5E7F-959F11AB4674}"/>
+              </a:ext>
+            </a:extLst>
+          </p:cNvPr>
+          <p:cNvSpPr txBox="1"/>
+          <p:nvPr/>
+        </p:nvSpPr>
+        <p:spPr>
+          <a:xfrm>
+            <a:off x="131484" y="2074202"/>
+            <a:ext cx="3291840" cy="1815882"/>
+          </a:xfrm>
+          <a:prstGeom prst="rect">
+            <a:avLst/>
+          </a:prstGeom>
+          <a:noFill/>
+        </p:spPr>
+        <p:txBody>
+          <a:bodyPr wrap="square" rtlCol="0">
+            <a:spAutoFit/>
+          </a:bodyPr>
+          <a:lstStyle/>
+          <a:p>
+            <a:pPr algn="ctr"/>
+            <a:r>
+              <a:rPr lang="en-US" sz="3200" dirty="0">
+                <a:solidFill>
+                  <a:schemeClr val="bg1"/>
+                </a:solidFill>
+                <a:latin typeface="Aharoni" panose="02010803020104030203" pitchFamily="2" charset="-79"/>
+                <a:cs typeface="Aharoni" panose="02010803020104030203" pitchFamily="2" charset="-79"/>
+              </a:rPr>
+              <a:t>Card Layout and Animation</a:t>
+            </a:r>
+          </a:p>
+          <a:p>
+            <a:pPr algn="ctr"/>
+            <a:endParaRPr lang="en-US" sz="4800" dirty="0">
+              <a:solidFill>
+                <a:schemeClr val="bg1"/>
+              </a:solidFill>
+              <a:latin typeface="Aharoni" panose="02010803020104030203" pitchFamily="2" charset="-79"/>
+              <a:cs typeface="Aharoni" panose="02010803020104030203" pitchFamily="2" charset="-79"/>
+            </a:endParaRPr>
+          </a:p>
+        </p:txBody>
+      </p:sp>
+      <p:sp>
+        <p:nvSpPr>
+          <p:cNvPr id="4" name="TextBox 3">
+            <a:extLst>
+              <a:ext uri="{FF2B5EF4-FFF2-40B4-BE49-F238E27FC236}">
+                <a16:creationId xmlns:a16="http://schemas.microsoft.com/office/drawing/2014/main" id="{6BFDDF3E-4345-3889-27E2-ACB385A64ACE}"/>
+              </a:ext>
+            </a:extLst>
+          </p:cNvPr>
+          <p:cNvSpPr txBox="1"/>
+          <p:nvPr/>
+        </p:nvSpPr>
+        <p:spPr>
+          <a:xfrm>
+            <a:off x="421041" y="224117"/>
+            <a:ext cx="6837680" cy="1200329"/>
+          </a:xfrm>
+          <a:prstGeom prst="rect">
+            <a:avLst/>
+          </a:prstGeom>
+          <a:noFill/>
+        </p:spPr>
+        <p:txBody>
+          <a:bodyPr wrap="square" rtlCol="0">
+            <a:spAutoFit/>
+          </a:bodyPr>
+          <a:lstStyle/>
+          <a:p>
+            <a:r>
+              <a:rPr lang="en-US" sz="7200" dirty="0">
+                <a:solidFill>
+                  <a:schemeClr val="bg1"/>
+                </a:solidFill>
+                <a:latin typeface="Aharoni" panose="02010803020104030203" pitchFamily="2" charset="-79"/>
+                <a:cs typeface="Aharoni" panose="02010803020104030203" pitchFamily="2" charset="-79"/>
+              </a:rPr>
+              <a:t>FEATURES</a:t>
+            </a:r>
+          </a:p>
+        </p:txBody>
+      </p:sp>
+      <p:sp>
+        <p:nvSpPr>
+          <p:cNvPr id="9" name="TextBox 8">
+            <a:extLst>
+              <a:ext uri="{FF2B5EF4-FFF2-40B4-BE49-F238E27FC236}">
+                <a16:creationId xmlns:a16="http://schemas.microsoft.com/office/drawing/2014/main" id="{87C9125D-2F91-094C-4600-65A23214BF70}"/>
+              </a:ext>
+            </a:extLst>
+          </p:cNvPr>
+          <p:cNvSpPr txBox="1"/>
+          <p:nvPr/>
+        </p:nvSpPr>
+        <p:spPr>
+          <a:xfrm>
+            <a:off x="3946126" y="2220947"/>
+            <a:ext cx="3291840" cy="1323439"/>
+          </a:xfrm>
+          <a:prstGeom prst="rect">
+            <a:avLst/>
+          </a:prstGeom>
+          <a:noFill/>
+        </p:spPr>
+        <p:txBody>
+          <a:bodyPr wrap="square" rtlCol="0">
+            <a:spAutoFit/>
+          </a:bodyPr>
+          <a:lstStyle/>
+          <a:p>
+            <a:r>
+              <a:rPr lang="en-US" sz="3200" dirty="0">
+                <a:latin typeface="Aharoni" panose="02010803020104030203" pitchFamily="2" charset="-79"/>
+                <a:cs typeface="Aharoni" panose="02010803020104030203" pitchFamily="2" charset="-79"/>
+              </a:rPr>
+              <a:t>User Interaction</a:t>
+            </a:r>
+          </a:p>
+          <a:p>
+            <a:endParaRPr lang="en-US" sz="4800" dirty="0">
+              <a:solidFill>
+                <a:schemeClr val="tx1">
+                  <a:lumMod val="95000"/>
+                  <a:lumOff val="5000"/>
+                </a:schemeClr>
+              </a:solidFill>
+              <a:latin typeface="Aharoni" panose="02010803020104030203" pitchFamily="2" charset="-79"/>
+              <a:cs typeface="Aharoni" panose="02010803020104030203" pitchFamily="2" charset="-79"/>
+            </a:endParaRPr>
+          </a:p>
+        </p:txBody>
+      </p:sp>
+      <p:sp>
+        <p:nvSpPr>
+          <p:cNvPr id="10" name="TextBox 9">
+            <a:extLst>
+              <a:ext uri="{FF2B5EF4-FFF2-40B4-BE49-F238E27FC236}">
+                <a16:creationId xmlns:a16="http://schemas.microsoft.com/office/drawing/2014/main" id="{4DA6D692-952C-E75A-7302-9ECB07FB0727}"/>
+              </a:ext>
+            </a:extLst>
+          </p:cNvPr>
+          <p:cNvSpPr txBox="1"/>
+          <p:nvPr/>
+        </p:nvSpPr>
+        <p:spPr>
+          <a:xfrm>
+            <a:off x="7843219" y="1974726"/>
+            <a:ext cx="3291840" cy="1815882"/>
+          </a:xfrm>
+          <a:prstGeom prst="rect">
+            <a:avLst/>
+          </a:prstGeom>
+          <a:noFill/>
+        </p:spPr>
+        <p:txBody>
+          <a:bodyPr wrap="square" rtlCol="0">
+            <a:spAutoFit/>
+          </a:bodyPr>
+          <a:lstStyle/>
+          <a:p>
+            <a:pPr algn="ctr"/>
+            <a:r>
+              <a:rPr lang="en-US" sz="3200" dirty="0">
+                <a:latin typeface="Aharoni" panose="02010803020104030203" pitchFamily="2" charset="-79"/>
+                <a:cs typeface="Aharoni" panose="02010803020104030203" pitchFamily="2" charset="-79"/>
+              </a:rPr>
+              <a:t>Responsive Design</a:t>
+            </a:r>
+          </a:p>
+          <a:p>
+            <a:pPr algn="ctr"/>
+            <a:endParaRPr lang="en-US" sz="4800" dirty="0">
+              <a:solidFill>
+                <a:schemeClr val="bg1"/>
+              </a:solidFill>
+              <a:latin typeface="Aharoni" panose="02010803020104030203" pitchFamily="2" charset="-79"/>
+              <a:cs typeface="Aharoni" panose="02010803020104030203" pitchFamily="2" charset="-79"/>
+            </a:endParaRPr>
+          </a:p>
+        </p:txBody>
+      </p:sp>
+      <p:sp>
+        <p:nvSpPr>
+          <p:cNvPr id="3" name="TextBox 2">
+            <a:extLst>
+              <a:ext uri="{FF2B5EF4-FFF2-40B4-BE49-F238E27FC236}">
+                <a16:creationId xmlns:a16="http://schemas.microsoft.com/office/drawing/2014/main" id="{1F78523A-5632-5A0F-CB58-60DDF6226139}"/>
+              </a:ext>
+            </a:extLst>
+          </p:cNvPr>
+          <p:cNvSpPr txBox="1"/>
+          <p:nvPr/>
+        </p:nvSpPr>
+        <p:spPr>
+          <a:xfrm>
+            <a:off x="278804" y="3271552"/>
+            <a:ext cx="2997200" cy="3362331"/>
+          </a:xfrm>
+          <a:prstGeom prst="rect">
+            <a:avLst/>
+          </a:prstGeom>
+          <a:noFill/>
+        </p:spPr>
+        <p:txBody>
+          <a:bodyPr wrap="square" rtlCol="0">
+            <a:spAutoFit/>
+          </a:bodyPr>
+          <a:lstStyle/>
+          <a:p>
+            <a:pPr marL="171450" indent="-171450">
+              <a:lnSpc>
+                <a:spcPct val="107000"/>
+              </a:lnSpc>
+              <a:buFont typeface="Arial" panose="020B0604020202020204" pitchFamily="34" charset="0"/>
+              <a:buChar char="•"/>
+            </a:pPr>
+            <a:r>
+              <a:rPr lang="en-US" sz="1200" b="1" kern="100" dirty="0">
+                <a:solidFill>
+                  <a:schemeClr val="bg1"/>
+                </a:solidFill>
+                <a:effectLst/>
+                <a:latin typeface="Calibri" panose="020F0502020204030204" pitchFamily="34" charset="0"/>
+                <a:ea typeface="Calibri" panose="020F0502020204030204" pitchFamily="34" charset="0"/>
+                <a:cs typeface="Times New Roman" panose="02020603050405020304" pitchFamily="18" charset="0"/>
+              </a:rPr>
+              <a:t>HTML</a:t>
+            </a:r>
+            <a:r>
+              <a:rPr lang="en-US" sz="1200" kern="100" dirty="0">
+                <a:solidFill>
+                  <a:schemeClr val="bg1"/>
+                </a:solidFill>
+                <a:effectLst/>
+                <a:latin typeface="Calibri" panose="020F0502020204030204" pitchFamily="34" charset="0"/>
+                <a:ea typeface="Calibri" panose="020F0502020204030204" pitchFamily="34" charset="0"/>
+                <a:cs typeface="Times New Roman" panose="02020603050405020304" pitchFamily="18" charset="0"/>
+              </a:rPr>
+              <a:t>: Create a card container structure using &lt;div&gt; elements to represent individual cards. Use nested &lt;div&gt; elements for the card's front and back, with appropriate classes or data attributes to identify each card's value and suit.</a:t>
+            </a:r>
+          </a:p>
+          <a:p>
+            <a:pPr marL="171450" indent="-171450">
+              <a:lnSpc>
+                <a:spcPct val="107000"/>
+              </a:lnSpc>
+              <a:buFont typeface="Arial" panose="020B0604020202020204" pitchFamily="34" charset="0"/>
+              <a:buChar char="•"/>
+            </a:pPr>
+            <a:r>
+              <a:rPr lang="en-US" sz="1200" b="1" kern="100" dirty="0">
+                <a:solidFill>
+                  <a:schemeClr val="bg1"/>
+                </a:solidFill>
+                <a:effectLst/>
+                <a:latin typeface="Calibri" panose="020F0502020204030204" pitchFamily="34" charset="0"/>
+                <a:ea typeface="Calibri" panose="020F0502020204030204" pitchFamily="34" charset="0"/>
+                <a:cs typeface="Times New Roman" panose="02020603050405020304" pitchFamily="18" charset="0"/>
+              </a:rPr>
+              <a:t>CSS</a:t>
+            </a:r>
+            <a:r>
+              <a:rPr lang="en-US" sz="1200" kern="100" dirty="0">
+                <a:solidFill>
+                  <a:schemeClr val="bg1"/>
+                </a:solidFill>
+                <a:effectLst/>
+                <a:latin typeface="Calibri" panose="020F0502020204030204" pitchFamily="34" charset="0"/>
+                <a:ea typeface="Calibri" panose="020F0502020204030204" pitchFamily="34" charset="0"/>
+                <a:cs typeface="Times New Roman" panose="02020603050405020304" pitchFamily="18" charset="0"/>
+              </a:rPr>
+              <a:t>: Apply CSS styles to these card elements, including card dimensions, borders, shadows, and background colors to simulate a realistic card appearance. Implement smooth animations, like transitions or keyframes, to create effects such as flipping a card when it's dealt or shuffling the deck.</a:t>
+            </a:r>
+          </a:p>
+          <a:p>
+            <a:pPr marL="171450" indent="-171450">
+              <a:lnSpc>
+                <a:spcPct val="107000"/>
+              </a:lnSpc>
+              <a:buFont typeface="Arial" panose="020B0604020202020204" pitchFamily="34" charset="0"/>
+              <a:buChar char="•"/>
+            </a:pPr>
+            <a:endParaRPr lang="en-US" sz="1600" kern="100" dirty="0">
+              <a:effectLst/>
+              <a:latin typeface="Calibri" panose="020F0502020204030204" pitchFamily="34" charset="0"/>
+              <a:ea typeface="Calibri" panose="020F0502020204030204" pitchFamily="34" charset="0"/>
+              <a:cs typeface="Times New Roman" panose="02020603050405020304" pitchFamily="18" charset="0"/>
+            </a:endParaRPr>
+          </a:p>
+          <a:p>
+            <a:pPr marL="342900" marR="0" lvl="0" indent="-342900">
+              <a:lnSpc>
+                <a:spcPct val="107000"/>
+              </a:lnSpc>
+              <a:spcBef>
+                <a:spcPts val="0"/>
+              </a:spcBef>
+              <a:spcAft>
+                <a:spcPts val="0"/>
+              </a:spcAft>
+              <a:buFont typeface="Symbol" panose="05050102010706020507" pitchFamily="18" charset="2"/>
+              <a:buChar char=""/>
+            </a:pPr>
+            <a:endParaRPr lang="en-US" sz="1600" b="1" dirty="0">
+              <a:solidFill>
+                <a:schemeClr val="bg1"/>
+              </a:solidFill>
+              <a:effectLst/>
+              <a:latin typeface="Bahnschrift SemiBold" panose="020B0502040204020203" pitchFamily="34" charset="0"/>
+              <a:ea typeface="Calibri" panose="020F0502020204030204" pitchFamily="34" charset="0"/>
+              <a:cs typeface="Times New Roman" panose="02020603050405020304" pitchFamily="18" charset="0"/>
+            </a:endParaRPr>
+          </a:p>
+        </p:txBody>
+      </p:sp>
+      <p:pic>
+        <p:nvPicPr>
+          <p:cNvPr id="13" name="Picture 12">
+            <a:extLst>
+              <a:ext uri="{FF2B5EF4-FFF2-40B4-BE49-F238E27FC236}">
+                <a16:creationId xmlns:a16="http://schemas.microsoft.com/office/drawing/2014/main" id="{700A8A9C-ED02-5F16-A690-C099CC97B205}"/>
+              </a:ext>
+            </a:extLst>
+          </p:cNvPr>
+          <p:cNvPicPr>
+            <a:picLocks noChangeAspect="1"/>
+          </p:cNvPicPr>
+          <p:nvPr/>
+        </p:nvPicPr>
+        <p:blipFill>
+          <a:blip r:embed="rId2"/>
+          <a:stretch>
+            <a:fillRect/>
+          </a:stretch>
+        </p:blipFill>
+        <p:spPr>
+          <a:xfrm>
+            <a:off x="7842934" y="3429000"/>
+            <a:ext cx="3292125" cy="2591025"/>
+          </a:xfrm>
+          <a:prstGeom prst="rect">
+            <a:avLst/>
+          </a:prstGeom>
+        </p:spPr>
+      </p:pic>
+    </p:spTree>
+    <p:extLst>
+      <p:ext uri="{BB962C8B-B14F-4D97-AF65-F5344CB8AC3E}">
+        <p14:creationId xmlns:p14="http://schemas.microsoft.com/office/powerpoint/2010/main" val="2673659483"/>
+      </p:ext>
+    </p:extLst>
+  </p:cSld>
+  <p:clrMapOvr>
+    <a:masterClrMapping/>
+  </p:clrMapOvr>
+  <mc:AlternateContent xmlns:mc="http://schemas.openxmlformats.org/markup-compatibility/2006" xmlns:p159="http://schemas.microsoft.com/office/powerpoint/2015/09/main">
+    <mc:Choice Requires="p159">
+      <p:transition xmlns:p14="http://schemas.microsoft.com/office/powerpoint/2010/main" spd="slow" p14:dur="2000">
+        <p159:morph option="byObject"/>
+      </p:transition>
+    </mc:Choice>
+    <mc:Fallback xmlns="">
+      <p:transition spd="slow">
+        <p:fade/>
+      </p:transition>
+    </mc:Fallback>
+  </mc:AlternateContent>
+</p:sld>
+</file>
+
+<file path=ppt/slides/slide25.xml><?xml version="1.0" encoding="utf-8"?>
+<p:sld xmlns:a="http://schemas.openxmlformats.org/drawingml/2006/main" xmlns:r="http://schemas.openxmlformats.org/officeDocument/2006/relationships" xmlns:p="http://schemas.openxmlformats.org/presentationml/2006/main">
+  <p:cSld>
+    <p:bg>
+      <p:bgPr>
+        <a:solidFill>
+          <a:schemeClr val="tx1"/>
+        </a:solidFill>
+        <a:effectLst/>
+      </p:bgPr>
+    </p:bg>
+    <p:spTree>
+      <p:nvGrpSpPr>
+        <p:cNvPr id="1" name=""/>
+        <p:cNvGrpSpPr/>
+        <p:nvPr/>
+      </p:nvGrpSpPr>
+      <p:grpSpPr>
+        <a:xfrm>
+          <a:off x="0" y="0"/>
+          <a:ext cx="0" cy="0"/>
+          <a:chOff x="0" y="0"/>
+          <a:chExt cx="0" cy="0"/>
+        </a:xfrm>
+      </p:grpSpPr>
+      <p:sp>
+        <p:nvSpPr>
+          <p:cNvPr id="14" name="Rectangle: Rounded Corners 13">
+            <a:extLst>
+              <a:ext uri="{FF2B5EF4-FFF2-40B4-BE49-F238E27FC236}">
+                <a16:creationId xmlns:a16="http://schemas.microsoft.com/office/drawing/2014/main" id="{77D1890A-6E16-AAAF-6008-648E4AC28ABF}"/>
+              </a:ext>
+            </a:extLst>
+          </p:cNvPr>
+          <p:cNvSpPr/>
+          <p:nvPr/>
+        </p:nvSpPr>
+        <p:spPr>
+          <a:xfrm>
+            <a:off x="7910377" y="1870356"/>
+            <a:ext cx="3291840" cy="4161359"/>
+          </a:xfrm>
+          <a:prstGeom prst="roundRect">
+            <a:avLst>
+              <a:gd name="adj" fmla="val 7408"/>
+            </a:avLst>
+          </a:prstGeom>
+          <a:solidFill>
+            <a:srgbClr val="7030A0"/>
+          </a:solidFill>
+        </p:spPr>
+        <p:style>
+          <a:lnRef idx="2">
+            <a:schemeClr val="accent2">
+              <a:shade val="15000"/>
+            </a:schemeClr>
+          </a:lnRef>
+          <a:fillRef idx="1">
+            <a:schemeClr val="accent2"/>
+          </a:fillRef>
+          <a:effectRef idx="0">
+            <a:schemeClr val="accent2"/>
+          </a:effectRef>
+          <a:fontRef idx="minor">
+            <a:schemeClr val="lt1"/>
+          </a:fontRef>
+        </p:style>
+        <p:txBody>
+          <a:bodyPr rtlCol="0" anchor="ctr"/>
+          <a:lstStyle/>
+          <a:p>
+            <a:pPr algn="ctr"/>
+            <a:endParaRPr lang="en-US" dirty="0"/>
+          </a:p>
+        </p:txBody>
+      </p:sp>
+      <p:sp>
+        <p:nvSpPr>
+          <p:cNvPr id="4" name="TextBox 3">
+            <a:extLst>
+              <a:ext uri="{FF2B5EF4-FFF2-40B4-BE49-F238E27FC236}">
+                <a16:creationId xmlns:a16="http://schemas.microsoft.com/office/drawing/2014/main" id="{6BFDDF3E-4345-3889-27E2-ACB385A64ACE}"/>
+              </a:ext>
+            </a:extLst>
+          </p:cNvPr>
+          <p:cNvSpPr txBox="1"/>
+          <p:nvPr/>
+        </p:nvSpPr>
+        <p:spPr>
+          <a:xfrm>
+            <a:off x="421041" y="224117"/>
+            <a:ext cx="6837680" cy="2308324"/>
+          </a:xfrm>
+          <a:prstGeom prst="rect">
+            <a:avLst/>
+          </a:prstGeom>
+          <a:noFill/>
+        </p:spPr>
+        <p:txBody>
+          <a:bodyPr wrap="square" rtlCol="0">
+            <a:spAutoFit/>
+          </a:bodyPr>
+          <a:lstStyle/>
+          <a:p>
+            <a:r>
+              <a:rPr lang="en-US" sz="7200" dirty="0">
+                <a:solidFill>
+                  <a:schemeClr val="bg1"/>
+                </a:solidFill>
+                <a:latin typeface="Aharoni" panose="02010803020104030203" pitchFamily="2" charset="-79"/>
+                <a:cs typeface="Aharoni" panose="02010803020104030203" pitchFamily="2" charset="-79"/>
+              </a:rPr>
+              <a:t>FEATURES</a:t>
+            </a:r>
+          </a:p>
+          <a:p>
+            <a:endParaRPr lang="en-US" sz="7200" dirty="0">
+              <a:solidFill>
+                <a:schemeClr val="bg1"/>
+              </a:solidFill>
+              <a:latin typeface="Aharoni" panose="02010803020104030203" pitchFamily="2" charset="-79"/>
+              <a:cs typeface="Aharoni" panose="02010803020104030203" pitchFamily="2" charset="-79"/>
+            </a:endParaRPr>
+          </a:p>
+        </p:txBody>
+      </p:sp>
+      <p:sp>
+        <p:nvSpPr>
+          <p:cNvPr id="10" name="TextBox 9">
+            <a:extLst>
+              <a:ext uri="{FF2B5EF4-FFF2-40B4-BE49-F238E27FC236}">
+                <a16:creationId xmlns:a16="http://schemas.microsoft.com/office/drawing/2014/main" id="{4DA6D692-952C-E75A-7302-9ECB07FB0727}"/>
+              </a:ext>
+            </a:extLst>
+          </p:cNvPr>
+          <p:cNvSpPr txBox="1"/>
+          <p:nvPr/>
+        </p:nvSpPr>
+        <p:spPr>
+          <a:xfrm>
+            <a:off x="7888486" y="1869440"/>
+            <a:ext cx="3291840" cy="1569660"/>
+          </a:xfrm>
+          <a:prstGeom prst="rect">
+            <a:avLst/>
+          </a:prstGeom>
+          <a:noFill/>
+        </p:spPr>
+        <p:txBody>
+          <a:bodyPr wrap="square" rtlCol="0">
+            <a:spAutoFit/>
+          </a:bodyPr>
+          <a:lstStyle/>
+          <a:p>
+            <a:pPr algn="ctr"/>
+            <a:r>
+              <a:rPr lang="en-US" sz="3200" dirty="0">
+                <a:latin typeface="Aharoni" panose="02010803020104030203" pitchFamily="2" charset="-79"/>
+                <a:cs typeface="Aharoni" panose="02010803020104030203" pitchFamily="2" charset="-79"/>
+              </a:rPr>
+              <a:t>Responsive Design</a:t>
+            </a:r>
+          </a:p>
+          <a:p>
+            <a:pPr algn="ctr"/>
+            <a:endParaRPr lang="en-US" sz="3200" dirty="0">
+              <a:solidFill>
+                <a:sysClr val="windowText" lastClr="000000"/>
+              </a:solidFill>
+              <a:latin typeface="Aharoni" panose="02010803020104030203" pitchFamily="2" charset="-79"/>
+              <a:cs typeface="Aharoni" panose="02010803020104030203" pitchFamily="2" charset="-79"/>
+            </a:endParaRPr>
+          </a:p>
+        </p:txBody>
+      </p:sp>
+      <p:sp>
+        <p:nvSpPr>
+          <p:cNvPr id="3" name="TextBox 2">
+            <a:extLst>
+              <a:ext uri="{FF2B5EF4-FFF2-40B4-BE49-F238E27FC236}">
+                <a16:creationId xmlns:a16="http://schemas.microsoft.com/office/drawing/2014/main" id="{9002B57B-EB45-4A26-3706-84D452A55247}"/>
+              </a:ext>
+            </a:extLst>
+          </p:cNvPr>
+          <p:cNvSpPr txBox="1"/>
+          <p:nvPr/>
+        </p:nvSpPr>
+        <p:spPr>
+          <a:xfrm>
+            <a:off x="278804" y="3183307"/>
+            <a:ext cx="2997200" cy="2848408"/>
+          </a:xfrm>
+          <a:prstGeom prst="rect">
+            <a:avLst/>
+          </a:prstGeom>
+          <a:noFill/>
+        </p:spPr>
+        <p:txBody>
+          <a:bodyPr wrap="square" rtlCol="0">
+            <a:spAutoFit/>
+          </a:bodyPr>
+          <a:lstStyle/>
+          <a:p>
+            <a:pPr marL="171450" indent="-171450">
+              <a:lnSpc>
+                <a:spcPct val="107000"/>
+              </a:lnSpc>
+              <a:buFont typeface="Arial" panose="020B0604020202020204" pitchFamily="34" charset="0"/>
+              <a:buChar char="•"/>
+            </a:pPr>
+            <a:r>
+              <a:rPr lang="en-US" sz="1200" b="1" kern="100" dirty="0">
+                <a:solidFill>
+                  <a:schemeClr val="bg1"/>
+                </a:solidFill>
+                <a:effectLst/>
+                <a:latin typeface="Calibri" panose="020F0502020204030204" pitchFamily="34" charset="0"/>
+                <a:ea typeface="Calibri" panose="020F0502020204030204" pitchFamily="34" charset="0"/>
+                <a:cs typeface="Times New Roman" panose="02020603050405020304" pitchFamily="18" charset="0"/>
+              </a:rPr>
+              <a:t>HTML</a:t>
+            </a:r>
+            <a:r>
+              <a:rPr lang="en-US" sz="1200" kern="100" dirty="0">
+                <a:solidFill>
+                  <a:schemeClr val="bg1"/>
+                </a:solidFill>
+                <a:effectLst/>
+                <a:latin typeface="Calibri" panose="020F0502020204030204" pitchFamily="34" charset="0"/>
+                <a:ea typeface="Calibri" panose="020F0502020204030204" pitchFamily="34" charset="0"/>
+                <a:cs typeface="Times New Roman" panose="02020603050405020304" pitchFamily="18" charset="0"/>
+              </a:rPr>
+              <a:t>: Create a card container structure using &lt;div&gt; elements to represent individual cards. Use nested &lt;div&gt; elements for the card's front and back, with appropriate classes or data attributes to identify each card's value and suit.</a:t>
+            </a:r>
+          </a:p>
+          <a:p>
+            <a:pPr marL="171450" indent="-171450">
+              <a:lnSpc>
+                <a:spcPct val="107000"/>
+              </a:lnSpc>
+              <a:buFont typeface="Arial" panose="020B0604020202020204" pitchFamily="34" charset="0"/>
+              <a:buChar char="•"/>
+            </a:pPr>
+            <a:r>
+              <a:rPr lang="en-US" sz="1200" b="1" kern="100" dirty="0">
+                <a:solidFill>
+                  <a:schemeClr val="bg1"/>
+                </a:solidFill>
+                <a:effectLst/>
+                <a:latin typeface="Calibri" panose="020F0502020204030204" pitchFamily="34" charset="0"/>
+                <a:ea typeface="Calibri" panose="020F0502020204030204" pitchFamily="34" charset="0"/>
+                <a:cs typeface="Times New Roman" panose="02020603050405020304" pitchFamily="18" charset="0"/>
+              </a:rPr>
+              <a:t>CSS</a:t>
+            </a:r>
+            <a:r>
+              <a:rPr lang="en-US" sz="1200" kern="100" dirty="0">
+                <a:solidFill>
+                  <a:schemeClr val="bg1"/>
+                </a:solidFill>
+                <a:effectLst/>
+                <a:latin typeface="Calibri" panose="020F0502020204030204" pitchFamily="34" charset="0"/>
+                <a:ea typeface="Calibri" panose="020F0502020204030204" pitchFamily="34" charset="0"/>
+                <a:cs typeface="Times New Roman" panose="02020603050405020304" pitchFamily="18" charset="0"/>
+              </a:rPr>
+              <a:t>: Apply CSS styles to these card elements, including card dimensions, borders, shadows, and background colors to simulate a realistic card appearance. Implement smooth animations, like transitions or keyframes, to create effects such as flipping a card when it's dealt or shuffling the deck</a:t>
+            </a:r>
+            <a:r>
+              <a:rPr lang="en-US" sz="1200" b="1" dirty="0">
+                <a:solidFill>
+                  <a:schemeClr val="bg1"/>
+                </a:solidFill>
+                <a:effectLst/>
+                <a:latin typeface="Bahnschrift SemiBold" panose="020B0502040204020203" pitchFamily="34" charset="0"/>
+                <a:ea typeface="Calibri" panose="020F0502020204030204" pitchFamily="34" charset="0"/>
+                <a:cs typeface="Times New Roman" panose="02020603050405020304" pitchFamily="18" charset="0"/>
+              </a:rPr>
+              <a:t> </a:t>
+            </a:r>
+          </a:p>
+        </p:txBody>
+      </p:sp>
+      <p:sp>
+        <p:nvSpPr>
+          <p:cNvPr id="6" name="TextBox 5">
+            <a:extLst>
+              <a:ext uri="{FF2B5EF4-FFF2-40B4-BE49-F238E27FC236}">
+                <a16:creationId xmlns:a16="http://schemas.microsoft.com/office/drawing/2014/main" id="{49B663DF-63D9-9A84-6288-8D6428D4BC1D}"/>
+              </a:ext>
+            </a:extLst>
+          </p:cNvPr>
+          <p:cNvSpPr txBox="1"/>
+          <p:nvPr/>
+        </p:nvSpPr>
+        <p:spPr>
+          <a:xfrm>
+            <a:off x="131484" y="2074202"/>
+            <a:ext cx="3291840" cy="1077218"/>
+          </a:xfrm>
+          <a:prstGeom prst="rect">
+            <a:avLst/>
+          </a:prstGeom>
+          <a:noFill/>
+        </p:spPr>
+        <p:txBody>
+          <a:bodyPr wrap="square" rtlCol="0">
+            <a:spAutoFit/>
+          </a:bodyPr>
+          <a:lstStyle/>
+          <a:p>
+            <a:pPr algn="ctr"/>
+            <a:r>
+              <a:rPr lang="en-US" sz="3200" dirty="0">
+                <a:solidFill>
+                  <a:schemeClr val="bg1"/>
+                </a:solidFill>
+                <a:latin typeface="Aharoni" panose="02010803020104030203" pitchFamily="2" charset="-79"/>
+                <a:cs typeface="Aharoni" panose="02010803020104030203" pitchFamily="2" charset="-79"/>
+              </a:rPr>
+              <a:t>Card Layout and Animation</a:t>
+            </a:r>
+          </a:p>
+        </p:txBody>
+      </p:sp>
+      <p:sp>
+        <p:nvSpPr>
+          <p:cNvPr id="7" name="TextBox 6">
+            <a:extLst>
+              <a:ext uri="{FF2B5EF4-FFF2-40B4-BE49-F238E27FC236}">
+                <a16:creationId xmlns:a16="http://schemas.microsoft.com/office/drawing/2014/main" id="{FC4C7400-920D-4DFC-DA3C-DDC4EFB888F1}"/>
+              </a:ext>
+            </a:extLst>
+          </p:cNvPr>
+          <p:cNvSpPr txBox="1"/>
+          <p:nvPr/>
+        </p:nvSpPr>
+        <p:spPr>
+          <a:xfrm>
+            <a:off x="4074980" y="2093858"/>
+            <a:ext cx="3291840" cy="1077218"/>
+          </a:xfrm>
+          <a:prstGeom prst="rect">
+            <a:avLst/>
+          </a:prstGeom>
+          <a:noFill/>
+        </p:spPr>
+        <p:txBody>
+          <a:bodyPr wrap="square" rtlCol="0">
+            <a:spAutoFit/>
+          </a:bodyPr>
+          <a:lstStyle/>
+          <a:p>
+            <a:r>
+              <a:rPr lang="en-US" sz="3200" dirty="0">
+                <a:solidFill>
+                  <a:schemeClr val="bg1"/>
+                </a:solidFill>
+                <a:latin typeface="Aharoni" panose="02010803020104030203" pitchFamily="2" charset="-79"/>
+                <a:cs typeface="Aharoni" panose="02010803020104030203" pitchFamily="2" charset="-79"/>
+              </a:rPr>
+              <a:t>User Interaction</a:t>
+            </a:r>
+          </a:p>
+          <a:p>
+            <a:endParaRPr lang="en-US" sz="3200" dirty="0">
+              <a:solidFill>
+                <a:schemeClr val="bg1"/>
+              </a:solidFill>
+              <a:latin typeface="Aharoni" panose="02010803020104030203" pitchFamily="2" charset="-79"/>
+              <a:cs typeface="Aharoni" panose="02010803020104030203" pitchFamily="2" charset="-79"/>
+            </a:endParaRPr>
+          </a:p>
+        </p:txBody>
+      </p:sp>
+      <p:sp>
+        <p:nvSpPr>
+          <p:cNvPr id="12" name="TextBox 11">
+            <a:extLst>
+              <a:ext uri="{FF2B5EF4-FFF2-40B4-BE49-F238E27FC236}">
+                <a16:creationId xmlns:a16="http://schemas.microsoft.com/office/drawing/2014/main" id="{23618A7F-8599-67D1-83F1-3B227A0CC98A}"/>
+              </a:ext>
+            </a:extLst>
+          </p:cNvPr>
+          <p:cNvSpPr txBox="1"/>
+          <p:nvPr/>
+        </p:nvSpPr>
+        <p:spPr>
+          <a:xfrm>
+            <a:off x="7866449" y="3183307"/>
+            <a:ext cx="3138846" cy="2492990"/>
+          </a:xfrm>
+          <a:prstGeom prst="rect">
+            <a:avLst/>
+          </a:prstGeom>
+          <a:noFill/>
+        </p:spPr>
+        <p:txBody>
+          <a:bodyPr wrap="square" rtlCol="0">
+            <a:spAutoFit/>
+          </a:bodyPr>
+          <a:lstStyle/>
+          <a:p>
+            <a:pPr marL="285750" indent="-285750">
+              <a:buFont typeface="Arial" panose="020B0604020202020204" pitchFamily="34" charset="0"/>
+              <a:buChar char="•"/>
+            </a:pPr>
+            <a:r>
+              <a:rPr lang="en-US" sz="1200" dirty="0"/>
+              <a:t>HTML: Structure the overall game interface using HTML elements that allow for responsive design, such as using a flexbox or grid layout to arrange cards and buttons. Utilize media queries to adapt the layout for various screen sizes and orientations.</a:t>
+            </a:r>
+          </a:p>
+          <a:p>
+            <a:pPr marL="285750" indent="-285750">
+              <a:buFont typeface="Arial" panose="020B0604020202020204" pitchFamily="34" charset="0"/>
+              <a:buChar char="•"/>
+            </a:pPr>
+            <a:r>
+              <a:rPr lang="en-US" sz="1200" kern="100" dirty="0">
+                <a:effectLst/>
+                <a:latin typeface="Calibri" panose="020F0502020204030204" pitchFamily="34" charset="0"/>
+                <a:ea typeface="Calibri" panose="020F0502020204030204" pitchFamily="34" charset="0"/>
+                <a:cs typeface="Times New Roman" panose="02020603050405020304" pitchFamily="18" charset="0"/>
+              </a:rPr>
+              <a:t>CSS: Implement responsive CSS rules to ensure that the card game interface adapts gracefully to different screen sizes and devices. This may involve adjusting the card size, spacing, or button placement as the viewport size changes</a:t>
+            </a:r>
+            <a:endParaRPr lang="en-US" sz="1200" dirty="0">
+              <a:latin typeface="Bahnschrift SemiBold" panose="020B0502040204020203" pitchFamily="34" charset="0"/>
+            </a:endParaRPr>
+          </a:p>
+        </p:txBody>
+      </p:sp>
+      <p:pic>
+        <p:nvPicPr>
+          <p:cNvPr id="2" name="Picture 1">
+            <a:extLst>
+              <a:ext uri="{FF2B5EF4-FFF2-40B4-BE49-F238E27FC236}">
+                <a16:creationId xmlns:a16="http://schemas.microsoft.com/office/drawing/2014/main" id="{FB002739-ABB2-35F2-8A8B-8FB88B030390}"/>
+              </a:ext>
+            </a:extLst>
+          </p:cNvPr>
+          <p:cNvPicPr>
+            <a:picLocks noChangeAspect="1"/>
+          </p:cNvPicPr>
+          <p:nvPr/>
+        </p:nvPicPr>
+        <p:blipFill>
+          <a:blip r:embed="rId2"/>
+          <a:stretch>
+            <a:fillRect/>
+          </a:stretch>
+        </p:blipFill>
+        <p:spPr>
+          <a:xfrm>
+            <a:off x="3995427" y="3171076"/>
+            <a:ext cx="3292125" cy="1938696"/>
+          </a:xfrm>
+          <a:prstGeom prst="rect">
+            <a:avLst/>
+          </a:prstGeom>
+        </p:spPr>
+      </p:pic>
+    </p:spTree>
+    <p:extLst>
+      <p:ext uri="{BB962C8B-B14F-4D97-AF65-F5344CB8AC3E}">
+        <p14:creationId xmlns:p14="http://schemas.microsoft.com/office/powerpoint/2010/main" val="3578239621"/>
+      </p:ext>
+    </p:extLst>
+  </p:cSld>
+  <p:clrMapOvr>
+    <a:masterClrMapping/>
+  </p:clrMapOvr>
+  <mc:AlternateContent xmlns:mc="http://schemas.openxmlformats.org/markup-compatibility/2006" xmlns:p159="http://schemas.microsoft.com/office/powerpoint/2015/09/main">
+    <mc:Choice Requires="p159">
+      <p:transition xmlns:p14="http://schemas.microsoft.com/office/powerpoint/2010/main" spd="slow" p14:dur="2000">
+        <p159:morph option="byObject"/>
+      </p:transition>
+    </mc:Choice>
+    <mc:Fallback xmlns="">
+      <p:transition spd="slow">
+        <p:fade/>
+      </p:transition>
+    </mc:Fallback>
+  </mc:AlternateContent>
+</p:sld>
+</file>
+
+<file path=ppt/slides/slide26.xml><?xml version="1.0" encoding="utf-8"?>
+<p:sld xmlns:a="http://schemas.openxmlformats.org/drawingml/2006/main" xmlns:r="http://schemas.openxmlformats.org/officeDocument/2006/relationships" xmlns:p="http://schemas.openxmlformats.org/presentationml/2006/main">
+  <p:cSld>
+    <p:bg>
+      <p:bgPr>
+        <a:solidFill>
+          <a:schemeClr val="tx1"/>
+        </a:solidFill>
+        <a:effectLst/>
+      </p:bgPr>
+    </p:bg>
+    <p:spTree>
+      <p:nvGrpSpPr>
+        <p:cNvPr id="1" name=""/>
+        <p:cNvGrpSpPr/>
+        <p:nvPr/>
+      </p:nvGrpSpPr>
+      <p:grpSpPr>
+        <a:xfrm>
+          <a:off x="0" y="0"/>
+          <a:ext cx="0" cy="0"/>
+          <a:chOff x="0" y="0"/>
+          <a:chExt cx="0" cy="0"/>
+        </a:xfrm>
+      </p:grpSpPr>
+      <p:sp>
+        <p:nvSpPr>
+          <p:cNvPr id="3" name="TextBox 2">
+            <a:extLst>
+              <a:ext uri="{FF2B5EF4-FFF2-40B4-BE49-F238E27FC236}">
+                <a16:creationId xmlns:a16="http://schemas.microsoft.com/office/drawing/2014/main" id="{02101A27-4426-A3CD-6550-ACFA72D4408C}"/>
+              </a:ext>
+            </a:extLst>
+          </p:cNvPr>
+          <p:cNvSpPr txBox="1"/>
+          <p:nvPr/>
+        </p:nvSpPr>
+        <p:spPr>
+          <a:xfrm>
+            <a:off x="421041" y="224117"/>
+            <a:ext cx="7728660" cy="1200329"/>
+          </a:xfrm>
+          <a:prstGeom prst="rect">
+            <a:avLst/>
+          </a:prstGeom>
+          <a:noFill/>
+        </p:spPr>
+        <p:txBody>
+          <a:bodyPr wrap="square" rtlCol="0">
+            <a:spAutoFit/>
+          </a:bodyPr>
+          <a:lstStyle/>
+          <a:p>
+            <a:r>
+              <a:rPr lang="en-US" sz="7200" dirty="0">
+                <a:solidFill>
+                  <a:schemeClr val="bg1"/>
+                </a:solidFill>
+                <a:latin typeface="Aharoni" panose="02010803020104030203" pitchFamily="2" charset="-79"/>
+                <a:cs typeface="Aharoni" panose="02010803020104030203" pitchFamily="2" charset="-79"/>
+              </a:rPr>
+              <a:t>Communication</a:t>
+            </a:r>
+          </a:p>
+        </p:txBody>
+      </p:sp>
+      <p:sp>
+        <p:nvSpPr>
+          <p:cNvPr id="2" name="Flowchart: Connector 1">
+            <a:extLst>
+              <a:ext uri="{FF2B5EF4-FFF2-40B4-BE49-F238E27FC236}">
+                <a16:creationId xmlns:a16="http://schemas.microsoft.com/office/drawing/2014/main" id="{32E03C81-0265-1D9E-FF7A-8C439417A3D7}"/>
+              </a:ext>
+            </a:extLst>
+          </p:cNvPr>
+          <p:cNvSpPr/>
+          <p:nvPr/>
+        </p:nvSpPr>
+        <p:spPr>
+          <a:xfrm>
+            <a:off x="1012054" y="2459115"/>
+            <a:ext cx="3719744" cy="3355759"/>
+          </a:xfrm>
+          <a:prstGeom prst="flowChartConnector">
+            <a:avLst/>
+          </a:prstGeom>
+          <a:blipFill>
+            <a:blip r:embed="rId2"/>
+            <a:stretch>
+              <a:fillRect/>
+            </a:stretch>
+          </a:blipFill>
+        </p:spPr>
+        <p:style>
+          <a:lnRef idx="2">
+            <a:schemeClr val="accent1">
+              <a:shade val="15000"/>
+            </a:schemeClr>
+          </a:lnRef>
+          <a:fillRef idx="1">
+            <a:schemeClr val="accent1"/>
+          </a:fillRef>
+          <a:effectRef idx="0">
+            <a:schemeClr val="accent1"/>
+          </a:effectRef>
+          <a:fontRef idx="minor">
+            <a:schemeClr val="lt1"/>
+          </a:fontRef>
+        </p:style>
+        <p:txBody>
+          <a:bodyPr rtlCol="0" anchor="ctr"/>
+          <a:lstStyle/>
+          <a:p>
+            <a:pPr algn="ctr"/>
+            <a:endParaRPr lang="en-US" dirty="0"/>
+          </a:p>
+        </p:txBody>
+      </p:sp>
+      <p:pic>
+        <p:nvPicPr>
+          <p:cNvPr id="6" name="Picture 5">
+            <a:extLst>
+              <a:ext uri="{FF2B5EF4-FFF2-40B4-BE49-F238E27FC236}">
+                <a16:creationId xmlns:a16="http://schemas.microsoft.com/office/drawing/2014/main" id="{223CC6BD-8D60-49B7-5F42-5EC1E739F47A}"/>
+              </a:ext>
+            </a:extLst>
+          </p:cNvPr>
+          <p:cNvPicPr>
+            <a:picLocks noChangeAspect="1"/>
+          </p:cNvPicPr>
+          <p:nvPr/>
+        </p:nvPicPr>
+        <p:blipFill>
+          <a:blip r:embed="rId3"/>
+          <a:stretch>
+            <a:fillRect/>
+          </a:stretch>
+        </p:blipFill>
+        <p:spPr>
+          <a:xfrm>
+            <a:off x="1156205" y="2459115"/>
+            <a:ext cx="3431441" cy="3451587"/>
+          </a:xfrm>
+          <a:prstGeom prst="ellipse">
+            <a:avLst/>
+          </a:prstGeom>
+          <a:ln w="63500" cap="rnd">
+            <a:solidFill>
+              <a:srgbClr val="333333"/>
+            </a:solidFill>
+          </a:ln>
+          <a:effectLst>
+            <a:outerShdw blurRad="381000" dist="292100" dir="5400000" sx="-80000" sy="-18000" rotWithShape="0">
+              <a:srgbClr val="000000">
+                <a:alpha val="22000"/>
+              </a:srgbClr>
+            </a:outerShdw>
+          </a:effectLst>
+          <a:scene3d>
+            <a:camera prst="orthographicFront"/>
+            <a:lightRig rig="contrasting" dir="t">
+              <a:rot lat="0" lon="0" rev="3000000"/>
+            </a:lightRig>
+          </a:scene3d>
+          <a:sp3d contourW="7620">
+            <a:bevelT w="95250" h="31750"/>
+            <a:contourClr>
+              <a:srgbClr val="333333"/>
+            </a:contourClr>
+          </a:sp3d>
+        </p:spPr>
+      </p:pic>
+      <p:sp>
+        <p:nvSpPr>
+          <p:cNvPr id="7" name="Rectangle: Rounded Corners 6">
+            <a:extLst>
+              <a:ext uri="{FF2B5EF4-FFF2-40B4-BE49-F238E27FC236}">
+                <a16:creationId xmlns:a16="http://schemas.microsoft.com/office/drawing/2014/main" id="{0714CDEC-E582-3428-DC14-2A4A6E5C6C34}"/>
+              </a:ext>
+            </a:extLst>
+          </p:cNvPr>
+          <p:cNvSpPr/>
+          <p:nvPr/>
+        </p:nvSpPr>
+        <p:spPr>
+          <a:xfrm>
+            <a:off x="869576" y="2205318"/>
+            <a:ext cx="4123765" cy="3899647"/>
+          </a:xfrm>
+          <a:prstGeom prst="roundRect">
+            <a:avLst/>
+          </a:prstGeom>
+        </p:spPr>
+        <p:style>
+          <a:lnRef idx="2">
+            <a:schemeClr val="accent2">
+              <a:shade val="15000"/>
+            </a:schemeClr>
+          </a:lnRef>
+          <a:fillRef idx="1">
+            <a:schemeClr val="accent2"/>
+          </a:fillRef>
+          <a:effectRef idx="0">
+            <a:schemeClr val="accent2"/>
+          </a:effectRef>
+          <a:fontRef idx="minor">
+            <a:schemeClr val="lt1"/>
+          </a:fontRef>
+        </p:style>
+        <p:txBody>
+          <a:bodyPr rtlCol="0" anchor="ctr"/>
+          <a:lstStyle/>
+          <a:p>
+            <a:pPr algn="ctr"/>
+            <a:endParaRPr lang="en-US"/>
+          </a:p>
+        </p:txBody>
+      </p:sp>
+    </p:spTree>
+    <p:extLst>
+      <p:ext uri="{BB962C8B-B14F-4D97-AF65-F5344CB8AC3E}">
+        <p14:creationId xmlns:p14="http://schemas.microsoft.com/office/powerpoint/2010/main" val="1917826165"/>
+      </p:ext>
+    </p:extLst>
+  </p:cSld>
+  <p:clrMapOvr>
+    <a:masterClrMapping/>
+  </p:clrMapOvr>
+  <mc:AlternateContent xmlns:mc="http://schemas.openxmlformats.org/markup-compatibility/2006">
+    <mc:Choice xmlns:p14="http://schemas.microsoft.com/office/powerpoint/2010/main" Requires="p14">
+      <p:transition spd="slow" p14:dur="900">
+        <p14:warp dir="in"/>
+      </p:transition>
+    </mc:Choice>
+    <mc:Fallback>
+      <p:transition spd="slow">
+        <p:fade/>
+      </p:transition>
+    </mc:Fallback>
+  </mc:AlternateContent>
+</p:sld>
+</file>
+
+<file path=ppt/slides/slide27.xml><?xml version="1.0" encoding="utf-8"?>
+<p:sld xmlns:a="http://schemas.openxmlformats.org/drawingml/2006/main" xmlns:r="http://schemas.openxmlformats.org/officeDocument/2006/relationships" xmlns:p="http://schemas.openxmlformats.org/presentationml/2006/main">
+  <p:cSld>
+    <p:bg>
+      <p:bgPr>
+        <a:solidFill>
+          <a:schemeClr val="tx1"/>
+        </a:solidFill>
+        <a:effectLst/>
+      </p:bgPr>
+    </p:bg>
+    <p:spTree>
+      <p:nvGrpSpPr>
+        <p:cNvPr id="1" name=""/>
+        <p:cNvGrpSpPr/>
+        <p:nvPr/>
+      </p:nvGrpSpPr>
+      <p:grpSpPr>
+        <a:xfrm>
+          <a:off x="0" y="0"/>
+          <a:ext cx="0" cy="0"/>
+          <a:chOff x="0" y="0"/>
+          <a:chExt cx="0" cy="0"/>
+        </a:xfrm>
+      </p:grpSpPr>
+      <p:sp>
+        <p:nvSpPr>
+          <p:cNvPr id="7" name="Rectangle: Rounded Corners 6">
+            <a:extLst>
+              <a:ext uri="{FF2B5EF4-FFF2-40B4-BE49-F238E27FC236}">
+                <a16:creationId xmlns:a16="http://schemas.microsoft.com/office/drawing/2014/main" id="{0714CDEC-E582-3428-DC14-2A4A6E5C6C34}"/>
+              </a:ext>
+            </a:extLst>
+          </p:cNvPr>
+          <p:cNvSpPr/>
+          <p:nvPr/>
+        </p:nvSpPr>
+        <p:spPr>
+          <a:xfrm>
+            <a:off x="869576" y="2205318"/>
+            <a:ext cx="10310370" cy="3899647"/>
+          </a:xfrm>
+          <a:prstGeom prst="roundRect">
+            <a:avLst/>
+          </a:prstGeom>
+        </p:spPr>
+        <p:style>
+          <a:lnRef idx="2">
+            <a:schemeClr val="accent2">
+              <a:shade val="15000"/>
+            </a:schemeClr>
+          </a:lnRef>
+          <a:fillRef idx="1">
+            <a:schemeClr val="accent2"/>
+          </a:fillRef>
+          <a:effectRef idx="0">
+            <a:schemeClr val="accent2"/>
+          </a:effectRef>
+          <a:fontRef idx="minor">
+            <a:schemeClr val="lt1"/>
+          </a:fontRef>
+        </p:style>
+        <p:txBody>
+          <a:bodyPr rtlCol="0" anchor="ctr"/>
+          <a:lstStyle/>
+          <a:p>
+            <a:pPr algn="ctr"/>
+            <a:endParaRPr lang="en-US"/>
+          </a:p>
+        </p:txBody>
+      </p:sp>
+      <p:sp>
+        <p:nvSpPr>
+          <p:cNvPr id="3" name="TextBox 2">
+            <a:extLst>
+              <a:ext uri="{FF2B5EF4-FFF2-40B4-BE49-F238E27FC236}">
+                <a16:creationId xmlns:a16="http://schemas.microsoft.com/office/drawing/2014/main" id="{02101A27-4426-A3CD-6550-ACFA72D4408C}"/>
+              </a:ext>
+            </a:extLst>
+          </p:cNvPr>
+          <p:cNvSpPr txBox="1"/>
+          <p:nvPr/>
+        </p:nvSpPr>
+        <p:spPr>
+          <a:xfrm>
+            <a:off x="421041" y="224117"/>
+            <a:ext cx="7728660" cy="1200329"/>
+          </a:xfrm>
+          <a:prstGeom prst="rect">
+            <a:avLst/>
+          </a:prstGeom>
+          <a:noFill/>
+        </p:spPr>
+        <p:txBody>
+          <a:bodyPr wrap="square" rtlCol="0">
+            <a:spAutoFit/>
+          </a:bodyPr>
+          <a:lstStyle/>
+          <a:p>
+            <a:r>
+              <a:rPr lang="en-US" sz="7200" dirty="0">
+                <a:solidFill>
+                  <a:schemeClr val="bg1"/>
+                </a:solidFill>
+                <a:latin typeface="Aharoni" panose="02010803020104030203" pitchFamily="2" charset="-79"/>
+                <a:cs typeface="Aharoni" panose="02010803020104030203" pitchFamily="2" charset="-79"/>
+              </a:rPr>
+              <a:t>Communication</a:t>
+            </a:r>
+          </a:p>
+        </p:txBody>
+      </p:sp>
+      <p:sp>
+        <p:nvSpPr>
+          <p:cNvPr id="2" name="Flowchart: Connector 1">
+            <a:extLst>
+              <a:ext uri="{FF2B5EF4-FFF2-40B4-BE49-F238E27FC236}">
+                <a16:creationId xmlns:a16="http://schemas.microsoft.com/office/drawing/2014/main" id="{32E03C81-0265-1D9E-FF7A-8C439417A3D7}"/>
+              </a:ext>
+            </a:extLst>
+          </p:cNvPr>
+          <p:cNvSpPr/>
+          <p:nvPr/>
+        </p:nvSpPr>
+        <p:spPr>
+          <a:xfrm>
+            <a:off x="1012054" y="2459115"/>
+            <a:ext cx="3719744" cy="3355759"/>
+          </a:xfrm>
+          <a:prstGeom prst="flowChartConnector">
+            <a:avLst/>
+          </a:prstGeom>
+          <a:blipFill>
+            <a:blip r:embed="rId2"/>
+            <a:stretch>
+              <a:fillRect/>
+            </a:stretch>
+          </a:blipFill>
+        </p:spPr>
+        <p:style>
+          <a:lnRef idx="2">
+            <a:schemeClr val="accent1">
+              <a:shade val="15000"/>
+            </a:schemeClr>
+          </a:lnRef>
+          <a:fillRef idx="1">
+            <a:schemeClr val="accent1"/>
+          </a:fillRef>
+          <a:effectRef idx="0">
+            <a:schemeClr val="accent1"/>
+          </a:effectRef>
+          <a:fontRef idx="minor">
+            <a:schemeClr val="lt1"/>
+          </a:fontRef>
+        </p:style>
+        <p:txBody>
+          <a:bodyPr rtlCol="0" anchor="ctr"/>
+          <a:lstStyle/>
+          <a:p>
+            <a:pPr algn="ctr"/>
+            <a:endParaRPr lang="en-US" dirty="0"/>
+          </a:p>
+        </p:txBody>
+      </p:sp>
+      <p:pic>
+        <p:nvPicPr>
+          <p:cNvPr id="6" name="Picture 5">
+            <a:extLst>
+              <a:ext uri="{FF2B5EF4-FFF2-40B4-BE49-F238E27FC236}">
+                <a16:creationId xmlns:a16="http://schemas.microsoft.com/office/drawing/2014/main" id="{223CC6BD-8D60-49B7-5F42-5EC1E739F47A}"/>
+              </a:ext>
+            </a:extLst>
+          </p:cNvPr>
+          <p:cNvPicPr>
+            <a:picLocks noChangeAspect="1"/>
+          </p:cNvPicPr>
+          <p:nvPr/>
+        </p:nvPicPr>
+        <p:blipFill>
+          <a:blip r:embed="rId3"/>
+          <a:stretch>
+            <a:fillRect/>
+          </a:stretch>
+        </p:blipFill>
+        <p:spPr>
+          <a:xfrm>
+            <a:off x="7180488" y="2459115"/>
+            <a:ext cx="3431441" cy="3451587"/>
+          </a:xfrm>
+          <a:prstGeom prst="ellipse">
+            <a:avLst/>
+          </a:prstGeom>
+          <a:ln w="63500" cap="rnd">
+            <a:solidFill>
+              <a:srgbClr val="333333"/>
+            </a:solidFill>
+          </a:ln>
+          <a:effectLst>
+            <a:outerShdw blurRad="381000" dist="292100" dir="5400000" sx="-80000" sy="-18000" rotWithShape="0">
+              <a:srgbClr val="000000">
+                <a:alpha val="22000"/>
+              </a:srgbClr>
+            </a:outerShdw>
+          </a:effectLst>
+          <a:scene3d>
+            <a:camera prst="orthographicFront"/>
+            <a:lightRig rig="contrasting" dir="t">
+              <a:rot lat="0" lon="0" rev="3000000"/>
+            </a:lightRig>
+          </a:scene3d>
+          <a:sp3d contourW="7620">
+            <a:bevelT w="95250" h="31750"/>
+            <a:contourClr>
+              <a:srgbClr val="333333"/>
+            </a:contourClr>
+          </a:sp3d>
+        </p:spPr>
+      </p:pic>
+    </p:spTree>
+    <p:extLst>
+      <p:ext uri="{BB962C8B-B14F-4D97-AF65-F5344CB8AC3E}">
+        <p14:creationId xmlns:p14="http://schemas.microsoft.com/office/powerpoint/2010/main" val="3642794186"/>
+      </p:ext>
+    </p:extLst>
+  </p:cSld>
+  <p:clrMapOvr>
+    <a:masterClrMapping/>
+  </p:clrMapOvr>
+  <mc:AlternateContent xmlns:mc="http://schemas.openxmlformats.org/markup-compatibility/2006">
+    <mc:Choice xmlns:p159="http://schemas.microsoft.com/office/powerpoint/2015/09/main" Requires="p159">
+      <p:transition xmlns:p14="http://schemas.microsoft.com/office/powerpoint/2010/main" spd="slow" p14:dur="2000">
+        <p159:morph option="byObject"/>
+      </p:transition>
+    </mc:Choice>
+    <mc:Fallback>
+      <p:transition spd="slow">
+        <p:fade/>
+      </p:transition>
+    </mc:Fallback>
+  </mc:AlternateContent>
+</p:sld>
+</file>
+
+<file path=ppt/slides/slide28.xml><?xml version="1.0" encoding="utf-8"?>
+<p:sld xmlns:a="http://schemas.openxmlformats.org/drawingml/2006/main" xmlns:r="http://schemas.openxmlformats.org/officeDocument/2006/relationships" xmlns:p="http://schemas.openxmlformats.org/presentationml/2006/main">
+  <p:cSld>
+    <p:bg>
+      <p:bgPr>
+        <a:solidFill>
+          <a:schemeClr val="tx1"/>
+        </a:solidFill>
+        <a:effectLst/>
+      </p:bgPr>
+    </p:bg>
+    <p:spTree>
+      <p:nvGrpSpPr>
+        <p:cNvPr id="1" name=""/>
+        <p:cNvGrpSpPr/>
+        <p:nvPr/>
+      </p:nvGrpSpPr>
+      <p:grpSpPr>
+        <a:xfrm>
+          <a:off x="0" y="0"/>
+          <a:ext cx="0" cy="0"/>
+          <a:chOff x="0" y="0"/>
+          <a:chExt cx="0" cy="0"/>
+        </a:xfrm>
+      </p:grpSpPr>
+      <p:sp>
+        <p:nvSpPr>
+          <p:cNvPr id="3" name="TextBox 2">
+            <a:extLst>
+              <a:ext uri="{FF2B5EF4-FFF2-40B4-BE49-F238E27FC236}">
+                <a16:creationId xmlns:a16="http://schemas.microsoft.com/office/drawing/2014/main" id="{02101A27-4426-A3CD-6550-ACFA72D4408C}"/>
+              </a:ext>
+            </a:extLst>
+          </p:cNvPr>
+          <p:cNvSpPr txBox="1"/>
+          <p:nvPr/>
+        </p:nvSpPr>
+        <p:spPr>
+          <a:xfrm>
+            <a:off x="421041" y="224117"/>
+            <a:ext cx="5997514" cy="1200329"/>
+          </a:xfrm>
+          <a:prstGeom prst="rect">
+            <a:avLst/>
+          </a:prstGeom>
+          <a:noFill/>
+        </p:spPr>
+        <p:txBody>
+          <a:bodyPr wrap="square" rtlCol="0">
+            <a:spAutoFit/>
+          </a:bodyPr>
+          <a:lstStyle/>
+          <a:p>
+            <a:r>
+              <a:rPr lang="en-US" sz="7200" dirty="0">
+                <a:solidFill>
+                  <a:schemeClr val="bg1"/>
+                </a:solidFill>
+                <a:latin typeface="Aharoni" panose="02010803020104030203" pitchFamily="2" charset="-79"/>
+                <a:cs typeface="Aharoni" panose="02010803020104030203" pitchFamily="2" charset="-79"/>
+              </a:rPr>
+              <a:t>Summary</a:t>
+            </a:r>
+          </a:p>
+        </p:txBody>
+      </p:sp>
+      <p:sp>
+        <p:nvSpPr>
+          <p:cNvPr id="5" name="Rectangle: Rounded Corners 4">
+            <a:extLst>
+              <a:ext uri="{FF2B5EF4-FFF2-40B4-BE49-F238E27FC236}">
+                <a16:creationId xmlns:a16="http://schemas.microsoft.com/office/drawing/2014/main" id="{3E6B3C18-2415-E242-4A4F-DDA55EFEF320}"/>
+              </a:ext>
+            </a:extLst>
+          </p:cNvPr>
+          <p:cNvSpPr/>
+          <p:nvPr/>
+        </p:nvSpPr>
+        <p:spPr>
+          <a:xfrm>
+            <a:off x="168676" y="1748900"/>
+            <a:ext cx="11665258" cy="2379217"/>
+          </a:xfrm>
+          <a:prstGeom prst="roundRect">
+            <a:avLst/>
+          </a:prstGeom>
+        </p:spPr>
+        <p:style>
+          <a:lnRef idx="3">
+            <a:schemeClr val="lt1"/>
+          </a:lnRef>
+          <a:fillRef idx="1">
+            <a:schemeClr val="accent3"/>
+          </a:fillRef>
+          <a:effectRef idx="1">
+            <a:schemeClr val="accent3"/>
+          </a:effectRef>
+          <a:fontRef idx="minor">
+            <a:schemeClr val="lt1"/>
+          </a:fontRef>
+        </p:style>
+        <p:txBody>
+          <a:bodyPr rtlCol="0" anchor="ctr"/>
+          <a:lstStyle/>
+          <a:p>
+            <a:pPr algn="ctr"/>
+            <a:endParaRPr lang="en-US"/>
+          </a:p>
+        </p:txBody>
+      </p:sp>
+      <p:sp>
+        <p:nvSpPr>
+          <p:cNvPr id="4" name="TextBox 3">
+            <a:extLst>
+              <a:ext uri="{FF2B5EF4-FFF2-40B4-BE49-F238E27FC236}">
+                <a16:creationId xmlns:a16="http://schemas.microsoft.com/office/drawing/2014/main" id="{4898E37C-F180-0144-6214-5FA6742C9E36}"/>
+              </a:ext>
+            </a:extLst>
+          </p:cNvPr>
+          <p:cNvSpPr txBox="1"/>
+          <p:nvPr/>
+        </p:nvSpPr>
+        <p:spPr>
+          <a:xfrm>
+            <a:off x="421040" y="2037005"/>
+            <a:ext cx="11182075" cy="1754326"/>
+          </a:xfrm>
+          <a:prstGeom prst="rect">
+            <a:avLst/>
+          </a:prstGeom>
+          <a:noFill/>
+        </p:spPr>
+        <p:txBody>
+          <a:bodyPr wrap="square">
+            <a:spAutoFit/>
+          </a:bodyPr>
+          <a:lstStyle/>
+          <a:p>
+            <a:pPr algn="just"/>
+            <a:r>
+              <a:rPr lang="en-US" dirty="0">
+                <a:latin typeface="Aharoni" panose="02010803020104030203" pitchFamily="2" charset="-79"/>
+                <a:cs typeface="Aharoni" panose="02010803020104030203" pitchFamily="2" charset="-79"/>
+              </a:rPr>
+              <a:t>The project aims to create an immersive and user-friendly digital card game interface by implementing a responsive design with elegant card layouts and smooth animations. It addresses the challenge of engaging users with an interactive and visually appealing gaming experience while ensuring that the interface adapts seamlessly to various devices and screen sizes. The primary goal is to enhance user experience, making the digital card game feel realistic and enjoyable, ultimately resulting in higher user engagement and satisfaction.</a:t>
+            </a:r>
+          </a:p>
+        </p:txBody>
+      </p:sp>
+    </p:spTree>
+    <p:extLst>
+      <p:ext uri="{BB962C8B-B14F-4D97-AF65-F5344CB8AC3E}">
+        <p14:creationId xmlns:p14="http://schemas.microsoft.com/office/powerpoint/2010/main" val="1031026522"/>
+      </p:ext>
+    </p:extLst>
+  </p:cSld>
+  <p:clrMapOvr>
+    <a:masterClrMapping/>
+  </p:clrMapOvr>
+  <mc:AlternateContent xmlns:mc="http://schemas.openxmlformats.org/markup-compatibility/2006">
+    <mc:Choice xmlns:p14="http://schemas.microsoft.com/office/powerpoint/2010/main" Requires="p14">
+      <p:transition spd="slow" p14:dur="900">
+        <p14:warp dir="in"/>
+      </p:transition>
+    </mc:Choice>
+    <mc:Fallback>
+      <p:transition spd="slow">
+        <p:fade/>
+      </p:transition>
+    </mc:Fallback>
+  </mc:AlternateContent>
+</p:sld>
+</file>
+
+<file path=ppt/slides/slide29.xml><?xml version="1.0" encoding="utf-8"?>
 <p:sld xmlns:a="http://schemas.openxmlformats.org/drawingml/2006/main" xmlns:r="http://schemas.openxmlformats.org/officeDocument/2006/relationships" xmlns:p="http://schemas.openxmlformats.org/presentationml/2006/main">
   <p:cSld>
     <p:bg>
